--- a/9、Canal笔记/Canal.pptx
+++ b/9、Canal笔记/Canal.pptx
@@ -7,12 +7,13 @@
   <p:sldIdLst>
     <p:sldId id="256" r:id="rId2"/>
     <p:sldId id="257" r:id="rId3"/>
-    <p:sldId id="260" r:id="rId4"/>
-    <p:sldId id="261" r:id="rId5"/>
-    <p:sldId id="258" r:id="rId6"/>
-    <p:sldId id="264" r:id="rId7"/>
-    <p:sldId id="262" r:id="rId8"/>
-    <p:sldId id="259" r:id="rId9"/>
+    <p:sldId id="265" r:id="rId4"/>
+    <p:sldId id="266" r:id="rId5"/>
+    <p:sldId id="262" r:id="rId6"/>
+    <p:sldId id="267" r:id="rId7"/>
+    <p:sldId id="260" r:id="rId8"/>
+    <p:sldId id="261" r:id="rId9"/>
+    <p:sldId id="268" r:id="rId10"/>
   </p:sldIdLst>
   <p:sldSz cx="12192000" cy="6858000"/>
   <p:notesSz cx="6858000" cy="9144000"/>
@@ -111,6 +112,11 @@
       </a:defRPr>
     </a:lvl9pPr>
   </p:defaultTextStyle>
+  <p:extLst>
+    <p:ext uri="{EFAFB233-063F-42B5-8137-9DF3F51BA10A}">
+      <p15:sldGuideLst xmlns:p15="http://schemas.microsoft.com/office/powerpoint/2012/main"/>
+    </p:ext>
+  </p:extLst>
 </p:presentation>
 </file>
 
@@ -261,7 +267,7 @@
           <a:p>
             <a:fld id="{E38086EF-E3F1-4259-A8CB-60ABA138CED9}" type="datetimeFigureOut">
               <a:rPr lang="zh-CN" altLang="en-US" smtClean="0"/>
-              <a:t>2022/10/24</a:t>
+              <a:t>2022/10/27</a:t>
             </a:fld>
             <a:endParaRPr lang="zh-CN" altLang="en-US"/>
           </a:p>
@@ -459,7 +465,7 @@
           <a:p>
             <a:fld id="{E38086EF-E3F1-4259-A8CB-60ABA138CED9}" type="datetimeFigureOut">
               <a:rPr lang="zh-CN" altLang="en-US" smtClean="0"/>
-              <a:t>2022/10/24</a:t>
+              <a:t>2022/10/27</a:t>
             </a:fld>
             <a:endParaRPr lang="zh-CN" altLang="en-US"/>
           </a:p>
@@ -667,7 +673,7 @@
           <a:p>
             <a:fld id="{E38086EF-E3F1-4259-A8CB-60ABA138CED9}" type="datetimeFigureOut">
               <a:rPr lang="zh-CN" altLang="en-US" smtClean="0"/>
-              <a:t>2022/10/24</a:t>
+              <a:t>2022/10/27</a:t>
             </a:fld>
             <a:endParaRPr lang="zh-CN" altLang="en-US"/>
           </a:p>
@@ -865,7 +871,7 @@
           <a:p>
             <a:fld id="{E38086EF-E3F1-4259-A8CB-60ABA138CED9}" type="datetimeFigureOut">
               <a:rPr lang="zh-CN" altLang="en-US" smtClean="0"/>
-              <a:t>2022/10/24</a:t>
+              <a:t>2022/10/27</a:t>
             </a:fld>
             <a:endParaRPr lang="zh-CN" altLang="en-US"/>
           </a:p>
@@ -1140,7 +1146,7 @@
           <a:p>
             <a:fld id="{E38086EF-E3F1-4259-A8CB-60ABA138CED9}" type="datetimeFigureOut">
               <a:rPr lang="zh-CN" altLang="en-US" smtClean="0"/>
-              <a:t>2022/10/24</a:t>
+              <a:t>2022/10/27</a:t>
             </a:fld>
             <a:endParaRPr lang="zh-CN" altLang="en-US"/>
           </a:p>
@@ -1405,7 +1411,7 @@
           <a:p>
             <a:fld id="{E38086EF-E3F1-4259-A8CB-60ABA138CED9}" type="datetimeFigureOut">
               <a:rPr lang="zh-CN" altLang="en-US" smtClean="0"/>
-              <a:t>2022/10/24</a:t>
+              <a:t>2022/10/27</a:t>
             </a:fld>
             <a:endParaRPr lang="zh-CN" altLang="en-US"/>
           </a:p>
@@ -1817,7 +1823,7 @@
           <a:p>
             <a:fld id="{E38086EF-E3F1-4259-A8CB-60ABA138CED9}" type="datetimeFigureOut">
               <a:rPr lang="zh-CN" altLang="en-US" smtClean="0"/>
-              <a:t>2022/10/24</a:t>
+              <a:t>2022/10/27</a:t>
             </a:fld>
             <a:endParaRPr lang="zh-CN" altLang="en-US"/>
           </a:p>
@@ -1958,7 +1964,7 @@
           <a:p>
             <a:fld id="{E38086EF-E3F1-4259-A8CB-60ABA138CED9}" type="datetimeFigureOut">
               <a:rPr lang="zh-CN" altLang="en-US" smtClean="0"/>
-              <a:t>2022/10/24</a:t>
+              <a:t>2022/10/27</a:t>
             </a:fld>
             <a:endParaRPr lang="zh-CN" altLang="en-US"/>
           </a:p>
@@ -2071,7 +2077,7 @@
           <a:p>
             <a:fld id="{E38086EF-E3F1-4259-A8CB-60ABA138CED9}" type="datetimeFigureOut">
               <a:rPr lang="zh-CN" altLang="en-US" smtClean="0"/>
-              <a:t>2022/10/24</a:t>
+              <a:t>2022/10/27</a:t>
             </a:fld>
             <a:endParaRPr lang="zh-CN" altLang="en-US"/>
           </a:p>
@@ -2382,7 +2388,7 @@
           <a:p>
             <a:fld id="{E38086EF-E3F1-4259-A8CB-60ABA138CED9}" type="datetimeFigureOut">
               <a:rPr lang="zh-CN" altLang="en-US" smtClean="0"/>
-              <a:t>2022/10/24</a:t>
+              <a:t>2022/10/27</a:t>
             </a:fld>
             <a:endParaRPr lang="zh-CN" altLang="en-US"/>
           </a:p>
@@ -2670,7 +2676,7 @@
           <a:p>
             <a:fld id="{E38086EF-E3F1-4259-A8CB-60ABA138CED9}" type="datetimeFigureOut">
               <a:rPr lang="zh-CN" altLang="en-US" smtClean="0"/>
-              <a:t>2022/10/24</a:t>
+              <a:t>2022/10/27</a:t>
             </a:fld>
             <a:endParaRPr lang="zh-CN" altLang="en-US"/>
           </a:p>
@@ -2911,7 +2917,7 @@
           <a:p>
             <a:fld id="{E38086EF-E3F1-4259-A8CB-60ABA138CED9}" type="datetimeFigureOut">
               <a:rPr lang="zh-CN" altLang="en-US" smtClean="0"/>
-              <a:t>2022/10/24</a:t>
+              <a:t>2022/10/27</a:t>
             </a:fld>
             <a:endParaRPr lang="zh-CN" altLang="en-US"/>
           </a:p>
@@ -3437,12 +3443,8 @@
           <a:lstStyle/>
           <a:p>
             <a:r>
-              <a:rPr lang="en-US" altLang="zh-CN" dirty="0"/>
-              <a:t>Canal</a:t>
-            </a:r>
-            <a:r>
               <a:rPr lang="zh-CN" altLang="en-US" dirty="0"/>
-              <a:t>入门</a:t>
+              <a:t>简介</a:t>
             </a:r>
           </a:p>
         </p:txBody>
@@ -3470,240 +3472,468 @@
           </a:bodyPr>
           <a:lstStyle/>
           <a:p>
+            <a:pPr marL="0" indent="0">
+              <a:buNone/>
+            </a:pPr>
             <a:endParaRPr lang="zh-CN" altLang="en-US" sz="2000" dirty="0">
               <a:latin typeface="宋体" panose="02010600030101010101" pitchFamily="2" charset="-122"/>
               <a:ea typeface="宋体" panose="02010600030101010101" pitchFamily="2" charset="-122"/>
             </a:endParaRPr>
           </a:p>
           <a:p>
-            <a:r>
-              <a:rPr lang="zh-CN" altLang="en-US" sz="2000" dirty="0">
-                <a:latin typeface="宋体" panose="02010600030101010101" pitchFamily="2" charset="-122"/>
-                <a:ea typeface="宋体" panose="02010600030101010101" pitchFamily="2" charset="-122"/>
-              </a:rPr>
-              <a:t>什么是</a:t>
-            </a:r>
-            <a:r>
-              <a:rPr lang="en-US" altLang="zh-CN" sz="2000" dirty="0">
-                <a:latin typeface="宋体" panose="02010600030101010101" pitchFamily="2" charset="-122"/>
-                <a:ea typeface="宋体" panose="02010600030101010101" pitchFamily="2" charset="-122"/>
+            <a:pPr algn="l"/>
+            <a:r>
+              <a:rPr lang="en-US" altLang="zh-CN" sz="1600" b="1" i="0" dirty="0">
+                <a:solidFill>
+                  <a:srgbClr val="24292F"/>
+                </a:solidFill>
+                <a:effectLst/>
+                <a:latin typeface="-apple-system"/>
+              </a:rPr>
+              <a:t>canal [kə‘næl]</a:t>
+            </a:r>
+            <a:r>
+              <a:rPr lang="zh-CN" altLang="en-US" sz="1600" b="0" i="0" dirty="0">
+                <a:solidFill>
+                  <a:srgbClr val="24292F"/>
+                </a:solidFill>
+                <a:effectLst/>
+                <a:latin typeface="-apple-system"/>
+              </a:rPr>
+              <a:t>，译意为水道</a:t>
+            </a:r>
+            <a:r>
+              <a:rPr lang="en-US" altLang="zh-CN" sz="1600" b="0" i="0" dirty="0">
+                <a:solidFill>
+                  <a:srgbClr val="24292F"/>
+                </a:solidFill>
+                <a:effectLst/>
+                <a:latin typeface="-apple-system"/>
+              </a:rPr>
+              <a:t>/</a:t>
+            </a:r>
+            <a:r>
+              <a:rPr lang="zh-CN" altLang="en-US" sz="1600" b="0" i="0" dirty="0">
+                <a:solidFill>
+                  <a:srgbClr val="24292F"/>
+                </a:solidFill>
+                <a:effectLst/>
+                <a:latin typeface="-apple-system"/>
+              </a:rPr>
+              <a:t>管道</a:t>
+            </a:r>
+            <a:r>
+              <a:rPr lang="en-US" altLang="zh-CN" sz="1600" b="0" i="0" dirty="0">
+                <a:solidFill>
+                  <a:srgbClr val="24292F"/>
+                </a:solidFill>
+                <a:effectLst/>
+                <a:latin typeface="-apple-system"/>
+              </a:rPr>
+              <a:t>/</a:t>
+            </a:r>
+            <a:r>
+              <a:rPr lang="zh-CN" altLang="en-US" sz="1600" b="0" i="0" dirty="0">
+                <a:solidFill>
+                  <a:srgbClr val="24292F"/>
+                </a:solidFill>
+                <a:effectLst/>
+                <a:latin typeface="-apple-system"/>
+              </a:rPr>
+              <a:t>沟渠，主要用途是基于 </a:t>
+            </a:r>
+            <a:r>
+              <a:rPr lang="en-US" altLang="zh-CN" sz="1600" b="0" i="0" dirty="0">
+                <a:solidFill>
+                  <a:srgbClr val="24292F"/>
+                </a:solidFill>
+                <a:effectLst/>
+                <a:latin typeface="-apple-system"/>
+              </a:rPr>
+              <a:t>MySQL </a:t>
+            </a:r>
+            <a:r>
+              <a:rPr lang="zh-CN" altLang="en-US" sz="1600" b="0" i="0" dirty="0">
+                <a:solidFill>
+                  <a:srgbClr val="24292F"/>
+                </a:solidFill>
+                <a:effectLst/>
+                <a:latin typeface="-apple-system"/>
+              </a:rPr>
+              <a:t>数据库增量日志解析，提供增量数据订阅和消费，</a:t>
+            </a:r>
+            <a:endParaRPr lang="en-US" altLang="zh-CN" sz="1600" b="0" i="0" dirty="0">
+              <a:solidFill>
+                <a:srgbClr val="24292F"/>
+              </a:solidFill>
+              <a:effectLst/>
+              <a:latin typeface="-apple-system"/>
+            </a:endParaRPr>
+          </a:p>
+          <a:p>
+            <a:pPr algn="l"/>
+            <a:r>
+              <a:rPr lang="zh-CN" altLang="en-US" sz="1600" dirty="0">
+                <a:solidFill>
+                  <a:srgbClr val="24292F"/>
+                </a:solidFill>
+                <a:latin typeface="-apple-system"/>
+              </a:rPr>
+              <a:t>我们可以简单地把</a:t>
+            </a:r>
+            <a:r>
+              <a:rPr lang="en-US" altLang="zh-CN" sz="1600" dirty="0">
+                <a:solidFill>
+                  <a:srgbClr val="24292F"/>
+                </a:solidFill>
+                <a:latin typeface="-apple-system"/>
               </a:rPr>
               <a:t>canal</a:t>
             </a:r>
-          </a:p>
-          <a:p>
-            <a:r>
-              <a:rPr lang="zh-CN" altLang="en-US" sz="2000" dirty="0">
-                <a:latin typeface="宋体" panose="02010600030101010101" pitchFamily="2" charset="-122"/>
-                <a:ea typeface="宋体" panose="02010600030101010101" pitchFamily="2" charset="-122"/>
-              </a:rPr>
-              <a:t>阿里巴巴</a:t>
-            </a:r>
-            <a:r>
-              <a:rPr lang="en-US" altLang="zh-CN" sz="2000" dirty="0">
-                <a:latin typeface="宋体" panose="02010600030101010101" pitchFamily="2" charset="-122"/>
-                <a:ea typeface="宋体" panose="02010600030101010101" pitchFamily="2" charset="-122"/>
-              </a:rPr>
-              <a:t>B2B</a:t>
-            </a:r>
-            <a:r>
-              <a:rPr lang="zh-CN" altLang="en-US" sz="2000" dirty="0">
-                <a:latin typeface="宋体" panose="02010600030101010101" pitchFamily="2" charset="-122"/>
-                <a:ea typeface="宋体" panose="02010600030101010101" pitchFamily="2" charset="-122"/>
-              </a:rPr>
-              <a:t>公司，因为业务的特性，卖家主要集中在国内，买家主要集中在国外，所以衍生出了杭州和美国异地机房的需求，从</a:t>
-            </a:r>
-            <a:r>
-              <a:rPr lang="en-US" altLang="zh-CN" sz="2000" dirty="0">
-                <a:latin typeface="宋体" panose="02010600030101010101" pitchFamily="2" charset="-122"/>
-                <a:ea typeface="宋体" panose="02010600030101010101" pitchFamily="2" charset="-122"/>
-              </a:rPr>
-              <a:t>2010</a:t>
-            </a:r>
-            <a:r>
-              <a:rPr lang="zh-CN" altLang="en-US" sz="2000" dirty="0">
-                <a:latin typeface="宋体" panose="02010600030101010101" pitchFamily="2" charset="-122"/>
-                <a:ea typeface="宋体" panose="02010600030101010101" pitchFamily="2" charset="-122"/>
-              </a:rPr>
-              <a:t>年开始，阿里系公司开始逐步的尝试基于数据库的日志解析，获取增量变更进行同步，由此衍生出了增量订阅</a:t>
-            </a:r>
-            <a:r>
-              <a:rPr lang="en-US" altLang="zh-CN" sz="2000" dirty="0">
-                <a:latin typeface="宋体" panose="02010600030101010101" pitchFamily="2" charset="-122"/>
-                <a:ea typeface="宋体" panose="02010600030101010101" pitchFamily="2" charset="-122"/>
-              </a:rPr>
-              <a:t>&amp;</a:t>
-            </a:r>
-            <a:r>
-              <a:rPr lang="zh-CN" altLang="en-US" sz="2000" dirty="0">
-                <a:latin typeface="宋体" panose="02010600030101010101" pitchFamily="2" charset="-122"/>
-                <a:ea typeface="宋体" panose="02010600030101010101" pitchFamily="2" charset="-122"/>
-              </a:rPr>
-              <a:t>消费的业务。</a:t>
-            </a:r>
-          </a:p>
-          <a:p>
-            <a:endParaRPr lang="zh-CN" altLang="en-US" sz="2000" dirty="0">
-              <a:latin typeface="宋体" panose="02010600030101010101" pitchFamily="2" charset="-122"/>
-              <a:ea typeface="宋体" panose="02010600030101010101" pitchFamily="2" charset="-122"/>
+            <a:r>
+              <a:rPr lang="zh-CN" altLang="en-US" sz="1600" dirty="0">
+                <a:solidFill>
+                  <a:srgbClr val="24292F"/>
+                </a:solidFill>
+                <a:latin typeface="-apple-system"/>
+              </a:rPr>
+              <a:t>理解为一个用来同步增量数据的一个工具。</a:t>
+            </a:r>
+            <a:endParaRPr lang="zh-CN" altLang="en-US" sz="1600" b="0" i="0" dirty="0">
+              <a:solidFill>
+                <a:srgbClr val="24292F"/>
+              </a:solidFill>
+              <a:effectLst/>
+              <a:latin typeface="-apple-system"/>
             </a:endParaRPr>
           </a:p>
           <a:p>
-            <a:r>
-              <a:rPr lang="en-US" altLang="zh-CN" sz="2000" dirty="0">
-                <a:latin typeface="宋体" panose="02010600030101010101" pitchFamily="2" charset="-122"/>
-                <a:ea typeface="宋体" panose="02010600030101010101" pitchFamily="2" charset="-122"/>
-              </a:rPr>
-              <a:t>canal</a:t>
-            </a:r>
-            <a:r>
-              <a:rPr lang="zh-CN" altLang="en-US" sz="2000" dirty="0">
-                <a:latin typeface="宋体" panose="02010600030101010101" pitchFamily="2" charset="-122"/>
-                <a:ea typeface="宋体" panose="02010600030101010101" pitchFamily="2" charset="-122"/>
-              </a:rPr>
-              <a:t>是用</a:t>
-            </a:r>
-            <a:r>
-              <a:rPr lang="en-US" altLang="zh-CN" sz="2000" dirty="0">
-                <a:latin typeface="宋体" panose="02010600030101010101" pitchFamily="2" charset="-122"/>
-                <a:ea typeface="宋体" panose="02010600030101010101" pitchFamily="2" charset="-122"/>
-              </a:rPr>
-              <a:t>java</a:t>
-            </a:r>
-            <a:r>
-              <a:rPr lang="zh-CN" altLang="en-US" sz="2000" dirty="0">
-                <a:latin typeface="宋体" panose="02010600030101010101" pitchFamily="2" charset="-122"/>
-                <a:ea typeface="宋体" panose="02010600030101010101" pitchFamily="2" charset="-122"/>
-              </a:rPr>
-              <a:t>开发的基于数据库增量日志解析，提供增量数据订阅</a:t>
-            </a:r>
-            <a:r>
-              <a:rPr lang="en-US" altLang="zh-CN" sz="2000" dirty="0">
-                <a:latin typeface="宋体" panose="02010600030101010101" pitchFamily="2" charset="-122"/>
-                <a:ea typeface="宋体" panose="02010600030101010101" pitchFamily="2" charset="-122"/>
-              </a:rPr>
-              <a:t>&amp;</a:t>
-            </a:r>
-            <a:r>
-              <a:rPr lang="zh-CN" altLang="en-US" sz="2000" dirty="0">
-                <a:latin typeface="宋体" panose="02010600030101010101" pitchFamily="2" charset="-122"/>
-                <a:ea typeface="宋体" panose="02010600030101010101" pitchFamily="2" charset="-122"/>
-              </a:rPr>
-              <a:t>消费的中间件。目前，</a:t>
-            </a:r>
-            <a:r>
-              <a:rPr lang="en-US" altLang="zh-CN" sz="2000" dirty="0">
-                <a:latin typeface="宋体" panose="02010600030101010101" pitchFamily="2" charset="-122"/>
-                <a:ea typeface="宋体" panose="02010600030101010101" pitchFamily="2" charset="-122"/>
-              </a:rPr>
-              <a:t>canal</a:t>
-            </a:r>
-            <a:r>
-              <a:rPr lang="zh-CN" altLang="en-US" sz="2000" dirty="0">
-                <a:latin typeface="宋体" panose="02010600030101010101" pitchFamily="2" charset="-122"/>
-                <a:ea typeface="宋体" panose="02010600030101010101" pitchFamily="2" charset="-122"/>
-              </a:rPr>
-              <a:t>主要支持了</a:t>
-            </a:r>
-            <a:r>
-              <a:rPr lang="en-US" altLang="zh-CN" sz="2000" dirty="0">
-                <a:latin typeface="宋体" panose="02010600030101010101" pitchFamily="2" charset="-122"/>
-                <a:ea typeface="宋体" panose="02010600030101010101" pitchFamily="2" charset="-122"/>
-              </a:rPr>
-              <a:t>MySQL</a:t>
-            </a:r>
-            <a:r>
-              <a:rPr lang="zh-CN" altLang="en-US" sz="2000" dirty="0">
-                <a:latin typeface="宋体" panose="02010600030101010101" pitchFamily="2" charset="-122"/>
-                <a:ea typeface="宋体" panose="02010600030101010101" pitchFamily="2" charset="-122"/>
-              </a:rPr>
-              <a:t>的</a:t>
-            </a:r>
-            <a:r>
-              <a:rPr lang="en-US" altLang="zh-CN" sz="2000" dirty="0" err="1">
-                <a:latin typeface="宋体" panose="02010600030101010101" pitchFamily="2" charset="-122"/>
-                <a:ea typeface="宋体" panose="02010600030101010101" pitchFamily="2" charset="-122"/>
-              </a:rPr>
-              <a:t>binlog</a:t>
-            </a:r>
-            <a:r>
-              <a:rPr lang="zh-CN" altLang="en-US" sz="2000" dirty="0">
-                <a:latin typeface="宋体" panose="02010600030101010101" pitchFamily="2" charset="-122"/>
-                <a:ea typeface="宋体" panose="02010600030101010101" pitchFamily="2" charset="-122"/>
-              </a:rPr>
-              <a:t>解析，解析完成后才利用</a:t>
-            </a:r>
-            <a:r>
-              <a:rPr lang="en-US" altLang="zh-CN" sz="2000" dirty="0">
-                <a:latin typeface="宋体" panose="02010600030101010101" pitchFamily="2" charset="-122"/>
-                <a:ea typeface="宋体" panose="02010600030101010101" pitchFamily="2" charset="-122"/>
-              </a:rPr>
-              <a:t>canal client </a:t>
-            </a:r>
-            <a:r>
-              <a:rPr lang="zh-CN" altLang="en-US" sz="2000" dirty="0">
-                <a:latin typeface="宋体" panose="02010600030101010101" pitchFamily="2" charset="-122"/>
-                <a:ea typeface="宋体" panose="02010600030101010101" pitchFamily="2" charset="-122"/>
-              </a:rPr>
-              <a:t>用来处理获得的相关数据。（数据库同步需要阿里的</a:t>
-            </a:r>
-            <a:r>
-              <a:rPr lang="en-US" altLang="zh-CN" sz="2000" dirty="0">
-                <a:latin typeface="宋体" panose="02010600030101010101" pitchFamily="2" charset="-122"/>
-                <a:ea typeface="宋体" panose="02010600030101010101" pitchFamily="2" charset="-122"/>
-              </a:rPr>
-              <a:t>otter</a:t>
-            </a:r>
-            <a:r>
-              <a:rPr lang="zh-CN" altLang="en-US" sz="2000" dirty="0">
-                <a:latin typeface="宋体" panose="02010600030101010101" pitchFamily="2" charset="-122"/>
-                <a:ea typeface="宋体" panose="02010600030101010101" pitchFamily="2" charset="-122"/>
-              </a:rPr>
-              <a:t>中间件，基于</a:t>
-            </a:r>
-            <a:r>
-              <a:rPr lang="en-US" altLang="zh-CN" sz="2000" dirty="0">
-                <a:latin typeface="宋体" panose="02010600030101010101" pitchFamily="2" charset="-122"/>
-                <a:ea typeface="宋体" panose="02010600030101010101" pitchFamily="2" charset="-122"/>
-              </a:rPr>
-              <a:t>canal</a:t>
-            </a:r>
-            <a:r>
-              <a:rPr lang="zh-CN" altLang="en-US" sz="2000" dirty="0">
-                <a:latin typeface="宋体" panose="02010600030101010101" pitchFamily="2" charset="-122"/>
-                <a:ea typeface="宋体" panose="02010600030101010101" pitchFamily="2" charset="-122"/>
-              </a:rPr>
-              <a:t>）。</a:t>
-            </a:r>
-          </a:p>
-          <a:p>
-            <a:endParaRPr lang="zh-CN" altLang="en-US" sz="2000" dirty="0">
-              <a:latin typeface="宋体" panose="02010600030101010101" pitchFamily="2" charset="-122"/>
-              <a:ea typeface="宋体" panose="02010600030101010101" pitchFamily="2" charset="-122"/>
+            <a:pPr algn="l"/>
+            <a:r>
+              <a:rPr lang="zh-CN" altLang="en-US" sz="1600" b="0" i="0" dirty="0">
+                <a:solidFill>
+                  <a:srgbClr val="24292F"/>
+                </a:solidFill>
+                <a:effectLst/>
+                <a:latin typeface="-apple-system"/>
+              </a:rPr>
+              <a:t>早期阿里巴巴因为杭州和美国双机房部署，存在跨机房同步的业务需求，实现方式主要是基于业务 </a:t>
+            </a:r>
+            <a:r>
+              <a:rPr lang="en-US" altLang="zh-CN" sz="1600" b="0" i="0" dirty="0">
+                <a:solidFill>
+                  <a:srgbClr val="24292F"/>
+                </a:solidFill>
+                <a:effectLst/>
+                <a:latin typeface="-apple-system"/>
+              </a:rPr>
+              <a:t>trigger </a:t>
+            </a:r>
+            <a:r>
+              <a:rPr lang="zh-CN" altLang="en-US" sz="1600" b="0" i="0" dirty="0">
+                <a:solidFill>
+                  <a:srgbClr val="24292F"/>
+                </a:solidFill>
+                <a:effectLst/>
+                <a:latin typeface="-apple-system"/>
+              </a:rPr>
+              <a:t>获取</a:t>
+            </a:r>
+            <a:endParaRPr lang="en-US" altLang="zh-CN" sz="1600" b="0" i="0" dirty="0">
+              <a:solidFill>
+                <a:srgbClr val="24292F"/>
+              </a:solidFill>
+              <a:effectLst/>
+              <a:latin typeface="-apple-system"/>
             </a:endParaRPr>
           </a:p>
           <a:p>
-            <a:r>
-              <a:rPr lang="zh-CN" altLang="en-US" sz="2000" dirty="0">
-                <a:latin typeface="宋体" panose="02010600030101010101" pitchFamily="2" charset="-122"/>
-                <a:ea typeface="宋体" panose="02010600030101010101" pitchFamily="2" charset="-122"/>
-              </a:rPr>
-              <a:t>这里我们可以简单地把</a:t>
-            </a:r>
-            <a:r>
-              <a:rPr lang="en-US" altLang="zh-CN" sz="2000" dirty="0">
-                <a:latin typeface="宋体" panose="02010600030101010101" pitchFamily="2" charset="-122"/>
-                <a:ea typeface="宋体" panose="02010600030101010101" pitchFamily="2" charset="-122"/>
-              </a:rPr>
-              <a:t>canal</a:t>
-            </a:r>
-            <a:r>
-              <a:rPr lang="zh-CN" altLang="en-US" sz="2000" dirty="0">
-                <a:latin typeface="宋体" panose="02010600030101010101" pitchFamily="2" charset="-122"/>
-                <a:ea typeface="宋体" panose="02010600030101010101" pitchFamily="2" charset="-122"/>
-              </a:rPr>
-              <a:t>理解为一个用来同步增量数据的一个工具。</a:t>
-            </a:r>
+            <a:pPr algn="l"/>
+            <a:r>
+              <a:rPr lang="zh-CN" altLang="en-US" sz="1600" b="0" i="0" dirty="0">
+                <a:solidFill>
+                  <a:srgbClr val="24292F"/>
+                </a:solidFill>
+                <a:effectLst/>
+                <a:latin typeface="-apple-system"/>
+              </a:rPr>
+              <a:t>增量变更。从 </a:t>
+            </a:r>
+            <a:r>
+              <a:rPr lang="en-US" altLang="zh-CN" sz="1600" b="0" i="0" dirty="0">
+                <a:solidFill>
+                  <a:srgbClr val="24292F"/>
+                </a:solidFill>
+                <a:effectLst/>
+                <a:latin typeface="-apple-system"/>
+              </a:rPr>
+              <a:t>2010 </a:t>
+            </a:r>
+            <a:r>
+              <a:rPr lang="zh-CN" altLang="en-US" sz="1600" b="0" i="0" dirty="0">
+                <a:solidFill>
+                  <a:srgbClr val="24292F"/>
+                </a:solidFill>
+                <a:effectLst/>
+                <a:latin typeface="-apple-system"/>
+              </a:rPr>
+              <a:t>年开始，业务逐步尝试数据库日志解析获取增量变更进行同步，由此衍生出了大量的数据库增</a:t>
+            </a:r>
+            <a:endParaRPr lang="en-US" altLang="zh-CN" sz="1600" b="0" i="0" dirty="0">
+              <a:solidFill>
+                <a:srgbClr val="24292F"/>
+              </a:solidFill>
+              <a:effectLst/>
+              <a:latin typeface="-apple-system"/>
+            </a:endParaRPr>
+          </a:p>
+          <a:p>
+            <a:pPr algn="l"/>
+            <a:r>
+              <a:rPr lang="zh-CN" altLang="en-US" sz="1600" b="0" i="0" dirty="0">
+                <a:solidFill>
+                  <a:srgbClr val="24292F"/>
+                </a:solidFill>
+                <a:effectLst/>
+                <a:latin typeface="-apple-system"/>
+              </a:rPr>
+              <a:t>量订阅和消费业务</a:t>
+            </a:r>
+            <a:r>
+              <a:rPr lang="zh-CN" altLang="en-US" sz="1600" dirty="0">
+                <a:solidFill>
+                  <a:srgbClr val="24292F"/>
+                </a:solidFill>
+                <a:latin typeface="-apple-system"/>
+              </a:rPr>
+              <a:t>。</a:t>
+            </a:r>
+            <a:endParaRPr lang="zh-CN" altLang="en-US" sz="1600" b="0" i="0" dirty="0">
+              <a:solidFill>
+                <a:srgbClr val="24292F"/>
+              </a:solidFill>
+              <a:effectLst/>
+              <a:latin typeface="-apple-system"/>
+            </a:endParaRPr>
+          </a:p>
+          <a:p>
+            <a:pPr algn="l"/>
+            <a:r>
+              <a:rPr lang="zh-CN" altLang="en-US" sz="1600" b="0" i="0" dirty="0">
+                <a:solidFill>
+                  <a:srgbClr val="24292F"/>
+                </a:solidFill>
+                <a:effectLst/>
+                <a:latin typeface="-apple-system"/>
+              </a:rPr>
+              <a:t>基于日志增量订阅和消费的业务包括：</a:t>
+            </a:r>
+          </a:p>
+          <a:p>
+            <a:pPr lvl="1"/>
+            <a:r>
+              <a:rPr lang="zh-CN" altLang="en-US" sz="1600" b="0" i="0" dirty="0">
+                <a:solidFill>
+                  <a:srgbClr val="24292F"/>
+                </a:solidFill>
+                <a:effectLst/>
+                <a:latin typeface="-apple-system"/>
+              </a:rPr>
+              <a:t>数据库镜像</a:t>
+            </a:r>
+          </a:p>
+          <a:p>
+            <a:pPr lvl="1"/>
+            <a:r>
+              <a:rPr lang="zh-CN" altLang="en-US" sz="1600" b="0" i="0" dirty="0">
+                <a:solidFill>
+                  <a:srgbClr val="24292F"/>
+                </a:solidFill>
+                <a:effectLst/>
+                <a:latin typeface="-apple-system"/>
+              </a:rPr>
+              <a:t>数据库实时备份</a:t>
+            </a:r>
+          </a:p>
+          <a:p>
+            <a:pPr lvl="1"/>
+            <a:r>
+              <a:rPr lang="zh-CN" altLang="en-US" sz="1600" b="0" i="0" dirty="0">
+                <a:solidFill>
+                  <a:srgbClr val="24292F"/>
+                </a:solidFill>
+                <a:effectLst/>
+                <a:latin typeface="-apple-system"/>
+              </a:rPr>
+              <a:t>索引构建和实时维护</a:t>
+            </a:r>
+            <a:r>
+              <a:rPr lang="en-US" altLang="zh-CN" sz="1600" b="0" i="0" dirty="0">
+                <a:solidFill>
+                  <a:srgbClr val="24292F"/>
+                </a:solidFill>
+                <a:effectLst/>
+                <a:latin typeface="-apple-system"/>
+              </a:rPr>
+              <a:t>(</a:t>
+            </a:r>
+            <a:r>
+              <a:rPr lang="zh-CN" altLang="en-US" sz="1600" b="0" i="0" dirty="0">
+                <a:solidFill>
+                  <a:srgbClr val="24292F"/>
+                </a:solidFill>
+                <a:effectLst/>
+                <a:latin typeface="-apple-system"/>
+              </a:rPr>
+              <a:t>拆分异构索引、倒排索引等</a:t>
+            </a:r>
+            <a:r>
+              <a:rPr lang="en-US" altLang="zh-CN" sz="1600" b="0" i="0" dirty="0">
+                <a:solidFill>
+                  <a:srgbClr val="24292F"/>
+                </a:solidFill>
+                <a:effectLst/>
+                <a:latin typeface="-apple-system"/>
+              </a:rPr>
+              <a:t>)</a:t>
+            </a:r>
+          </a:p>
+          <a:p>
+            <a:pPr lvl="1"/>
+            <a:r>
+              <a:rPr lang="zh-CN" altLang="en-US" sz="1600" b="0" i="0" dirty="0">
+                <a:solidFill>
+                  <a:srgbClr val="24292F"/>
+                </a:solidFill>
+                <a:effectLst/>
+                <a:latin typeface="-apple-system"/>
+              </a:rPr>
+              <a:t>业务 </a:t>
+            </a:r>
+            <a:r>
+              <a:rPr lang="en-US" altLang="zh-CN" sz="1600" b="0" i="0" dirty="0">
+                <a:solidFill>
+                  <a:srgbClr val="24292F"/>
+                </a:solidFill>
+                <a:effectLst/>
+                <a:latin typeface="-apple-system"/>
+              </a:rPr>
+              <a:t>cache </a:t>
+            </a:r>
+            <a:r>
+              <a:rPr lang="zh-CN" altLang="en-US" sz="1600" b="0" i="0" dirty="0">
+                <a:solidFill>
+                  <a:srgbClr val="24292F"/>
+                </a:solidFill>
+                <a:effectLst/>
+                <a:latin typeface="-apple-system"/>
+              </a:rPr>
+              <a:t>刷新</a:t>
+            </a:r>
+          </a:p>
+          <a:p>
+            <a:pPr lvl="1"/>
+            <a:r>
+              <a:rPr lang="zh-CN" altLang="en-US" sz="1600" b="0" i="0" dirty="0">
+                <a:solidFill>
+                  <a:srgbClr val="24292F"/>
+                </a:solidFill>
+                <a:effectLst/>
+                <a:latin typeface="-apple-system"/>
+              </a:rPr>
+              <a:t>带业务逻辑的增量数据处理</a:t>
+            </a:r>
+            <a:r>
+              <a:rPr lang="en-US" altLang="zh-CN" sz="1200" b="0" i="0" dirty="0">
+                <a:solidFill>
+                  <a:srgbClr val="24292F"/>
+                </a:solidFill>
+                <a:effectLst/>
+                <a:latin typeface="-apple-system"/>
+              </a:rPr>
+              <a:t>	</a:t>
+            </a:r>
+            <a:endParaRPr lang="zh-CN" altLang="en-US" sz="1200" b="0" i="0" dirty="0">
+              <a:solidFill>
+                <a:srgbClr val="24292F"/>
+              </a:solidFill>
+              <a:effectLst/>
+              <a:latin typeface="-apple-system"/>
+            </a:endParaRPr>
+          </a:p>
+          <a:p>
+            <a:pPr algn="l"/>
+            <a:r>
+              <a:rPr lang="zh-CN" altLang="en-US" sz="1600" b="0" i="0" dirty="0">
+                <a:solidFill>
+                  <a:srgbClr val="24292F"/>
+                </a:solidFill>
+                <a:effectLst/>
+                <a:latin typeface="-apple-system"/>
+              </a:rPr>
+              <a:t>当前的 </a:t>
+            </a:r>
+            <a:r>
+              <a:rPr lang="en-US" altLang="zh-CN" sz="1600" b="0" i="0" dirty="0">
+                <a:solidFill>
+                  <a:srgbClr val="24292F"/>
+                </a:solidFill>
+                <a:effectLst/>
+                <a:latin typeface="-apple-system"/>
+              </a:rPr>
+              <a:t>canal </a:t>
+            </a:r>
+            <a:r>
+              <a:rPr lang="zh-CN" altLang="en-US" sz="1600" b="0" i="0" dirty="0">
+                <a:solidFill>
+                  <a:srgbClr val="24292F"/>
+                </a:solidFill>
+                <a:effectLst/>
+                <a:latin typeface="-apple-system"/>
+              </a:rPr>
+              <a:t>支持源端 </a:t>
+            </a:r>
+            <a:r>
+              <a:rPr lang="en-US" altLang="zh-CN" sz="1600" b="0" i="0" dirty="0">
+                <a:solidFill>
+                  <a:srgbClr val="24292F"/>
+                </a:solidFill>
+                <a:effectLst/>
+                <a:latin typeface="-apple-system"/>
+              </a:rPr>
+              <a:t>MySQL </a:t>
+            </a:r>
+            <a:r>
+              <a:rPr lang="zh-CN" altLang="en-US" sz="1600" b="0" i="0" dirty="0">
+                <a:solidFill>
+                  <a:srgbClr val="24292F"/>
+                </a:solidFill>
+                <a:effectLst/>
+                <a:latin typeface="-apple-system"/>
+              </a:rPr>
+              <a:t>版本包括 </a:t>
+            </a:r>
+            <a:r>
+              <a:rPr lang="en-US" altLang="zh-CN" sz="1600" b="0" i="0" dirty="0">
+                <a:solidFill>
+                  <a:srgbClr val="24292F"/>
+                </a:solidFill>
+                <a:effectLst/>
+                <a:latin typeface="-apple-system"/>
+              </a:rPr>
+              <a:t>5.1.x , 5.5.x , 5.6.x , 5.7.x , 8.0.x</a:t>
+            </a:r>
+          </a:p>
+          <a:p>
+            <a:pPr marL="0" indent="0">
+              <a:buNone/>
+            </a:pPr>
+            <a:endParaRPr lang="zh-CN" altLang="en-US" sz="1600" dirty="0">
+              <a:solidFill>
+                <a:srgbClr val="24292F"/>
+              </a:solidFill>
+              <a:latin typeface="-apple-system"/>
+            </a:endParaRPr>
           </a:p>
         </p:txBody>
       </p:sp>
@@ -3742,7 +3972,7 @@
           <p:cNvPr id="2" name="标题 1">
             <a:extLst>
               <a:ext uri="{FF2B5EF4-FFF2-40B4-BE49-F238E27FC236}">
-                <a16:creationId xmlns:a16="http://schemas.microsoft.com/office/drawing/2014/main" id="{68E5B374-F95E-656E-34E3-C33506323A99}"/>
+                <a16:creationId xmlns:a16="http://schemas.microsoft.com/office/drawing/2014/main" id="{CBCCEBE1-EA8A-8113-F442-4AECE7345392}"/>
               </a:ext>
             </a:extLst>
           </p:cNvPr>
@@ -3759,18 +3989,9 @@
           <a:lstStyle/>
           <a:p>
             <a:r>
-              <a:rPr lang="en-US" altLang="zh-CN" dirty="0"/>
-              <a:t>MySQL</a:t>
-            </a:r>
-            <a:r>
               <a:rPr lang="zh-CN" altLang="en-US" dirty="0"/>
-              <a:t>的</a:t>
-            </a:r>
-            <a:r>
-              <a:rPr lang="en-US" altLang="zh-CN" dirty="0" err="1"/>
-              <a:t>Binlog</a:t>
-            </a:r>
-            <a:endParaRPr lang="zh-CN" altLang="en-US" dirty="0"/>
+              <a:t>工作原理</a:t>
+            </a:r>
           </a:p>
         </p:txBody>
       </p:sp>
@@ -3779,7 +4000,7 @@
           <p:cNvPr id="3" name="内容占位符 2">
             <a:extLst>
               <a:ext uri="{FF2B5EF4-FFF2-40B4-BE49-F238E27FC236}">
-                <a16:creationId xmlns:a16="http://schemas.microsoft.com/office/drawing/2014/main" id="{4F403AA8-1A94-FC7C-C109-E910A8384ACA}"/>
+                <a16:creationId xmlns:a16="http://schemas.microsoft.com/office/drawing/2014/main" id="{C2E27877-36EE-E1D8-B0E7-3B9C8A2B7978}"/>
               </a:ext>
             </a:extLst>
           </p:cNvPr>
@@ -3792,338 +4013,69 @@
         </p:nvSpPr>
         <p:spPr/>
         <p:txBody>
-          <a:bodyPr>
-            <a:normAutofit/>
-          </a:bodyPr>
+          <a:bodyPr/>
           <a:lstStyle/>
           <a:p>
-            <a:pPr marL="0" indent="0">
-              <a:buNone/>
-            </a:pPr>
-            <a:r>
-              <a:rPr lang="zh-CN" altLang="en-US" sz="2000" dirty="0">
-                <a:latin typeface="宋体" panose="02010600030101010101" pitchFamily="2" charset="-122"/>
-                <a:ea typeface="宋体" panose="02010600030101010101" pitchFamily="2" charset="-122"/>
-              </a:rPr>
-              <a:t>一、什么是</a:t>
-            </a:r>
-            <a:r>
-              <a:rPr lang="en-US" altLang="zh-CN" sz="2000" dirty="0" err="1">
-                <a:latin typeface="宋体" panose="02010600030101010101" pitchFamily="2" charset="-122"/>
-                <a:ea typeface="宋体" panose="02010600030101010101" pitchFamily="2" charset="-122"/>
-              </a:rPr>
-              <a:t>binlog</a:t>
-            </a:r>
-            <a:endParaRPr lang="en-US" altLang="zh-CN" sz="2000" dirty="0">
-              <a:latin typeface="宋体" panose="02010600030101010101" pitchFamily="2" charset="-122"/>
-              <a:ea typeface="宋体" panose="02010600030101010101" pitchFamily="2" charset="-122"/>
-            </a:endParaRPr>
-          </a:p>
-          <a:p>
-            <a:pPr marL="0" indent="0">
-              <a:buNone/>
-            </a:pPr>
-            <a:r>
-              <a:rPr lang="en-US" altLang="zh-CN" sz="2000" dirty="0">
-                <a:latin typeface="宋体" panose="02010600030101010101" pitchFamily="2" charset="-122"/>
-                <a:ea typeface="宋体" panose="02010600030101010101" pitchFamily="2" charset="-122"/>
-              </a:rPr>
-              <a:t>	MySQL </a:t>
-            </a:r>
-            <a:r>
-              <a:rPr lang="zh-CN" altLang="en-US" sz="2000" dirty="0">
-                <a:latin typeface="宋体" panose="02010600030101010101" pitchFamily="2" charset="-122"/>
-                <a:ea typeface="宋体" panose="02010600030101010101" pitchFamily="2" charset="-122"/>
-              </a:rPr>
-              <a:t>的二进制日志可以说 </a:t>
-            </a:r>
-            <a:r>
-              <a:rPr lang="en-US" altLang="zh-CN" sz="2000" dirty="0">
-                <a:latin typeface="宋体" panose="02010600030101010101" pitchFamily="2" charset="-122"/>
-                <a:ea typeface="宋体" panose="02010600030101010101" pitchFamily="2" charset="-122"/>
-              </a:rPr>
-              <a:t>MySQL </a:t>
-            </a:r>
-            <a:r>
-              <a:rPr lang="zh-CN" altLang="en-US" sz="2000" dirty="0">
-                <a:latin typeface="宋体" panose="02010600030101010101" pitchFamily="2" charset="-122"/>
-                <a:ea typeface="宋体" panose="02010600030101010101" pitchFamily="2" charset="-122"/>
-              </a:rPr>
-              <a:t>最重要的日志了，它记录了所有的 </a:t>
-            </a:r>
-            <a:r>
-              <a:rPr lang="en-US" altLang="zh-CN" sz="2000" dirty="0">
-                <a:latin typeface="宋体" panose="02010600030101010101" pitchFamily="2" charset="-122"/>
-                <a:ea typeface="宋体" panose="02010600030101010101" pitchFamily="2" charset="-122"/>
-              </a:rPr>
-              <a:t>DDL </a:t>
-            </a:r>
-            <a:r>
-              <a:rPr lang="zh-CN" altLang="en-US" sz="2000" dirty="0">
-                <a:latin typeface="宋体" panose="02010600030101010101" pitchFamily="2" charset="-122"/>
-                <a:ea typeface="宋体" panose="02010600030101010101" pitchFamily="2" charset="-122"/>
-              </a:rPr>
-              <a:t>和 </a:t>
-            </a:r>
-            <a:r>
-              <a:rPr lang="en-US" altLang="zh-CN" sz="2000" dirty="0">
-                <a:latin typeface="宋体" panose="02010600030101010101" pitchFamily="2" charset="-122"/>
-                <a:ea typeface="宋体" panose="02010600030101010101" pitchFamily="2" charset="-122"/>
-              </a:rPr>
-              <a:t>DML(</a:t>
-            </a:r>
-            <a:r>
-              <a:rPr lang="zh-CN" altLang="en-US" sz="2000" dirty="0">
-                <a:latin typeface="宋体" panose="02010600030101010101" pitchFamily="2" charset="-122"/>
-                <a:ea typeface="宋体" panose="02010600030101010101" pitchFamily="2" charset="-122"/>
-              </a:rPr>
-              <a:t>除 了数据查询语句</a:t>
-            </a:r>
-            <a:r>
-              <a:rPr lang="en-US" altLang="zh-CN" sz="2000" dirty="0">
-                <a:latin typeface="宋体" panose="02010600030101010101" pitchFamily="2" charset="-122"/>
-                <a:ea typeface="宋体" panose="02010600030101010101" pitchFamily="2" charset="-122"/>
-              </a:rPr>
-              <a:t>)</a:t>
-            </a:r>
-            <a:r>
-              <a:rPr lang="zh-CN" altLang="en-US" sz="2000" dirty="0">
-                <a:latin typeface="宋体" panose="02010600030101010101" pitchFamily="2" charset="-122"/>
-                <a:ea typeface="宋体" panose="02010600030101010101" pitchFamily="2" charset="-122"/>
-              </a:rPr>
-              <a:t>语句，以事件形式记录，还包含语句所执行的消耗的时间，</a:t>
-            </a:r>
-            <a:r>
-              <a:rPr lang="en-US" altLang="zh-CN" sz="2000" dirty="0">
-                <a:latin typeface="宋体" panose="02010600030101010101" pitchFamily="2" charset="-122"/>
-                <a:ea typeface="宋体" panose="02010600030101010101" pitchFamily="2" charset="-122"/>
-              </a:rPr>
-              <a:t>MySQL </a:t>
-            </a:r>
-            <a:r>
-              <a:rPr lang="zh-CN" altLang="en-US" sz="2000" dirty="0">
-                <a:latin typeface="宋体" panose="02010600030101010101" pitchFamily="2" charset="-122"/>
-                <a:ea typeface="宋体" panose="02010600030101010101" pitchFamily="2" charset="-122"/>
-              </a:rPr>
-              <a:t>的二进 制日志是事务安全型的。 一般来说开启二进制日志大概会有 </a:t>
-            </a:r>
-            <a:r>
-              <a:rPr lang="en-US" altLang="zh-CN" sz="2000" dirty="0">
-                <a:latin typeface="宋体" panose="02010600030101010101" pitchFamily="2" charset="-122"/>
-                <a:ea typeface="宋体" panose="02010600030101010101" pitchFamily="2" charset="-122"/>
-              </a:rPr>
-              <a:t>1%</a:t>
-            </a:r>
-            <a:r>
-              <a:rPr lang="zh-CN" altLang="en-US" sz="2000" dirty="0">
-                <a:latin typeface="宋体" panose="02010600030101010101" pitchFamily="2" charset="-122"/>
-                <a:ea typeface="宋体" panose="02010600030101010101" pitchFamily="2" charset="-122"/>
-              </a:rPr>
-              <a:t>的性能损耗。二进制有两个最重要的使用场景</a:t>
-            </a:r>
-            <a:r>
-              <a:rPr lang="en-US" altLang="zh-CN" sz="2000" dirty="0">
-                <a:latin typeface="宋体" panose="02010600030101010101" pitchFamily="2" charset="-122"/>
-                <a:ea typeface="宋体" panose="02010600030101010101" pitchFamily="2" charset="-122"/>
-              </a:rPr>
-              <a:t>: </a:t>
-            </a:r>
-            <a:r>
-              <a:rPr lang="zh-CN" altLang="en-US" sz="2000" dirty="0">
-                <a:latin typeface="宋体" panose="02010600030101010101" pitchFamily="2" charset="-122"/>
-                <a:ea typeface="宋体" panose="02010600030101010101" pitchFamily="2" charset="-122"/>
-              </a:rPr>
-              <a:t>其一：</a:t>
-            </a:r>
-            <a:r>
-              <a:rPr lang="en-US" altLang="zh-CN" sz="2000" dirty="0">
-                <a:latin typeface="宋体" panose="02010600030101010101" pitchFamily="2" charset="-122"/>
-                <a:ea typeface="宋体" panose="02010600030101010101" pitchFamily="2" charset="-122"/>
-              </a:rPr>
-              <a:t>MySQL Replication </a:t>
-            </a:r>
-            <a:r>
-              <a:rPr lang="zh-CN" altLang="en-US" sz="2000" dirty="0">
-                <a:latin typeface="宋体" panose="02010600030101010101" pitchFamily="2" charset="-122"/>
-                <a:ea typeface="宋体" panose="02010600030101010101" pitchFamily="2" charset="-122"/>
-              </a:rPr>
-              <a:t>在 </a:t>
-            </a:r>
-            <a:r>
-              <a:rPr lang="en-US" altLang="zh-CN" sz="2000" dirty="0">
-                <a:latin typeface="宋体" panose="02010600030101010101" pitchFamily="2" charset="-122"/>
-                <a:ea typeface="宋体" panose="02010600030101010101" pitchFamily="2" charset="-122"/>
-              </a:rPr>
-              <a:t>Master </a:t>
-            </a:r>
-            <a:r>
-              <a:rPr lang="zh-CN" altLang="en-US" sz="2000" dirty="0">
-                <a:latin typeface="宋体" panose="02010600030101010101" pitchFamily="2" charset="-122"/>
-                <a:ea typeface="宋体" panose="02010600030101010101" pitchFamily="2" charset="-122"/>
-              </a:rPr>
-              <a:t>端开启 </a:t>
-            </a:r>
-            <a:r>
-              <a:rPr lang="en-US" altLang="zh-CN" sz="2000" dirty="0" err="1">
-                <a:latin typeface="宋体" panose="02010600030101010101" pitchFamily="2" charset="-122"/>
-                <a:ea typeface="宋体" panose="02010600030101010101" pitchFamily="2" charset="-122"/>
-              </a:rPr>
-              <a:t>Binlog</a:t>
-            </a:r>
-            <a:r>
-              <a:rPr lang="zh-CN" altLang="en-US" sz="2000" dirty="0">
-                <a:latin typeface="宋体" panose="02010600030101010101" pitchFamily="2" charset="-122"/>
-                <a:ea typeface="宋体" panose="02010600030101010101" pitchFamily="2" charset="-122"/>
-              </a:rPr>
-              <a:t>，</a:t>
-            </a:r>
-            <a:r>
-              <a:rPr lang="en-US" altLang="zh-CN" sz="2000" dirty="0">
-                <a:latin typeface="宋体" panose="02010600030101010101" pitchFamily="2" charset="-122"/>
-                <a:ea typeface="宋体" panose="02010600030101010101" pitchFamily="2" charset="-122"/>
-              </a:rPr>
-              <a:t>Master </a:t>
-            </a:r>
-            <a:r>
-              <a:rPr lang="zh-CN" altLang="en-US" sz="2000" dirty="0">
-                <a:latin typeface="宋体" panose="02010600030101010101" pitchFamily="2" charset="-122"/>
-                <a:ea typeface="宋体" panose="02010600030101010101" pitchFamily="2" charset="-122"/>
-              </a:rPr>
-              <a:t>把它的二进制日志传递给 </a:t>
-            </a:r>
-            <a:r>
-              <a:rPr lang="en-US" altLang="zh-CN" sz="2000" dirty="0">
-                <a:latin typeface="宋体" panose="02010600030101010101" pitchFamily="2" charset="-122"/>
-                <a:ea typeface="宋体" panose="02010600030101010101" pitchFamily="2" charset="-122"/>
-              </a:rPr>
-              <a:t>Slaves </a:t>
-            </a:r>
-            <a:r>
-              <a:rPr lang="zh-CN" altLang="en-US" sz="2000" dirty="0">
-                <a:latin typeface="宋体" panose="02010600030101010101" pitchFamily="2" charset="-122"/>
-                <a:ea typeface="宋体" panose="02010600030101010101" pitchFamily="2" charset="-122"/>
-              </a:rPr>
-              <a:t>来达到 </a:t>
-            </a:r>
-            <a:r>
-              <a:rPr lang="en-US" altLang="zh-CN" sz="2000" dirty="0">
-                <a:latin typeface="宋体" panose="02010600030101010101" pitchFamily="2" charset="-122"/>
-                <a:ea typeface="宋体" panose="02010600030101010101" pitchFamily="2" charset="-122"/>
-              </a:rPr>
-              <a:t>Master-Slave </a:t>
-            </a:r>
-            <a:r>
-              <a:rPr lang="zh-CN" altLang="en-US" sz="2000" dirty="0">
-                <a:latin typeface="宋体" panose="02010600030101010101" pitchFamily="2" charset="-122"/>
-                <a:ea typeface="宋体" panose="02010600030101010101" pitchFamily="2" charset="-122"/>
-              </a:rPr>
-              <a:t>数据一致的目的。 其二：自然就是数据恢复了，通过使用 </a:t>
-            </a:r>
-            <a:r>
-              <a:rPr lang="en-US" altLang="zh-CN" sz="2000" dirty="0">
-                <a:latin typeface="宋体" panose="02010600030101010101" pitchFamily="2" charset="-122"/>
-                <a:ea typeface="宋体" panose="02010600030101010101" pitchFamily="2" charset="-122"/>
-              </a:rPr>
-              <a:t>MySQL </a:t>
-            </a:r>
-            <a:r>
-              <a:rPr lang="en-US" altLang="zh-CN" sz="2000" dirty="0" err="1">
-                <a:latin typeface="宋体" panose="02010600030101010101" pitchFamily="2" charset="-122"/>
-                <a:ea typeface="宋体" panose="02010600030101010101" pitchFamily="2" charset="-122"/>
-              </a:rPr>
-              <a:t>Binlog</a:t>
-            </a:r>
-            <a:r>
-              <a:rPr lang="en-US" altLang="zh-CN" sz="2000" dirty="0">
-                <a:latin typeface="宋体" panose="02010600030101010101" pitchFamily="2" charset="-122"/>
-                <a:ea typeface="宋体" panose="02010600030101010101" pitchFamily="2" charset="-122"/>
-              </a:rPr>
-              <a:t> </a:t>
-            </a:r>
-            <a:r>
-              <a:rPr lang="zh-CN" altLang="en-US" sz="2000" dirty="0">
-                <a:latin typeface="宋体" panose="02010600030101010101" pitchFamily="2" charset="-122"/>
-                <a:ea typeface="宋体" panose="02010600030101010101" pitchFamily="2" charset="-122"/>
-              </a:rPr>
-              <a:t>工具来使恢复数据。 二进制日志包括两类文件：二进制日志索引文件（文件名后缀为</a:t>
-            </a:r>
-            <a:r>
-              <a:rPr lang="en-US" altLang="zh-CN" sz="2000" dirty="0">
-                <a:latin typeface="宋体" panose="02010600030101010101" pitchFamily="2" charset="-122"/>
-                <a:ea typeface="宋体" panose="02010600030101010101" pitchFamily="2" charset="-122"/>
-              </a:rPr>
-              <a:t>.index</a:t>
-            </a:r>
-            <a:r>
-              <a:rPr lang="zh-CN" altLang="en-US" sz="2000" dirty="0">
-                <a:latin typeface="宋体" panose="02010600030101010101" pitchFamily="2" charset="-122"/>
-                <a:ea typeface="宋体" panose="02010600030101010101" pitchFamily="2" charset="-122"/>
-              </a:rPr>
-              <a:t>）用于记录所有 的二进制文件，二进制日志文件（文件名后缀为</a:t>
-            </a:r>
-            <a:r>
-              <a:rPr lang="en-US" altLang="zh-CN" sz="2000" dirty="0">
-                <a:latin typeface="宋体" panose="02010600030101010101" pitchFamily="2" charset="-122"/>
-                <a:ea typeface="宋体" panose="02010600030101010101" pitchFamily="2" charset="-122"/>
-              </a:rPr>
-              <a:t>.00000*</a:t>
-            </a:r>
-            <a:r>
-              <a:rPr lang="zh-CN" altLang="en-US" sz="2000" dirty="0">
-                <a:latin typeface="宋体" panose="02010600030101010101" pitchFamily="2" charset="-122"/>
-                <a:ea typeface="宋体" panose="02010600030101010101" pitchFamily="2" charset="-122"/>
-              </a:rPr>
-              <a:t>）记录数据库所有的 </a:t>
-            </a:r>
-            <a:r>
-              <a:rPr lang="en-US" altLang="zh-CN" sz="2000" dirty="0">
-                <a:latin typeface="宋体" panose="02010600030101010101" pitchFamily="2" charset="-122"/>
-                <a:ea typeface="宋体" panose="02010600030101010101" pitchFamily="2" charset="-122"/>
-              </a:rPr>
-              <a:t>DDL </a:t>
-            </a:r>
-            <a:r>
-              <a:rPr lang="zh-CN" altLang="en-US" sz="2000" dirty="0">
-                <a:latin typeface="宋体" panose="02010600030101010101" pitchFamily="2" charset="-122"/>
-                <a:ea typeface="宋体" panose="02010600030101010101" pitchFamily="2" charset="-122"/>
-              </a:rPr>
-              <a:t>和 </a:t>
-            </a:r>
-            <a:r>
-              <a:rPr lang="en-US" altLang="zh-CN" sz="2000" dirty="0">
-                <a:latin typeface="宋体" panose="02010600030101010101" pitchFamily="2" charset="-122"/>
-                <a:ea typeface="宋体" panose="02010600030101010101" pitchFamily="2" charset="-122"/>
-              </a:rPr>
-              <a:t>DML(</a:t>
-            </a:r>
-            <a:r>
-              <a:rPr lang="zh-CN" altLang="en-US" sz="2000" dirty="0">
-                <a:latin typeface="宋体" panose="02010600030101010101" pitchFamily="2" charset="-122"/>
-                <a:ea typeface="宋体" panose="02010600030101010101" pitchFamily="2" charset="-122"/>
-              </a:rPr>
-              <a:t>除 了数据查询语句</a:t>
-            </a:r>
-            <a:r>
-              <a:rPr lang="en-US" altLang="zh-CN" sz="2000" dirty="0">
-                <a:latin typeface="宋体" panose="02010600030101010101" pitchFamily="2" charset="-122"/>
-                <a:ea typeface="宋体" panose="02010600030101010101" pitchFamily="2" charset="-122"/>
-              </a:rPr>
-              <a:t>)</a:t>
-            </a:r>
-            <a:r>
-              <a:rPr lang="zh-CN" altLang="en-US" sz="2000" dirty="0">
-                <a:latin typeface="宋体" panose="02010600030101010101" pitchFamily="2" charset="-122"/>
-                <a:ea typeface="宋体" panose="02010600030101010101" pitchFamily="2" charset="-122"/>
-              </a:rPr>
-              <a:t>语句事件。</a:t>
-            </a:r>
+            <a:r>
+              <a:rPr lang="en-US" altLang="zh-CN" b="1" i="0" dirty="0">
+                <a:solidFill>
+                  <a:srgbClr val="24292F"/>
+                </a:solidFill>
+                <a:effectLst/>
+                <a:latin typeface="-apple-system"/>
+              </a:rPr>
+              <a:t>MySQL</a:t>
+            </a:r>
+            <a:r>
+              <a:rPr lang="zh-CN" altLang="en-US" b="1" i="0" dirty="0">
+                <a:solidFill>
+                  <a:srgbClr val="24292F"/>
+                </a:solidFill>
+                <a:effectLst/>
+                <a:latin typeface="-apple-system"/>
+              </a:rPr>
+              <a:t>主备复制原理</a:t>
+            </a:r>
+          </a:p>
+          <a:p>
+            <a:endParaRPr lang="zh-CN" altLang="en-US" dirty="0"/>
           </a:p>
         </p:txBody>
       </p:sp>
+      <p:pic>
+        <p:nvPicPr>
+          <p:cNvPr id="5" name="图片 4">
+            <a:extLst>
+              <a:ext uri="{FF2B5EF4-FFF2-40B4-BE49-F238E27FC236}">
+                <a16:creationId xmlns:a16="http://schemas.microsoft.com/office/drawing/2014/main" id="{EC3A5EAD-174D-9587-5F66-28BE02C7107B}"/>
+              </a:ext>
+            </a:extLst>
+          </p:cNvPr>
+          <p:cNvPicPr>
+            <a:picLocks noChangeAspect="1"/>
+          </p:cNvPicPr>
+          <p:nvPr/>
+        </p:nvPicPr>
+        <p:blipFill>
+          <a:blip r:embed="rId2"/>
+          <a:stretch>
+            <a:fillRect/>
+          </a:stretch>
+        </p:blipFill>
+        <p:spPr>
+          <a:xfrm>
+            <a:off x="1391239" y="2487040"/>
+            <a:ext cx="5949362" cy="4136854"/>
+          </a:xfrm>
+          <a:prstGeom prst="rect">
+            <a:avLst/>
+          </a:prstGeom>
+        </p:spPr>
+      </p:pic>
     </p:spTree>
     <p:extLst>
       <p:ext uri="{BB962C8B-B14F-4D97-AF65-F5344CB8AC3E}">
-        <p14:creationId xmlns:p14="http://schemas.microsoft.com/office/powerpoint/2010/main" val="3870421827"/>
+        <p14:creationId xmlns:p14="http://schemas.microsoft.com/office/powerpoint/2010/main" val="728909790"/>
       </p:ext>
     </p:extLst>
   </p:cSld>
@@ -4155,7 +4107,7 @@
           <p:cNvPr id="3" name="内容占位符 2">
             <a:extLst>
               <a:ext uri="{FF2B5EF4-FFF2-40B4-BE49-F238E27FC236}">
-                <a16:creationId xmlns:a16="http://schemas.microsoft.com/office/drawing/2014/main" id="{09D92CA9-C6F2-CBFF-59F9-10A61C86E548}"/>
+                <a16:creationId xmlns:a16="http://schemas.microsoft.com/office/drawing/2014/main" id="{3421E396-E0CB-43C3-12A2-A0AE465CFD61}"/>
               </a:ext>
             </a:extLst>
           </p:cNvPr>
@@ -4168,583 +4120,233 @@
         </p:nvSpPr>
         <p:spPr>
           <a:xfrm>
-            <a:off x="838200" y="331694"/>
-            <a:ext cx="10515600" cy="5845269"/>
+            <a:off x="838200" y="381000"/>
+            <a:ext cx="10515600" cy="5795963"/>
           </a:xfrm>
         </p:spPr>
         <p:txBody>
-          <a:bodyPr>
-            <a:normAutofit/>
-          </a:bodyPr>
+          <a:bodyPr/>
           <a:lstStyle/>
           <a:p>
-            <a:r>
-              <a:rPr lang="zh-CN" altLang="en-US" sz="2000" dirty="0">
-                <a:latin typeface="宋体" panose="02010600030101010101" pitchFamily="2" charset="-122"/>
-                <a:ea typeface="宋体" panose="02010600030101010101" pitchFamily="2" charset="-122"/>
-              </a:rPr>
-              <a:t>二、</a:t>
-            </a:r>
-            <a:r>
-              <a:rPr lang="en-US" altLang="zh-CN" sz="2000" dirty="0" err="1">
-                <a:latin typeface="宋体" panose="02010600030101010101" pitchFamily="2" charset="-122"/>
-                <a:ea typeface="宋体" panose="02010600030101010101" pitchFamily="2" charset="-122"/>
-              </a:rPr>
-              <a:t>Binlog</a:t>
-            </a:r>
-            <a:r>
-              <a:rPr lang="zh-CN" altLang="en-US" sz="2000" dirty="0">
-                <a:latin typeface="宋体" panose="02010600030101010101" pitchFamily="2" charset="-122"/>
-                <a:ea typeface="宋体" panose="02010600030101010101" pitchFamily="2" charset="-122"/>
-              </a:rPr>
-              <a:t>的分类</a:t>
-            </a:r>
-            <a:endParaRPr lang="en-US" altLang="zh-CN" sz="2000" dirty="0">
-              <a:latin typeface="宋体" panose="02010600030101010101" pitchFamily="2" charset="-122"/>
-              <a:ea typeface="宋体" panose="02010600030101010101" pitchFamily="2" charset="-122"/>
+            <a:pPr algn="l">
+              <a:buFont typeface="Arial" panose="020B0604020202020204" pitchFamily="34" charset="0"/>
+              <a:buChar char="•"/>
+            </a:pPr>
+            <a:r>
+              <a:rPr lang="en-US" altLang="zh-CN" b="0" i="0" dirty="0">
+                <a:solidFill>
+                  <a:srgbClr val="24292F"/>
+                </a:solidFill>
+                <a:effectLst/>
+                <a:latin typeface="-apple-system"/>
+              </a:rPr>
+              <a:t>MySQL master </a:t>
+            </a:r>
+            <a:r>
+              <a:rPr lang="zh-CN" altLang="en-US" b="0" i="0" dirty="0">
+                <a:solidFill>
+                  <a:srgbClr val="24292F"/>
+                </a:solidFill>
+                <a:effectLst/>
+                <a:latin typeface="-apple-system"/>
+              </a:rPr>
+              <a:t>将数据变更写入二进制日志</a:t>
+            </a:r>
+            <a:r>
+              <a:rPr lang="en-US" altLang="zh-CN" b="0" i="0" dirty="0">
+                <a:solidFill>
+                  <a:srgbClr val="24292F"/>
+                </a:solidFill>
+                <a:effectLst/>
+                <a:latin typeface="-apple-system"/>
+              </a:rPr>
+              <a:t>( binary log, </a:t>
+            </a:r>
+            <a:r>
+              <a:rPr lang="zh-CN" altLang="en-US" b="0" i="0" dirty="0">
+                <a:solidFill>
+                  <a:srgbClr val="24292F"/>
+                </a:solidFill>
+                <a:effectLst/>
+                <a:latin typeface="-apple-system"/>
+              </a:rPr>
+              <a:t>其中记录叫做二进制日志事件</a:t>
+            </a:r>
+            <a:r>
+              <a:rPr lang="en-US" altLang="zh-CN" b="0" i="0" dirty="0">
+                <a:solidFill>
+                  <a:srgbClr val="24292F"/>
+                </a:solidFill>
+                <a:effectLst/>
+                <a:latin typeface="-apple-system"/>
+              </a:rPr>
+              <a:t>binary log events</a:t>
+            </a:r>
+            <a:r>
+              <a:rPr lang="zh-CN" altLang="en-US" b="0" i="0" dirty="0">
+                <a:solidFill>
+                  <a:srgbClr val="24292F"/>
+                </a:solidFill>
+                <a:effectLst/>
+                <a:latin typeface="-apple-system"/>
+              </a:rPr>
+              <a:t>，可以通过 </a:t>
+            </a:r>
+            <a:r>
+              <a:rPr lang="en-US" altLang="zh-CN" b="0" i="0" dirty="0">
+                <a:solidFill>
+                  <a:srgbClr val="24292F"/>
+                </a:solidFill>
+                <a:effectLst/>
+                <a:latin typeface="-apple-system"/>
+              </a:rPr>
+              <a:t>show binlog events </a:t>
+            </a:r>
+            <a:r>
+              <a:rPr lang="zh-CN" altLang="en-US" b="0" i="0" dirty="0">
+                <a:solidFill>
+                  <a:srgbClr val="24292F"/>
+                </a:solidFill>
+                <a:effectLst/>
+                <a:latin typeface="-apple-system"/>
+              </a:rPr>
+              <a:t>进行查看</a:t>
+            </a:r>
+            <a:r>
+              <a:rPr lang="en-US" altLang="zh-CN" b="0" i="0" dirty="0">
+                <a:solidFill>
+                  <a:srgbClr val="24292F"/>
+                </a:solidFill>
+                <a:effectLst/>
+                <a:latin typeface="-apple-system"/>
+              </a:rPr>
+              <a:t>)</a:t>
+            </a:r>
+          </a:p>
+          <a:p>
+            <a:pPr algn="l">
+              <a:buFont typeface="Arial" panose="020B0604020202020204" pitchFamily="34" charset="0"/>
+              <a:buChar char="•"/>
+            </a:pPr>
+            <a:r>
+              <a:rPr lang="en-US" altLang="zh-CN" b="0" i="0" dirty="0">
+                <a:solidFill>
+                  <a:srgbClr val="24292F"/>
+                </a:solidFill>
+                <a:effectLst/>
+                <a:latin typeface="-apple-system"/>
+              </a:rPr>
+              <a:t>MySQL slave </a:t>
+            </a:r>
+            <a:r>
+              <a:rPr lang="zh-CN" altLang="en-US" b="0" i="0" dirty="0">
+                <a:solidFill>
+                  <a:srgbClr val="24292F"/>
+                </a:solidFill>
+                <a:effectLst/>
+                <a:latin typeface="-apple-system"/>
+              </a:rPr>
+              <a:t>将 </a:t>
+            </a:r>
+            <a:r>
+              <a:rPr lang="en-US" altLang="zh-CN" b="0" i="0" dirty="0">
+                <a:solidFill>
+                  <a:srgbClr val="24292F"/>
+                </a:solidFill>
+                <a:effectLst/>
+                <a:latin typeface="-apple-system"/>
+              </a:rPr>
+              <a:t>master </a:t>
+            </a:r>
+            <a:r>
+              <a:rPr lang="zh-CN" altLang="en-US" b="0" i="0" dirty="0">
+                <a:solidFill>
+                  <a:srgbClr val="24292F"/>
+                </a:solidFill>
+                <a:effectLst/>
+                <a:latin typeface="-apple-system"/>
+              </a:rPr>
+              <a:t>的 </a:t>
+            </a:r>
+            <a:r>
+              <a:rPr lang="en-US" altLang="zh-CN" b="0" i="0" dirty="0">
+                <a:solidFill>
+                  <a:srgbClr val="24292F"/>
+                </a:solidFill>
+                <a:effectLst/>
+                <a:latin typeface="-apple-system"/>
+              </a:rPr>
+              <a:t>binary log events </a:t>
+            </a:r>
+            <a:r>
+              <a:rPr lang="zh-CN" altLang="en-US" b="0" i="0" dirty="0">
+                <a:solidFill>
+                  <a:srgbClr val="24292F"/>
+                </a:solidFill>
+                <a:effectLst/>
+                <a:latin typeface="-apple-system"/>
+              </a:rPr>
+              <a:t>拷贝到它的中继日志</a:t>
+            </a:r>
+            <a:r>
+              <a:rPr lang="en-US" altLang="zh-CN" b="0" i="0" dirty="0">
+                <a:solidFill>
+                  <a:srgbClr val="24292F"/>
+                </a:solidFill>
+                <a:effectLst/>
+                <a:latin typeface="-apple-system"/>
+              </a:rPr>
+              <a:t>(relay log)</a:t>
+            </a:r>
+          </a:p>
+          <a:p>
+            <a:r>
+              <a:rPr lang="en-US" altLang="zh-CN" dirty="0">
+                <a:solidFill>
+                  <a:srgbClr val="24292F"/>
+                </a:solidFill>
+                <a:latin typeface="-apple-system"/>
+              </a:rPr>
+              <a:t>MySQL slave</a:t>
+            </a:r>
+            <a:r>
+              <a:rPr lang="zh-CN" altLang="en-US" dirty="0">
+                <a:solidFill>
+                  <a:srgbClr val="24292F"/>
+                </a:solidFill>
+                <a:latin typeface="-apple-system"/>
+              </a:rPr>
+              <a:t>读取并重做中继日志中的事件，将改变的数据同步到自己的数据库。</a:t>
+            </a:r>
+            <a:endParaRPr lang="en-US" altLang="zh-CN" dirty="0">
+              <a:solidFill>
+                <a:srgbClr val="24292F"/>
+              </a:solidFill>
+              <a:latin typeface="-apple-system"/>
             </a:endParaRPr>
           </a:p>
           <a:p>
-            <a:pPr marL="457200" lvl="1" indent="0">
-              <a:buNone/>
+            <a:pPr algn="l">
+              <a:buFont typeface="Arial" panose="020B0604020202020204" pitchFamily="34" charset="0"/>
+              <a:buChar char="•"/>
             </a:pPr>
-            <a:r>
-              <a:rPr lang="en-US" altLang="zh-CN" sz="2000" dirty="0">
-                <a:latin typeface="宋体" panose="02010600030101010101" pitchFamily="2" charset="-122"/>
-                <a:ea typeface="宋体" panose="02010600030101010101" pitchFamily="2" charset="-122"/>
-              </a:rPr>
-              <a:t>MySQL </a:t>
-            </a:r>
-            <a:r>
-              <a:rPr lang="en-US" altLang="zh-CN" sz="2000" dirty="0" err="1">
-                <a:latin typeface="宋体" panose="02010600030101010101" pitchFamily="2" charset="-122"/>
-                <a:ea typeface="宋体" panose="02010600030101010101" pitchFamily="2" charset="-122"/>
-              </a:rPr>
-              <a:t>Binlog</a:t>
-            </a:r>
-            <a:r>
-              <a:rPr lang="en-US" altLang="zh-CN" sz="2000" dirty="0">
-                <a:latin typeface="宋体" panose="02010600030101010101" pitchFamily="2" charset="-122"/>
-                <a:ea typeface="宋体" panose="02010600030101010101" pitchFamily="2" charset="-122"/>
-              </a:rPr>
-              <a:t> </a:t>
-            </a:r>
-            <a:r>
-              <a:rPr lang="zh-CN" altLang="en-US" sz="2000" dirty="0">
-                <a:latin typeface="宋体" panose="02010600030101010101" pitchFamily="2" charset="-122"/>
-                <a:ea typeface="宋体" panose="02010600030101010101" pitchFamily="2" charset="-122"/>
-              </a:rPr>
-              <a:t>的格式有三种，分别是 </a:t>
-            </a:r>
-            <a:r>
-              <a:rPr lang="en-US" altLang="zh-CN" sz="2000" dirty="0">
-                <a:latin typeface="宋体" panose="02010600030101010101" pitchFamily="2" charset="-122"/>
-                <a:ea typeface="宋体" panose="02010600030101010101" pitchFamily="2" charset="-122"/>
-              </a:rPr>
-              <a:t>STATEMENT,MIXED,ROW</a:t>
-            </a:r>
-            <a:r>
-              <a:rPr lang="zh-CN" altLang="en-US" sz="2000" dirty="0">
-                <a:latin typeface="宋体" panose="02010600030101010101" pitchFamily="2" charset="-122"/>
-                <a:ea typeface="宋体" panose="02010600030101010101" pitchFamily="2" charset="-122"/>
-              </a:rPr>
-              <a:t>。在配置文件中可以选择配 置 </a:t>
-            </a:r>
-            <a:r>
-              <a:rPr lang="en-US" altLang="zh-CN" sz="2000" dirty="0" err="1">
-                <a:latin typeface="宋体" panose="02010600030101010101" pitchFamily="2" charset="-122"/>
-                <a:ea typeface="宋体" panose="02010600030101010101" pitchFamily="2" charset="-122"/>
-              </a:rPr>
-              <a:t>binlog_format</a:t>
-            </a:r>
-            <a:r>
-              <a:rPr lang="en-US" altLang="zh-CN" sz="2000" dirty="0">
-                <a:latin typeface="宋体" panose="02010600030101010101" pitchFamily="2" charset="-122"/>
-                <a:ea typeface="宋体" panose="02010600030101010101" pitchFamily="2" charset="-122"/>
-              </a:rPr>
-              <a:t>= </a:t>
-            </a:r>
-            <a:r>
-              <a:rPr lang="en-US" altLang="zh-CN" sz="2000" dirty="0" err="1">
-                <a:latin typeface="宋体" panose="02010600030101010101" pitchFamily="2" charset="-122"/>
-                <a:ea typeface="宋体" panose="02010600030101010101" pitchFamily="2" charset="-122"/>
-              </a:rPr>
-              <a:t>statement|mixed|row</a:t>
-            </a:r>
-            <a:r>
-              <a:rPr lang="zh-CN" altLang="en-US" sz="2000" dirty="0">
-                <a:latin typeface="宋体" panose="02010600030101010101" pitchFamily="2" charset="-122"/>
-                <a:ea typeface="宋体" panose="02010600030101010101" pitchFamily="2" charset="-122"/>
-              </a:rPr>
-              <a:t>。三种格式的区别： </a:t>
-            </a:r>
-            <a:endParaRPr lang="en-US" altLang="zh-CN" sz="2000" dirty="0">
-              <a:latin typeface="宋体" panose="02010600030101010101" pitchFamily="2" charset="-122"/>
-              <a:ea typeface="宋体" panose="02010600030101010101" pitchFamily="2" charset="-122"/>
+            <a:endParaRPr lang="zh-CN" altLang="en-US" b="0" i="0" dirty="0">
+              <a:solidFill>
+                <a:srgbClr val="24292F"/>
+              </a:solidFill>
+              <a:effectLst/>
+              <a:latin typeface="-apple-system"/>
             </a:endParaRPr>
           </a:p>
           <a:p>
-            <a:pPr marL="457200" lvl="1" indent="0">
-              <a:buNone/>
-            </a:pPr>
-            <a:r>
-              <a:rPr lang="en-US" altLang="zh-CN" sz="2000" dirty="0">
-                <a:latin typeface="宋体" panose="02010600030101010101" pitchFamily="2" charset="-122"/>
-                <a:ea typeface="宋体" panose="02010600030101010101" pitchFamily="2" charset="-122"/>
-              </a:rPr>
-              <a:t>1</a:t>
-            </a:r>
-            <a:r>
-              <a:rPr lang="zh-CN" altLang="en-US" sz="2000" dirty="0">
-                <a:latin typeface="宋体" panose="02010600030101010101" pitchFamily="2" charset="-122"/>
-                <a:ea typeface="宋体" panose="02010600030101010101" pitchFamily="2" charset="-122"/>
-              </a:rPr>
-              <a:t>）</a:t>
-            </a:r>
-            <a:r>
-              <a:rPr lang="en-US" altLang="zh-CN" sz="2000" dirty="0">
-                <a:latin typeface="宋体" panose="02010600030101010101" pitchFamily="2" charset="-122"/>
-                <a:ea typeface="宋体" panose="02010600030101010101" pitchFamily="2" charset="-122"/>
-              </a:rPr>
-              <a:t>statement</a:t>
-            </a:r>
-            <a:r>
-              <a:rPr lang="zh-CN" altLang="en-US" sz="2000" dirty="0">
-                <a:latin typeface="宋体" panose="02010600030101010101" pitchFamily="2" charset="-122"/>
-                <a:ea typeface="宋体" panose="02010600030101010101" pitchFamily="2" charset="-122"/>
-              </a:rPr>
-              <a:t>：语句级，</a:t>
-            </a:r>
-            <a:r>
-              <a:rPr lang="en-US" altLang="zh-CN" sz="2000" dirty="0" err="1">
-                <a:latin typeface="宋体" panose="02010600030101010101" pitchFamily="2" charset="-122"/>
-                <a:ea typeface="宋体" panose="02010600030101010101" pitchFamily="2" charset="-122"/>
-              </a:rPr>
-              <a:t>binlog</a:t>
-            </a:r>
-            <a:r>
-              <a:rPr lang="en-US" altLang="zh-CN" sz="2000" dirty="0">
-                <a:latin typeface="宋体" panose="02010600030101010101" pitchFamily="2" charset="-122"/>
-                <a:ea typeface="宋体" panose="02010600030101010101" pitchFamily="2" charset="-122"/>
-              </a:rPr>
-              <a:t> </a:t>
-            </a:r>
-            <a:r>
-              <a:rPr lang="zh-CN" altLang="en-US" sz="2000" dirty="0">
-                <a:latin typeface="宋体" panose="02010600030101010101" pitchFamily="2" charset="-122"/>
-                <a:ea typeface="宋体" panose="02010600030101010101" pitchFamily="2" charset="-122"/>
-              </a:rPr>
-              <a:t>会记录每次一执行写操作的语句。相对 </a:t>
-            </a:r>
-            <a:r>
-              <a:rPr lang="en-US" altLang="zh-CN" sz="2000" dirty="0">
-                <a:latin typeface="宋体" panose="02010600030101010101" pitchFamily="2" charset="-122"/>
-                <a:ea typeface="宋体" panose="02010600030101010101" pitchFamily="2" charset="-122"/>
-              </a:rPr>
-              <a:t>row </a:t>
-            </a:r>
-            <a:r>
-              <a:rPr lang="zh-CN" altLang="en-US" sz="2000" dirty="0">
-                <a:latin typeface="宋体" panose="02010600030101010101" pitchFamily="2" charset="-122"/>
-                <a:ea typeface="宋体" panose="02010600030101010101" pitchFamily="2" charset="-122"/>
-              </a:rPr>
-              <a:t>模式节省空 间，但是可能产生不一致性，比如“</a:t>
-            </a:r>
-            <a:r>
-              <a:rPr lang="en-US" altLang="zh-CN" sz="2000" dirty="0">
-                <a:latin typeface="宋体" panose="02010600030101010101" pitchFamily="2" charset="-122"/>
-                <a:ea typeface="宋体" panose="02010600030101010101" pitchFamily="2" charset="-122"/>
-              </a:rPr>
-              <a:t>update </a:t>
-            </a:r>
-            <a:r>
-              <a:rPr lang="en-US" altLang="zh-CN" sz="2000" dirty="0" err="1">
-                <a:latin typeface="宋体" panose="02010600030101010101" pitchFamily="2" charset="-122"/>
-                <a:ea typeface="宋体" panose="02010600030101010101" pitchFamily="2" charset="-122"/>
-              </a:rPr>
-              <a:t>tt</a:t>
-            </a:r>
-            <a:r>
-              <a:rPr lang="en-US" altLang="zh-CN" sz="2000" dirty="0">
-                <a:latin typeface="宋体" panose="02010600030101010101" pitchFamily="2" charset="-122"/>
-                <a:ea typeface="宋体" panose="02010600030101010101" pitchFamily="2" charset="-122"/>
-              </a:rPr>
-              <a:t> set </a:t>
-            </a:r>
-            <a:r>
-              <a:rPr lang="en-US" altLang="zh-CN" sz="2000" dirty="0" err="1">
-                <a:latin typeface="宋体" panose="02010600030101010101" pitchFamily="2" charset="-122"/>
-                <a:ea typeface="宋体" panose="02010600030101010101" pitchFamily="2" charset="-122"/>
-              </a:rPr>
-              <a:t>create_date</a:t>
-            </a:r>
-            <a:r>
-              <a:rPr lang="en-US" altLang="zh-CN" sz="2000" dirty="0">
-                <a:latin typeface="宋体" panose="02010600030101010101" pitchFamily="2" charset="-122"/>
-                <a:ea typeface="宋体" panose="02010600030101010101" pitchFamily="2" charset="-122"/>
-              </a:rPr>
-              <a:t>=now()”</a:t>
-            </a:r>
-            <a:r>
-              <a:rPr lang="zh-CN" altLang="en-US" sz="2000" dirty="0">
-                <a:latin typeface="宋体" panose="02010600030101010101" pitchFamily="2" charset="-122"/>
-                <a:ea typeface="宋体" panose="02010600030101010101" pitchFamily="2" charset="-122"/>
-              </a:rPr>
-              <a:t>，如果用 </a:t>
-            </a:r>
-            <a:r>
-              <a:rPr lang="en-US" altLang="zh-CN" sz="2000" dirty="0" err="1">
-                <a:latin typeface="宋体" panose="02010600030101010101" pitchFamily="2" charset="-122"/>
-                <a:ea typeface="宋体" panose="02010600030101010101" pitchFamily="2" charset="-122"/>
-              </a:rPr>
-              <a:t>binlog</a:t>
-            </a:r>
-            <a:r>
-              <a:rPr lang="en-US" altLang="zh-CN" sz="2000" dirty="0">
-                <a:latin typeface="宋体" panose="02010600030101010101" pitchFamily="2" charset="-122"/>
-                <a:ea typeface="宋体" panose="02010600030101010101" pitchFamily="2" charset="-122"/>
-              </a:rPr>
-              <a:t> </a:t>
-            </a:r>
-            <a:r>
-              <a:rPr lang="zh-CN" altLang="en-US" sz="2000" dirty="0">
-                <a:latin typeface="宋体" panose="02010600030101010101" pitchFamily="2" charset="-122"/>
-                <a:ea typeface="宋体" panose="02010600030101010101" pitchFamily="2" charset="-122"/>
-              </a:rPr>
-              <a:t>日志 进行恢复，由于执行时间不同可能产生的数据就不同。 优点：节省空间。 缺点：有可能造成数据不一致。 </a:t>
-            </a:r>
-            <a:endParaRPr lang="en-US" altLang="zh-CN" sz="2000" dirty="0">
-              <a:latin typeface="宋体" panose="02010600030101010101" pitchFamily="2" charset="-122"/>
-              <a:ea typeface="宋体" panose="02010600030101010101" pitchFamily="2" charset="-122"/>
-            </a:endParaRPr>
-          </a:p>
-          <a:p>
-            <a:pPr marL="457200" lvl="1" indent="0">
-              <a:buNone/>
-            </a:pPr>
-            <a:r>
-              <a:rPr lang="en-US" altLang="zh-CN" sz="2000" dirty="0">
-                <a:latin typeface="宋体" panose="02010600030101010101" pitchFamily="2" charset="-122"/>
-                <a:ea typeface="宋体" panose="02010600030101010101" pitchFamily="2" charset="-122"/>
-              </a:rPr>
-              <a:t>2</a:t>
-            </a:r>
-            <a:r>
-              <a:rPr lang="zh-CN" altLang="en-US" sz="2000" dirty="0">
-                <a:latin typeface="宋体" panose="02010600030101010101" pitchFamily="2" charset="-122"/>
-                <a:ea typeface="宋体" panose="02010600030101010101" pitchFamily="2" charset="-122"/>
-              </a:rPr>
-              <a:t>）</a:t>
-            </a:r>
-            <a:r>
-              <a:rPr lang="en-US" altLang="zh-CN" sz="2000" dirty="0">
-                <a:latin typeface="宋体" panose="02010600030101010101" pitchFamily="2" charset="-122"/>
-                <a:ea typeface="宋体" panose="02010600030101010101" pitchFamily="2" charset="-122"/>
-              </a:rPr>
-              <a:t>row</a:t>
-            </a:r>
-            <a:r>
-              <a:rPr lang="zh-CN" altLang="en-US" sz="2000" dirty="0">
-                <a:latin typeface="宋体" panose="02010600030101010101" pitchFamily="2" charset="-122"/>
-                <a:ea typeface="宋体" panose="02010600030101010101" pitchFamily="2" charset="-122"/>
-              </a:rPr>
-              <a:t>：行级， </a:t>
-            </a:r>
-            <a:r>
-              <a:rPr lang="en-US" altLang="zh-CN" sz="2000" dirty="0" err="1">
-                <a:latin typeface="宋体" panose="02010600030101010101" pitchFamily="2" charset="-122"/>
-                <a:ea typeface="宋体" panose="02010600030101010101" pitchFamily="2" charset="-122"/>
-              </a:rPr>
-              <a:t>binlog</a:t>
-            </a:r>
-            <a:r>
-              <a:rPr lang="en-US" altLang="zh-CN" sz="2000" dirty="0">
-                <a:latin typeface="宋体" panose="02010600030101010101" pitchFamily="2" charset="-122"/>
-                <a:ea typeface="宋体" panose="02010600030101010101" pitchFamily="2" charset="-122"/>
-              </a:rPr>
-              <a:t> </a:t>
-            </a:r>
-            <a:r>
-              <a:rPr lang="zh-CN" altLang="en-US" sz="2000" dirty="0">
-                <a:latin typeface="宋体" panose="02010600030101010101" pitchFamily="2" charset="-122"/>
-                <a:ea typeface="宋体" panose="02010600030101010101" pitchFamily="2" charset="-122"/>
-              </a:rPr>
-              <a:t>会记录每次操作后每行记录的变化。 优点：保持数据的绝对一致性。因为不管 </a:t>
-            </a:r>
-            <a:r>
-              <a:rPr lang="en-US" altLang="zh-CN" sz="2000" dirty="0" err="1">
-                <a:latin typeface="宋体" panose="02010600030101010101" pitchFamily="2" charset="-122"/>
-                <a:ea typeface="宋体" panose="02010600030101010101" pitchFamily="2" charset="-122"/>
-              </a:rPr>
-              <a:t>sql</a:t>
-            </a:r>
-            <a:r>
-              <a:rPr lang="en-US" altLang="zh-CN" sz="2000" dirty="0">
-                <a:latin typeface="宋体" panose="02010600030101010101" pitchFamily="2" charset="-122"/>
-                <a:ea typeface="宋体" panose="02010600030101010101" pitchFamily="2" charset="-122"/>
-              </a:rPr>
-              <a:t> </a:t>
-            </a:r>
-            <a:r>
-              <a:rPr lang="zh-CN" altLang="en-US" sz="2000" dirty="0">
-                <a:latin typeface="宋体" panose="02010600030101010101" pitchFamily="2" charset="-122"/>
-                <a:ea typeface="宋体" panose="02010600030101010101" pitchFamily="2" charset="-122"/>
-              </a:rPr>
-              <a:t>是什么，引用了什么函数，他只记录 执行后的效果。 缺点：占用较大空间。 </a:t>
-            </a:r>
-            <a:endParaRPr lang="en-US" altLang="zh-CN" sz="2000" dirty="0">
-              <a:latin typeface="宋体" panose="02010600030101010101" pitchFamily="2" charset="-122"/>
-              <a:ea typeface="宋体" panose="02010600030101010101" pitchFamily="2" charset="-122"/>
-            </a:endParaRPr>
-          </a:p>
-          <a:p>
-            <a:pPr marL="457200" lvl="1" indent="0">
-              <a:buNone/>
-            </a:pPr>
-            <a:r>
-              <a:rPr lang="en-US" altLang="zh-CN" sz="2000" dirty="0">
-                <a:latin typeface="宋体" panose="02010600030101010101" pitchFamily="2" charset="-122"/>
-                <a:ea typeface="宋体" panose="02010600030101010101" pitchFamily="2" charset="-122"/>
-              </a:rPr>
-              <a:t>3</a:t>
-            </a:r>
-            <a:r>
-              <a:rPr lang="zh-CN" altLang="en-US" sz="2000" dirty="0">
-                <a:latin typeface="宋体" panose="02010600030101010101" pitchFamily="2" charset="-122"/>
-                <a:ea typeface="宋体" panose="02010600030101010101" pitchFamily="2" charset="-122"/>
-              </a:rPr>
-              <a:t>）</a:t>
-            </a:r>
-            <a:r>
-              <a:rPr lang="en-US" altLang="zh-CN" sz="2000" dirty="0">
-                <a:latin typeface="宋体" panose="02010600030101010101" pitchFamily="2" charset="-122"/>
-                <a:ea typeface="宋体" panose="02010600030101010101" pitchFamily="2" charset="-122"/>
-              </a:rPr>
-              <a:t>mixed</a:t>
-            </a:r>
-            <a:r>
-              <a:rPr lang="zh-CN" altLang="en-US" sz="2000" dirty="0">
-                <a:latin typeface="宋体" panose="02010600030101010101" pitchFamily="2" charset="-122"/>
-                <a:ea typeface="宋体" panose="02010600030101010101" pitchFamily="2" charset="-122"/>
-              </a:rPr>
-              <a:t>：</a:t>
-            </a:r>
-            <a:r>
-              <a:rPr lang="en-US" altLang="zh-CN" sz="2000" dirty="0">
-                <a:latin typeface="宋体" panose="02010600030101010101" pitchFamily="2" charset="-122"/>
-                <a:ea typeface="宋体" panose="02010600030101010101" pitchFamily="2" charset="-122"/>
-              </a:rPr>
-              <a:t>statement </a:t>
-            </a:r>
-            <a:r>
-              <a:rPr lang="zh-CN" altLang="en-US" sz="2000" dirty="0">
-                <a:latin typeface="宋体" panose="02010600030101010101" pitchFamily="2" charset="-122"/>
-                <a:ea typeface="宋体" panose="02010600030101010101" pitchFamily="2" charset="-122"/>
-              </a:rPr>
-              <a:t>的升级版，一定程度上解决了，因为一些情况而造成的 </a:t>
-            </a:r>
-            <a:r>
-              <a:rPr lang="en-US" altLang="zh-CN" sz="2000" dirty="0">
-                <a:latin typeface="宋体" panose="02010600030101010101" pitchFamily="2" charset="-122"/>
-                <a:ea typeface="宋体" panose="02010600030101010101" pitchFamily="2" charset="-122"/>
-              </a:rPr>
-              <a:t>statement </a:t>
-            </a:r>
-            <a:r>
-              <a:rPr lang="zh-CN" altLang="en-US" sz="2000" dirty="0">
-                <a:latin typeface="宋体" panose="02010600030101010101" pitchFamily="2" charset="-122"/>
-                <a:ea typeface="宋体" panose="02010600030101010101" pitchFamily="2" charset="-122"/>
-              </a:rPr>
-              <a:t>模式不一致问题，默认还是 </a:t>
-            </a:r>
-            <a:r>
-              <a:rPr lang="en-US" altLang="zh-CN" sz="2000" dirty="0">
-                <a:latin typeface="宋体" panose="02010600030101010101" pitchFamily="2" charset="-122"/>
-                <a:ea typeface="宋体" panose="02010600030101010101" pitchFamily="2" charset="-122"/>
-              </a:rPr>
-              <a:t>statement</a:t>
-            </a:r>
-            <a:r>
-              <a:rPr lang="zh-CN" altLang="en-US" sz="2000" dirty="0">
-                <a:latin typeface="宋体" panose="02010600030101010101" pitchFamily="2" charset="-122"/>
-                <a:ea typeface="宋体" panose="02010600030101010101" pitchFamily="2" charset="-122"/>
-              </a:rPr>
-              <a:t>，在某些情况下譬如：当函数中包含 </a:t>
-            </a:r>
-            <a:r>
-              <a:rPr lang="en-US" altLang="zh-CN" sz="2000" dirty="0">
-                <a:latin typeface="宋体" panose="02010600030101010101" pitchFamily="2" charset="-122"/>
-                <a:ea typeface="宋体" panose="02010600030101010101" pitchFamily="2" charset="-122"/>
-              </a:rPr>
-              <a:t>UUID() </a:t>
-            </a:r>
-            <a:r>
-              <a:rPr lang="zh-CN" altLang="en-US" sz="2000" dirty="0">
-                <a:latin typeface="宋体" panose="02010600030101010101" pitchFamily="2" charset="-122"/>
-                <a:ea typeface="宋体" panose="02010600030101010101" pitchFamily="2" charset="-122"/>
-              </a:rPr>
-              <a:t>时；包含 </a:t>
-            </a:r>
-            <a:r>
-              <a:rPr lang="en-US" altLang="zh-CN" sz="2000" dirty="0">
-                <a:latin typeface="宋体" panose="02010600030101010101" pitchFamily="2" charset="-122"/>
-                <a:ea typeface="宋体" panose="02010600030101010101" pitchFamily="2" charset="-122"/>
-              </a:rPr>
-              <a:t>AUTO_INCREMENT </a:t>
-            </a:r>
-            <a:r>
-              <a:rPr lang="zh-CN" altLang="en-US" sz="2000" dirty="0">
-                <a:latin typeface="宋体" panose="02010600030101010101" pitchFamily="2" charset="-122"/>
-                <a:ea typeface="宋体" panose="02010600030101010101" pitchFamily="2" charset="-122"/>
-              </a:rPr>
-              <a:t>字段的表被更新时；执行 </a:t>
-            </a:r>
-            <a:r>
-              <a:rPr lang="en-US" altLang="zh-CN" sz="2000" dirty="0">
-                <a:latin typeface="宋体" panose="02010600030101010101" pitchFamily="2" charset="-122"/>
-                <a:ea typeface="宋体" panose="02010600030101010101" pitchFamily="2" charset="-122"/>
-              </a:rPr>
-              <a:t>INSERT DELAYED </a:t>
-            </a:r>
-            <a:r>
-              <a:rPr lang="zh-CN" altLang="en-US" sz="2000" dirty="0">
-                <a:latin typeface="宋体" panose="02010600030101010101" pitchFamily="2" charset="-122"/>
-                <a:ea typeface="宋体" panose="02010600030101010101" pitchFamily="2" charset="-122"/>
-              </a:rPr>
-              <a:t>语句时；用 </a:t>
-            </a:r>
-            <a:r>
-              <a:rPr lang="en-US" altLang="zh-CN" sz="2000" dirty="0">
-                <a:latin typeface="宋体" panose="02010600030101010101" pitchFamily="2" charset="-122"/>
-                <a:ea typeface="宋体" panose="02010600030101010101" pitchFamily="2" charset="-122"/>
-              </a:rPr>
-              <a:t>UDF </a:t>
-            </a:r>
-            <a:r>
-              <a:rPr lang="zh-CN" altLang="en-US" sz="2000" dirty="0">
-                <a:latin typeface="宋体" panose="02010600030101010101" pitchFamily="2" charset="-122"/>
-                <a:ea typeface="宋体" panose="02010600030101010101" pitchFamily="2" charset="-122"/>
-              </a:rPr>
-              <a:t>时；会按照 </a:t>
-            </a:r>
-            <a:r>
-              <a:rPr lang="en-US" altLang="zh-CN" sz="2000" dirty="0">
-                <a:latin typeface="宋体" panose="02010600030101010101" pitchFamily="2" charset="-122"/>
-                <a:ea typeface="宋体" panose="02010600030101010101" pitchFamily="2" charset="-122"/>
-              </a:rPr>
-              <a:t>ROW </a:t>
-            </a:r>
-            <a:r>
-              <a:rPr lang="zh-CN" altLang="en-US" sz="2000" dirty="0">
-                <a:latin typeface="宋体" panose="02010600030101010101" pitchFamily="2" charset="-122"/>
-                <a:ea typeface="宋体" panose="02010600030101010101" pitchFamily="2" charset="-122"/>
-              </a:rPr>
-              <a:t>的方式进行处理 优点：节省空间，同时兼顾了一定的一致性。 缺点：还有些极个别情况依旧会造成不一致，另外 </a:t>
-            </a:r>
-            <a:r>
-              <a:rPr lang="en-US" altLang="zh-CN" sz="2000" dirty="0">
-                <a:latin typeface="宋体" panose="02010600030101010101" pitchFamily="2" charset="-122"/>
-                <a:ea typeface="宋体" panose="02010600030101010101" pitchFamily="2" charset="-122"/>
-              </a:rPr>
-              <a:t>statement </a:t>
-            </a:r>
-            <a:r>
-              <a:rPr lang="zh-CN" altLang="en-US" sz="2000" dirty="0">
-                <a:latin typeface="宋体" panose="02010600030101010101" pitchFamily="2" charset="-122"/>
-                <a:ea typeface="宋体" panose="02010600030101010101" pitchFamily="2" charset="-122"/>
-              </a:rPr>
-              <a:t>和 </a:t>
-            </a:r>
-            <a:r>
-              <a:rPr lang="en-US" altLang="zh-CN" sz="2000" dirty="0">
-                <a:latin typeface="宋体" panose="02010600030101010101" pitchFamily="2" charset="-122"/>
-                <a:ea typeface="宋体" panose="02010600030101010101" pitchFamily="2" charset="-122"/>
-              </a:rPr>
-              <a:t>mixed </a:t>
-            </a:r>
-            <a:r>
-              <a:rPr lang="zh-CN" altLang="en-US" sz="2000" dirty="0">
-                <a:latin typeface="宋体" panose="02010600030101010101" pitchFamily="2" charset="-122"/>
-                <a:ea typeface="宋体" panose="02010600030101010101" pitchFamily="2" charset="-122"/>
-              </a:rPr>
-              <a:t>对于需要对 </a:t>
-            </a:r>
-            <a:r>
-              <a:rPr lang="en-US" altLang="zh-CN" sz="2000" dirty="0" err="1">
-                <a:latin typeface="宋体" panose="02010600030101010101" pitchFamily="2" charset="-122"/>
-                <a:ea typeface="宋体" panose="02010600030101010101" pitchFamily="2" charset="-122"/>
-              </a:rPr>
-              <a:t>binlog</a:t>
-            </a:r>
-            <a:r>
-              <a:rPr lang="en-US" altLang="zh-CN" sz="2000" dirty="0">
-                <a:latin typeface="宋体" panose="02010600030101010101" pitchFamily="2" charset="-122"/>
-                <a:ea typeface="宋体" panose="02010600030101010101" pitchFamily="2" charset="-122"/>
-              </a:rPr>
-              <a:t> </a:t>
-            </a:r>
-            <a:r>
-              <a:rPr lang="zh-CN" altLang="en-US" sz="2000" dirty="0">
-                <a:latin typeface="宋体" panose="02010600030101010101" pitchFamily="2" charset="-122"/>
-                <a:ea typeface="宋体" panose="02010600030101010101" pitchFamily="2" charset="-122"/>
-              </a:rPr>
-              <a:t>的监控的情况都不方便。 </a:t>
-            </a:r>
-            <a:endParaRPr lang="en-US" altLang="zh-CN" sz="2000" dirty="0">
-              <a:latin typeface="宋体" panose="02010600030101010101" pitchFamily="2" charset="-122"/>
-              <a:ea typeface="宋体" panose="02010600030101010101" pitchFamily="2" charset="-122"/>
-            </a:endParaRPr>
-          </a:p>
-          <a:p>
-            <a:pPr marL="457200" lvl="1" indent="0">
-              <a:buNone/>
-            </a:pPr>
-            <a:r>
-              <a:rPr lang="zh-CN" altLang="en-US" sz="2000" dirty="0">
-                <a:latin typeface="宋体" panose="02010600030101010101" pitchFamily="2" charset="-122"/>
-                <a:ea typeface="宋体" panose="02010600030101010101" pitchFamily="2" charset="-122"/>
-              </a:rPr>
-              <a:t>综合上面对比，</a:t>
-            </a:r>
-            <a:r>
-              <a:rPr lang="en-US" altLang="zh-CN" sz="2000" dirty="0">
-                <a:latin typeface="宋体" panose="02010600030101010101" pitchFamily="2" charset="-122"/>
-                <a:ea typeface="宋体" panose="02010600030101010101" pitchFamily="2" charset="-122"/>
-              </a:rPr>
-              <a:t>Canal </a:t>
-            </a:r>
-            <a:r>
-              <a:rPr lang="zh-CN" altLang="en-US" sz="2000" dirty="0">
-                <a:latin typeface="宋体" panose="02010600030101010101" pitchFamily="2" charset="-122"/>
-                <a:ea typeface="宋体" panose="02010600030101010101" pitchFamily="2" charset="-122"/>
-              </a:rPr>
-              <a:t>想做监控分析，选择 </a:t>
-            </a:r>
-            <a:r>
-              <a:rPr lang="en-US" altLang="zh-CN" sz="2000" dirty="0">
-                <a:latin typeface="宋体" panose="02010600030101010101" pitchFamily="2" charset="-122"/>
-                <a:ea typeface="宋体" panose="02010600030101010101" pitchFamily="2" charset="-122"/>
-              </a:rPr>
-              <a:t>row </a:t>
-            </a:r>
-            <a:r>
-              <a:rPr lang="zh-CN" altLang="en-US" sz="2000" dirty="0">
-                <a:latin typeface="宋体" panose="02010600030101010101" pitchFamily="2" charset="-122"/>
-                <a:ea typeface="宋体" panose="02010600030101010101" pitchFamily="2" charset="-122"/>
-              </a:rPr>
-              <a:t>格式比较合适。 </a:t>
-            </a:r>
-            <a:endParaRPr lang="en-US" altLang="zh-CN" sz="2000" dirty="0">
-              <a:latin typeface="宋体" panose="02010600030101010101" pitchFamily="2" charset="-122"/>
-              <a:ea typeface="宋体" panose="02010600030101010101" pitchFamily="2" charset="-122"/>
-            </a:endParaRPr>
+            <a:endParaRPr lang="zh-CN" altLang="en-US" dirty="0"/>
           </a:p>
         </p:txBody>
       </p:sp>
     </p:spTree>
     <p:extLst>
       <p:ext uri="{BB962C8B-B14F-4D97-AF65-F5344CB8AC3E}">
-        <p14:creationId xmlns:p14="http://schemas.microsoft.com/office/powerpoint/2010/main" val="1954557648"/>
+        <p14:creationId xmlns:p14="http://schemas.microsoft.com/office/powerpoint/2010/main" val="1396987312"/>
       </p:ext>
     </p:extLst>
   </p:cSld>
@@ -4776,7 +4378,7 @@
           <p:cNvPr id="2" name="标题 1">
             <a:extLst>
               <a:ext uri="{FF2B5EF4-FFF2-40B4-BE49-F238E27FC236}">
-                <a16:creationId xmlns:a16="http://schemas.microsoft.com/office/drawing/2014/main" id="{1CFEDC79-F4F1-2792-1CB2-74D8CA016BC9}"/>
+                <a16:creationId xmlns:a16="http://schemas.microsoft.com/office/drawing/2014/main" id="{CCCEE985-092F-B456-E718-6BB6BDECBB65}"/>
               </a:ext>
             </a:extLst>
           </p:cNvPr>
@@ -4785,38 +4387,6 @@
           </p:cNvSpPr>
           <p:nvPr>
             <p:ph type="title"/>
-          </p:nvPr>
-        </p:nvSpPr>
-        <p:spPr/>
-        <p:txBody>
-          <a:bodyPr/>
-          <a:lstStyle/>
-          <a:p>
-            <a:r>
-              <a:rPr lang="en-US" altLang="zh-CN" dirty="0"/>
-              <a:t>Canal</a:t>
-            </a:r>
-            <a:r>
-              <a:rPr lang="zh-CN" altLang="en-US" dirty="0"/>
-              <a:t>的工作原理</a:t>
-            </a:r>
-          </a:p>
-        </p:txBody>
-      </p:sp>
-      <p:sp>
-        <p:nvSpPr>
-          <p:cNvPr id="7" name="内容占位符 6">
-            <a:extLst>
-              <a:ext uri="{FF2B5EF4-FFF2-40B4-BE49-F238E27FC236}">
-                <a16:creationId xmlns:a16="http://schemas.microsoft.com/office/drawing/2014/main" id="{6B50BFC3-D16A-BA4A-AD86-8FFD69B1D578}"/>
-              </a:ext>
-            </a:extLst>
-          </p:cNvPr>
-          <p:cNvSpPr>
-            <a:spLocks noGrp="1"/>
-          </p:cNvSpPr>
-          <p:nvPr>
-            <p:ph idx="1"/>
           </p:nvPr>
         </p:nvSpPr>
         <p:spPr/>
@@ -4827,45 +4397,31 @@
           <a:lstStyle/>
           <a:p>
             <a:r>
-              <a:rPr lang="en-US" altLang="zh-CN" sz="2000" dirty="0">
-                <a:latin typeface="宋体" panose="02010600030101010101" pitchFamily="2" charset="-122"/>
-                <a:ea typeface="宋体" panose="02010600030101010101" pitchFamily="2" charset="-122"/>
-              </a:rPr>
-              <a:t>MySQL </a:t>
-            </a:r>
-            <a:r>
-              <a:rPr lang="zh-CN" altLang="en-US" sz="2000" dirty="0">
-                <a:latin typeface="宋体" panose="02010600030101010101" pitchFamily="2" charset="-122"/>
-                <a:ea typeface="宋体" panose="02010600030101010101" pitchFamily="2" charset="-122"/>
-              </a:rPr>
-              <a:t>主从复制过程 </a:t>
-            </a:r>
-            <a:endParaRPr lang="en-US" altLang="zh-CN" sz="2000" dirty="0">
-              <a:latin typeface="宋体" panose="02010600030101010101" pitchFamily="2" charset="-122"/>
-              <a:ea typeface="宋体" panose="02010600030101010101" pitchFamily="2" charset="-122"/>
-            </a:endParaRPr>
-          </a:p>
-          <a:p>
-            <a:endParaRPr lang="zh-CN" altLang="en-US" sz="2000" dirty="0">
-              <a:latin typeface="宋体" panose="02010600030101010101" pitchFamily="2" charset="-122"/>
-              <a:ea typeface="宋体" panose="02010600030101010101" pitchFamily="2" charset="-122"/>
-            </a:endParaRPr>
+              <a:rPr lang="en-US" altLang="zh-CN" dirty="0"/>
+              <a:t>canal </a:t>
+            </a:r>
+            <a:r>
+              <a:rPr lang="zh-CN" altLang="en-US" dirty="0"/>
+              <a:t>工作原理</a:t>
+            </a:r>
           </a:p>
         </p:txBody>
       </p:sp>
       <p:pic>
         <p:nvPicPr>
-          <p:cNvPr id="10" name="内容占位符 4">
-            <a:extLst>
-              <a:ext uri="{FF2B5EF4-FFF2-40B4-BE49-F238E27FC236}">
-                <a16:creationId xmlns:a16="http://schemas.microsoft.com/office/drawing/2014/main" id="{2F5963F3-0A0C-B5F4-80C3-18AA404DE20A}"/>
+          <p:cNvPr id="4" name="内容占位符 4">
+            <a:extLst>
+              <a:ext uri="{FF2B5EF4-FFF2-40B4-BE49-F238E27FC236}">
+                <a16:creationId xmlns:a16="http://schemas.microsoft.com/office/drawing/2014/main" id="{CB1FBCCF-4ED4-7B75-E7CE-2257E5A19818}"/>
               </a:ext>
             </a:extLst>
           </p:cNvPr>
           <p:cNvPicPr>
-            <a:picLocks noChangeAspect="1"/>
+            <a:picLocks noGrp="1" noChangeAspect="1"/>
           </p:cNvPicPr>
-          <p:nvPr/>
+          <p:nvPr>
+            <p:ph idx="1"/>
+          </p:nvPr>
         </p:nvPicPr>
         <p:blipFill>
           <a:blip r:embed="rId2"/>
@@ -4875,8 +4431,35 @@
         </p:blipFill>
         <p:spPr>
           <a:xfrm>
-            <a:off x="3785657" y="1825625"/>
-            <a:ext cx="5947461" cy="4251699"/>
+            <a:off x="2510286" y="2353675"/>
+            <a:ext cx="7171428" cy="3295238"/>
+          </a:xfrm>
+        </p:spPr>
+      </p:pic>
+      <p:pic>
+        <p:nvPicPr>
+          <p:cNvPr id="5" name="图片 4">
+            <a:extLst>
+              <a:ext uri="{FF2B5EF4-FFF2-40B4-BE49-F238E27FC236}">
+                <a16:creationId xmlns:a16="http://schemas.microsoft.com/office/drawing/2014/main" id="{26508609-44CA-5AC2-080A-087C9934D45B}"/>
+              </a:ext>
+            </a:extLst>
+          </p:cNvPr>
+          <p:cNvPicPr>
+            <a:picLocks noChangeAspect="1"/>
+          </p:cNvPicPr>
+          <p:nvPr/>
+        </p:nvPicPr>
+        <p:blipFill>
+          <a:blip r:embed="rId3"/>
+          <a:stretch>
+            <a:fillRect/>
+          </a:stretch>
+        </p:blipFill>
+        <p:spPr>
+          <a:xfrm>
+            <a:off x="2119809" y="1267095"/>
+            <a:ext cx="7952381" cy="4323809"/>
           </a:xfrm>
           <a:prstGeom prst="rect">
             <a:avLst/>
@@ -4886,7 +4469,7 @@
     </p:spTree>
     <p:extLst>
       <p:ext uri="{BB962C8B-B14F-4D97-AF65-F5344CB8AC3E}">
-        <p14:creationId xmlns:p14="http://schemas.microsoft.com/office/powerpoint/2010/main" val="779768194"/>
+        <p14:creationId xmlns:p14="http://schemas.microsoft.com/office/powerpoint/2010/main" val="1154755194"/>
       </p:ext>
     </p:extLst>
   </p:cSld>
@@ -4918,7 +4501,7 @@
           <p:cNvPr id="3" name="内容占位符 2">
             <a:extLst>
               <a:ext uri="{FF2B5EF4-FFF2-40B4-BE49-F238E27FC236}">
-                <a16:creationId xmlns:a16="http://schemas.microsoft.com/office/drawing/2014/main" id="{25A2D265-531B-A5B8-5367-087FCAFE1A26}"/>
+                <a16:creationId xmlns:a16="http://schemas.microsoft.com/office/drawing/2014/main" id="{320411D6-E315-7D6F-C427-798374F9E1EC}"/>
               </a:ext>
             </a:extLst>
           </p:cNvPr>
@@ -4929,225 +4512,468 @@
             <p:ph idx="1"/>
           </p:nvPr>
         </p:nvSpPr>
-        <p:spPr>
-          <a:xfrm>
-            <a:off x="838200" y="259976"/>
-            <a:ext cx="10515600" cy="5916987"/>
-          </a:xfrm>
-        </p:spPr>
+        <p:spPr/>
         <p:txBody>
           <a:bodyPr/>
           <a:lstStyle/>
           <a:p>
             <a:r>
-              <a:rPr lang="en-US" altLang="zh-CN" sz="2800" dirty="0">
-                <a:latin typeface="宋体" panose="02010600030101010101" pitchFamily="2" charset="-122"/>
-                <a:ea typeface="宋体" panose="02010600030101010101" pitchFamily="2" charset="-122"/>
-              </a:rPr>
-              <a:t>1</a:t>
-            </a:r>
-            <a:r>
-              <a:rPr lang="zh-CN" altLang="en-US" sz="2800" dirty="0">
-                <a:latin typeface="宋体" panose="02010600030101010101" pitchFamily="2" charset="-122"/>
-                <a:ea typeface="宋体" panose="02010600030101010101" pitchFamily="2" charset="-122"/>
-              </a:rPr>
-              <a:t>）</a:t>
-            </a:r>
-            <a:r>
-              <a:rPr lang="en-US" altLang="zh-CN" sz="2800" dirty="0">
-                <a:latin typeface="宋体" panose="02010600030101010101" pitchFamily="2" charset="-122"/>
-                <a:ea typeface="宋体" panose="02010600030101010101" pitchFamily="2" charset="-122"/>
+              <a:rPr lang="zh-CN" altLang="en-US" dirty="0">
+                <a:solidFill>
+                  <a:srgbClr val="24292F"/>
+                </a:solidFill>
+                <a:latin typeface="-apple-system"/>
+              </a:rPr>
+              <a:t>上图就很形象的描述了 </a:t>
+            </a:r>
+            <a:r>
+              <a:rPr lang="en-US" altLang="zh-CN" dirty="0">
+                <a:solidFill>
+                  <a:srgbClr val="24292F"/>
+                </a:solidFill>
+                <a:latin typeface="-apple-system"/>
+              </a:rPr>
+              <a:t>canal </a:t>
+            </a:r>
+            <a:r>
+              <a:rPr lang="zh-CN" altLang="en-US" dirty="0">
+                <a:solidFill>
+                  <a:srgbClr val="24292F"/>
+                </a:solidFill>
+                <a:latin typeface="-apple-system"/>
+              </a:rPr>
+              <a:t>的角色。它的原理也很简单，就是把自己伪装成 </a:t>
+            </a:r>
+            <a:r>
+              <a:rPr lang="en-US" altLang="zh-CN" dirty="0">
+                <a:solidFill>
+                  <a:srgbClr val="24292F"/>
+                </a:solidFill>
+                <a:latin typeface="-apple-system"/>
+              </a:rPr>
+              <a:t>Slave</a:t>
+            </a:r>
+            <a:r>
+              <a:rPr lang="zh-CN" altLang="en-US" dirty="0">
+                <a:solidFill>
+                  <a:srgbClr val="24292F"/>
+                </a:solidFill>
+                <a:latin typeface="-apple-system"/>
+              </a:rPr>
+              <a:t>，假装从 </a:t>
+            </a:r>
+            <a:r>
+              <a:rPr lang="en-US" altLang="zh-CN" dirty="0">
+                <a:solidFill>
+                  <a:srgbClr val="24292F"/>
+                </a:solidFill>
+                <a:latin typeface="-apple-system"/>
               </a:rPr>
               <a:t>Master </a:t>
             </a:r>
             <a:r>
-              <a:rPr lang="zh-CN" altLang="en-US" sz="2800" dirty="0">
-                <a:latin typeface="宋体" panose="02010600030101010101" pitchFamily="2" charset="-122"/>
-                <a:ea typeface="宋体" panose="02010600030101010101" pitchFamily="2" charset="-122"/>
-              </a:rPr>
-              <a:t>主库将改变记录，写到二进制日志</a:t>
-            </a:r>
-            <a:r>
-              <a:rPr lang="en-US" altLang="zh-CN" sz="2800" dirty="0">
-                <a:latin typeface="宋体" panose="02010600030101010101" pitchFamily="2" charset="-122"/>
-                <a:ea typeface="宋体" panose="02010600030101010101" pitchFamily="2" charset="-122"/>
-              </a:rPr>
-              <a:t>(Binary Log)</a:t>
-            </a:r>
-            <a:r>
-              <a:rPr lang="zh-CN" altLang="en-US" sz="2800" dirty="0">
-                <a:latin typeface="宋体" panose="02010600030101010101" pitchFamily="2" charset="-122"/>
-                <a:ea typeface="宋体" panose="02010600030101010101" pitchFamily="2" charset="-122"/>
-              </a:rPr>
-              <a:t>中；</a:t>
-            </a:r>
-            <a:endParaRPr lang="en-US" altLang="zh-CN" sz="2800" dirty="0">
-              <a:latin typeface="宋体" panose="02010600030101010101" pitchFamily="2" charset="-122"/>
-              <a:ea typeface="宋体" panose="02010600030101010101" pitchFamily="2" charset="-122"/>
+              <a:rPr lang="zh-CN" altLang="en-US" dirty="0">
+                <a:solidFill>
+                  <a:srgbClr val="24292F"/>
+                </a:solidFill>
+                <a:latin typeface="-apple-system"/>
+              </a:rPr>
+              <a:t>复制数据：</a:t>
+            </a:r>
+            <a:endParaRPr lang="en-US" altLang="zh-CN" dirty="0">
+              <a:solidFill>
+                <a:srgbClr val="24292F"/>
+              </a:solidFill>
+              <a:latin typeface="-apple-system"/>
             </a:endParaRPr>
           </a:p>
           <a:p>
-            <a:endParaRPr lang="en-US" altLang="zh-CN" sz="2800" dirty="0">
-              <a:latin typeface="宋体" panose="02010600030101010101" pitchFamily="2" charset="-122"/>
-              <a:ea typeface="宋体" panose="02010600030101010101" pitchFamily="2" charset="-122"/>
+            <a:pPr algn="l">
+              <a:buFont typeface="Arial" panose="020B0604020202020204" pitchFamily="34" charset="0"/>
+              <a:buChar char="•"/>
+            </a:pPr>
+            <a:r>
+              <a:rPr lang="en-US" altLang="zh-CN" b="0" i="0" dirty="0">
+                <a:solidFill>
+                  <a:srgbClr val="24292F"/>
+                </a:solidFill>
+                <a:effectLst/>
+                <a:latin typeface="-apple-system"/>
+              </a:rPr>
+              <a:t>canal </a:t>
+            </a:r>
+            <a:r>
+              <a:rPr lang="zh-CN" altLang="en-US" b="0" i="0" dirty="0">
+                <a:solidFill>
+                  <a:srgbClr val="24292F"/>
+                </a:solidFill>
+                <a:effectLst/>
+                <a:latin typeface="-apple-system"/>
+              </a:rPr>
+              <a:t>模拟 </a:t>
+            </a:r>
+            <a:r>
+              <a:rPr lang="en-US" altLang="zh-CN" b="0" i="0" dirty="0">
+                <a:solidFill>
+                  <a:srgbClr val="24292F"/>
+                </a:solidFill>
+                <a:effectLst/>
+                <a:latin typeface="-apple-system"/>
+              </a:rPr>
+              <a:t>MySQL slave </a:t>
+            </a:r>
+            <a:r>
+              <a:rPr lang="zh-CN" altLang="en-US" b="0" i="0" dirty="0">
+                <a:solidFill>
+                  <a:srgbClr val="24292F"/>
+                </a:solidFill>
+                <a:effectLst/>
+                <a:latin typeface="-apple-system"/>
+              </a:rPr>
+              <a:t>的交互协议，伪装自己为 </a:t>
+            </a:r>
+            <a:r>
+              <a:rPr lang="en-US" altLang="zh-CN" b="0" i="0" dirty="0">
+                <a:solidFill>
+                  <a:srgbClr val="24292F"/>
+                </a:solidFill>
+                <a:effectLst/>
+                <a:latin typeface="-apple-system"/>
+              </a:rPr>
+              <a:t>MySQL slave </a:t>
+            </a:r>
+            <a:r>
+              <a:rPr lang="zh-CN" altLang="en-US" b="0" i="0" dirty="0">
+                <a:solidFill>
+                  <a:srgbClr val="24292F"/>
+                </a:solidFill>
+                <a:effectLst/>
+                <a:latin typeface="-apple-system"/>
+              </a:rPr>
+              <a:t>，向 </a:t>
+            </a:r>
+            <a:r>
+              <a:rPr lang="en-US" altLang="zh-CN" b="0" i="0" dirty="0">
+                <a:solidFill>
+                  <a:srgbClr val="24292F"/>
+                </a:solidFill>
+                <a:effectLst/>
+                <a:latin typeface="-apple-system"/>
+              </a:rPr>
+              <a:t>MySQL master </a:t>
+            </a:r>
+            <a:r>
+              <a:rPr lang="zh-CN" altLang="en-US" b="0" i="0" dirty="0">
+                <a:solidFill>
+                  <a:srgbClr val="24292F"/>
+                </a:solidFill>
+                <a:effectLst/>
+                <a:latin typeface="-apple-system"/>
+              </a:rPr>
+              <a:t>发送</a:t>
+            </a:r>
+            <a:r>
+              <a:rPr lang="en-US" altLang="zh-CN" b="0" i="0" dirty="0">
+                <a:solidFill>
+                  <a:srgbClr val="24292F"/>
+                </a:solidFill>
+                <a:effectLst/>
+                <a:latin typeface="-apple-system"/>
+              </a:rPr>
+              <a:t>dump </a:t>
+            </a:r>
+            <a:r>
+              <a:rPr lang="zh-CN" altLang="en-US" b="0" i="0" dirty="0">
+                <a:solidFill>
+                  <a:srgbClr val="24292F"/>
+                </a:solidFill>
+                <a:effectLst/>
+                <a:latin typeface="-apple-system"/>
+              </a:rPr>
+              <a:t>协议</a:t>
+            </a:r>
+          </a:p>
+          <a:p>
+            <a:pPr algn="l">
+              <a:buFont typeface="Arial" panose="020B0604020202020204" pitchFamily="34" charset="0"/>
+              <a:buChar char="•"/>
+            </a:pPr>
+            <a:r>
+              <a:rPr lang="en-US" altLang="zh-CN" b="0" i="0" dirty="0">
+                <a:solidFill>
+                  <a:srgbClr val="24292F"/>
+                </a:solidFill>
+                <a:effectLst/>
+                <a:latin typeface="-apple-system"/>
+              </a:rPr>
+              <a:t>MySQL master </a:t>
+            </a:r>
+            <a:r>
+              <a:rPr lang="zh-CN" altLang="en-US" b="0" i="0" dirty="0">
+                <a:solidFill>
+                  <a:srgbClr val="24292F"/>
+                </a:solidFill>
+                <a:effectLst/>
+                <a:latin typeface="-apple-system"/>
+              </a:rPr>
+              <a:t>收到 </a:t>
+            </a:r>
+            <a:r>
+              <a:rPr lang="en-US" altLang="zh-CN" b="0" i="0" dirty="0">
+                <a:solidFill>
+                  <a:srgbClr val="24292F"/>
+                </a:solidFill>
+                <a:effectLst/>
+                <a:latin typeface="-apple-system"/>
+              </a:rPr>
+              <a:t>dump </a:t>
+            </a:r>
+            <a:r>
+              <a:rPr lang="zh-CN" altLang="en-US" b="0" i="0" dirty="0">
+                <a:solidFill>
+                  <a:srgbClr val="24292F"/>
+                </a:solidFill>
+                <a:effectLst/>
+                <a:latin typeface="-apple-system"/>
+              </a:rPr>
+              <a:t>请求，开始推送 </a:t>
+            </a:r>
+            <a:r>
+              <a:rPr lang="en-US" altLang="zh-CN" b="0" i="0" dirty="0">
+                <a:solidFill>
+                  <a:srgbClr val="24292F"/>
+                </a:solidFill>
+                <a:effectLst/>
+                <a:latin typeface="-apple-system"/>
+              </a:rPr>
+              <a:t>binary log </a:t>
+            </a:r>
+            <a:r>
+              <a:rPr lang="zh-CN" altLang="en-US" b="0" i="0" dirty="0">
+                <a:solidFill>
+                  <a:srgbClr val="24292F"/>
+                </a:solidFill>
+                <a:effectLst/>
+                <a:latin typeface="-apple-system"/>
+              </a:rPr>
+              <a:t>给 </a:t>
+            </a:r>
+            <a:r>
+              <a:rPr lang="en-US" altLang="zh-CN" b="0" i="0" dirty="0">
+                <a:solidFill>
+                  <a:srgbClr val="24292F"/>
+                </a:solidFill>
+                <a:effectLst/>
+                <a:latin typeface="-apple-system"/>
+              </a:rPr>
+              <a:t>slave (</a:t>
+            </a:r>
+            <a:r>
+              <a:rPr lang="zh-CN" altLang="en-US" b="0" i="0" dirty="0">
+                <a:solidFill>
+                  <a:srgbClr val="24292F"/>
+                </a:solidFill>
+                <a:effectLst/>
+                <a:latin typeface="-apple-system"/>
+              </a:rPr>
+              <a:t>即 </a:t>
+            </a:r>
+            <a:r>
+              <a:rPr lang="en-US" altLang="zh-CN" b="0" i="0" dirty="0">
+                <a:solidFill>
+                  <a:srgbClr val="24292F"/>
+                </a:solidFill>
+                <a:effectLst/>
+                <a:latin typeface="-apple-system"/>
+              </a:rPr>
+              <a:t>canal )</a:t>
+            </a:r>
+          </a:p>
+          <a:p>
+            <a:pPr algn="l">
+              <a:buFont typeface="Arial" panose="020B0604020202020204" pitchFamily="34" charset="0"/>
+              <a:buChar char="•"/>
+            </a:pPr>
+            <a:r>
+              <a:rPr lang="en-US" altLang="zh-CN" b="0" i="0" dirty="0">
+                <a:solidFill>
+                  <a:srgbClr val="24292F"/>
+                </a:solidFill>
+                <a:effectLst/>
+                <a:latin typeface="-apple-system"/>
+              </a:rPr>
+              <a:t>canal </a:t>
+            </a:r>
+            <a:r>
+              <a:rPr lang="zh-CN" altLang="en-US" b="0" i="0" dirty="0">
+                <a:solidFill>
+                  <a:srgbClr val="24292F"/>
+                </a:solidFill>
+                <a:effectLst/>
+                <a:latin typeface="-apple-system"/>
+              </a:rPr>
+              <a:t>解析 </a:t>
+            </a:r>
+            <a:r>
+              <a:rPr lang="en-US" altLang="zh-CN" b="0" i="0" dirty="0">
+                <a:solidFill>
+                  <a:srgbClr val="24292F"/>
+                </a:solidFill>
+                <a:effectLst/>
+                <a:latin typeface="-apple-system"/>
+              </a:rPr>
+              <a:t>binary log </a:t>
+            </a:r>
+            <a:r>
+              <a:rPr lang="zh-CN" altLang="en-US" b="0" i="0" dirty="0">
+                <a:solidFill>
+                  <a:srgbClr val="24292F"/>
+                </a:solidFill>
+                <a:effectLst/>
+                <a:latin typeface="-apple-system"/>
+              </a:rPr>
+              <a:t>对象</a:t>
+            </a:r>
+            <a:r>
+              <a:rPr lang="en-US" altLang="zh-CN" b="0" i="0" dirty="0">
+                <a:solidFill>
+                  <a:srgbClr val="24292F"/>
+                </a:solidFill>
+                <a:effectLst/>
+                <a:latin typeface="-apple-system"/>
+              </a:rPr>
+              <a:t>(</a:t>
+            </a:r>
+            <a:r>
+              <a:rPr lang="zh-CN" altLang="en-US" b="0" i="0" dirty="0">
+                <a:solidFill>
+                  <a:srgbClr val="24292F"/>
+                </a:solidFill>
+                <a:effectLst/>
+                <a:latin typeface="-apple-system"/>
+              </a:rPr>
+              <a:t>原始为 </a:t>
+            </a:r>
+            <a:r>
+              <a:rPr lang="en-US" altLang="zh-CN" b="0" i="0" dirty="0">
+                <a:solidFill>
+                  <a:srgbClr val="24292F"/>
+                </a:solidFill>
+                <a:effectLst/>
+                <a:latin typeface="-apple-system"/>
+              </a:rPr>
+              <a:t>byte </a:t>
+            </a:r>
+            <a:r>
+              <a:rPr lang="zh-CN" altLang="en-US" b="0" i="0" dirty="0">
+                <a:solidFill>
+                  <a:srgbClr val="24292F"/>
+                </a:solidFill>
+                <a:effectLst/>
+                <a:latin typeface="-apple-system"/>
+              </a:rPr>
+              <a:t>流</a:t>
+            </a:r>
+            <a:r>
+              <a:rPr lang="en-US" altLang="zh-CN" b="0" i="0" dirty="0">
+                <a:solidFill>
+                  <a:srgbClr val="24292F"/>
+                </a:solidFill>
+                <a:effectLst/>
+                <a:latin typeface="-apple-system"/>
+              </a:rPr>
+              <a:t>)</a:t>
+            </a:r>
+          </a:p>
+          <a:p>
+            <a:r>
+              <a:rPr lang="en-US" altLang="zh-CN" dirty="0">
+                <a:solidFill>
+                  <a:srgbClr val="24292F"/>
+                </a:solidFill>
+                <a:latin typeface="-apple-system"/>
+              </a:rPr>
+              <a:t>canal</a:t>
+            </a:r>
+            <a:r>
+              <a:rPr lang="zh-CN" altLang="en-US" dirty="0">
+                <a:solidFill>
+                  <a:srgbClr val="24292F"/>
+                </a:solidFill>
+                <a:latin typeface="-apple-system"/>
+              </a:rPr>
+              <a:t>将解析后的对象，根据业务场景，分发到比如 </a:t>
+            </a:r>
+            <a:r>
+              <a:rPr lang="en-US" altLang="zh-CN" dirty="0">
+                <a:solidFill>
+                  <a:srgbClr val="24292F"/>
+                </a:solidFill>
+                <a:latin typeface="-apple-system"/>
+              </a:rPr>
+              <a:t>MySQL </a:t>
+            </a:r>
+            <a:r>
+              <a:rPr lang="zh-CN" altLang="en-US" dirty="0">
+                <a:solidFill>
+                  <a:srgbClr val="24292F"/>
+                </a:solidFill>
+                <a:latin typeface="-apple-system"/>
+              </a:rPr>
+              <a:t>、</a:t>
+            </a:r>
+            <a:r>
+              <a:rPr lang="en-US" altLang="zh-CN" dirty="0">
+                <a:solidFill>
+                  <a:srgbClr val="24292F"/>
+                </a:solidFill>
+                <a:latin typeface="-apple-system"/>
+              </a:rPr>
+              <a:t>MQ </a:t>
+            </a:r>
+            <a:r>
+              <a:rPr lang="zh-CN" altLang="en-US" dirty="0">
+                <a:solidFill>
+                  <a:srgbClr val="24292F"/>
+                </a:solidFill>
+                <a:latin typeface="-apple-system"/>
+              </a:rPr>
+              <a:t>或者 </a:t>
+            </a:r>
+            <a:r>
+              <a:rPr lang="en-US" altLang="zh-CN" dirty="0">
+                <a:solidFill>
+                  <a:srgbClr val="24292F"/>
+                </a:solidFill>
+                <a:latin typeface="-apple-system"/>
+              </a:rPr>
+              <a:t>ES </a:t>
+            </a:r>
+            <a:r>
+              <a:rPr lang="zh-CN" altLang="en-US" dirty="0">
+                <a:solidFill>
+                  <a:srgbClr val="24292F"/>
+                </a:solidFill>
+                <a:latin typeface="-apple-system"/>
+              </a:rPr>
+              <a:t>中</a:t>
+            </a:r>
+            <a:endParaRPr lang="en-US" altLang="zh-CN" dirty="0">
+              <a:solidFill>
+                <a:srgbClr val="24292F"/>
+              </a:solidFill>
+              <a:latin typeface="-apple-system"/>
             </a:endParaRPr>
           </a:p>
           <a:p>
-            <a:r>
-              <a:rPr lang="zh-CN" altLang="en-US" sz="2800" dirty="0">
-                <a:latin typeface="宋体" panose="02010600030101010101" pitchFamily="2" charset="-122"/>
-                <a:ea typeface="宋体" panose="02010600030101010101" pitchFamily="2" charset="-122"/>
-              </a:rPr>
-              <a:t> </a:t>
-            </a:r>
-            <a:r>
-              <a:rPr lang="en-US" altLang="zh-CN" sz="2800" dirty="0">
-                <a:latin typeface="宋体" panose="02010600030101010101" pitchFamily="2" charset="-122"/>
-                <a:ea typeface="宋体" panose="02010600030101010101" pitchFamily="2" charset="-122"/>
-              </a:rPr>
-              <a:t>2</a:t>
-            </a:r>
-            <a:r>
-              <a:rPr lang="zh-CN" altLang="en-US" sz="2800" dirty="0">
-                <a:latin typeface="宋体" panose="02010600030101010101" pitchFamily="2" charset="-122"/>
-                <a:ea typeface="宋体" panose="02010600030101010101" pitchFamily="2" charset="-122"/>
-              </a:rPr>
-              <a:t>）</a:t>
-            </a:r>
-            <a:r>
-              <a:rPr lang="en-US" altLang="zh-CN" sz="2800" dirty="0">
-                <a:latin typeface="宋体" panose="02010600030101010101" pitchFamily="2" charset="-122"/>
-                <a:ea typeface="宋体" panose="02010600030101010101" pitchFamily="2" charset="-122"/>
-              </a:rPr>
-              <a:t>Slave </a:t>
-            </a:r>
-            <a:r>
-              <a:rPr lang="zh-CN" altLang="en-US" sz="2800" dirty="0">
-                <a:latin typeface="宋体" panose="02010600030101010101" pitchFamily="2" charset="-122"/>
-                <a:ea typeface="宋体" panose="02010600030101010101" pitchFamily="2" charset="-122"/>
-              </a:rPr>
-              <a:t>从库向 </a:t>
-            </a:r>
-            <a:r>
-              <a:rPr lang="en-US" altLang="zh-CN" sz="2800" dirty="0">
-                <a:latin typeface="宋体" panose="02010600030101010101" pitchFamily="2" charset="-122"/>
-                <a:ea typeface="宋体" panose="02010600030101010101" pitchFamily="2" charset="-122"/>
-              </a:rPr>
-              <a:t>MySQL Master </a:t>
-            </a:r>
-            <a:r>
-              <a:rPr lang="zh-CN" altLang="en-US" sz="2800" dirty="0">
-                <a:latin typeface="宋体" panose="02010600030101010101" pitchFamily="2" charset="-122"/>
-                <a:ea typeface="宋体" panose="02010600030101010101" pitchFamily="2" charset="-122"/>
-              </a:rPr>
-              <a:t>发送 </a:t>
-            </a:r>
-            <a:r>
-              <a:rPr lang="en-US" altLang="zh-CN" sz="2800" dirty="0">
-                <a:latin typeface="宋体" panose="02010600030101010101" pitchFamily="2" charset="-122"/>
-                <a:ea typeface="宋体" panose="02010600030101010101" pitchFamily="2" charset="-122"/>
-              </a:rPr>
-              <a:t>dump </a:t>
-            </a:r>
-            <a:r>
-              <a:rPr lang="zh-CN" altLang="en-US" sz="2800" dirty="0">
-                <a:latin typeface="宋体" panose="02010600030101010101" pitchFamily="2" charset="-122"/>
-                <a:ea typeface="宋体" panose="02010600030101010101" pitchFamily="2" charset="-122"/>
-              </a:rPr>
-              <a:t>协议，将 </a:t>
-            </a:r>
-            <a:r>
-              <a:rPr lang="en-US" altLang="zh-CN" sz="2800" dirty="0">
-                <a:latin typeface="宋体" panose="02010600030101010101" pitchFamily="2" charset="-122"/>
-                <a:ea typeface="宋体" panose="02010600030101010101" pitchFamily="2" charset="-122"/>
-              </a:rPr>
-              <a:t>Master </a:t>
-            </a:r>
-            <a:r>
-              <a:rPr lang="zh-CN" altLang="en-US" sz="2800" dirty="0">
-                <a:latin typeface="宋体" panose="02010600030101010101" pitchFamily="2" charset="-122"/>
-                <a:ea typeface="宋体" panose="02010600030101010101" pitchFamily="2" charset="-122"/>
-              </a:rPr>
-              <a:t>主库的 </a:t>
-            </a:r>
-            <a:r>
-              <a:rPr lang="en-US" altLang="zh-CN" sz="2800" dirty="0">
-                <a:latin typeface="宋体" panose="02010600030101010101" pitchFamily="2" charset="-122"/>
-                <a:ea typeface="宋体" panose="02010600030101010101" pitchFamily="2" charset="-122"/>
-              </a:rPr>
-              <a:t>binary log events </a:t>
-            </a:r>
-            <a:r>
-              <a:rPr lang="zh-CN" altLang="en-US" sz="2800" dirty="0">
-                <a:latin typeface="宋体" panose="02010600030101010101" pitchFamily="2" charset="-122"/>
-                <a:ea typeface="宋体" panose="02010600030101010101" pitchFamily="2" charset="-122"/>
-              </a:rPr>
-              <a:t>拷贝 到它的中继日志</a:t>
-            </a:r>
-            <a:r>
-              <a:rPr lang="en-US" altLang="zh-CN" sz="2800" dirty="0">
-                <a:latin typeface="宋体" panose="02010600030101010101" pitchFamily="2" charset="-122"/>
-                <a:ea typeface="宋体" panose="02010600030101010101" pitchFamily="2" charset="-122"/>
-              </a:rPr>
-              <a:t>(relay log)</a:t>
-            </a:r>
-            <a:r>
-              <a:rPr lang="zh-CN" altLang="en-US" sz="2800" dirty="0">
-                <a:latin typeface="宋体" panose="02010600030101010101" pitchFamily="2" charset="-122"/>
-                <a:ea typeface="宋体" panose="02010600030101010101" pitchFamily="2" charset="-122"/>
-              </a:rPr>
-              <a:t>；</a:t>
-            </a:r>
-            <a:endParaRPr lang="en-US" altLang="zh-CN" sz="2800" dirty="0">
-              <a:latin typeface="宋体" panose="02010600030101010101" pitchFamily="2" charset="-122"/>
-              <a:ea typeface="宋体" panose="02010600030101010101" pitchFamily="2" charset="-122"/>
-            </a:endParaRPr>
-          </a:p>
-          <a:p>
-            <a:endParaRPr lang="en-US" altLang="zh-CN" sz="2800" dirty="0">
-              <a:latin typeface="宋体" panose="02010600030101010101" pitchFamily="2" charset="-122"/>
-              <a:ea typeface="宋体" panose="02010600030101010101" pitchFamily="2" charset="-122"/>
-            </a:endParaRPr>
-          </a:p>
-          <a:p>
-            <a:r>
-              <a:rPr lang="zh-CN" altLang="en-US" sz="2800" dirty="0">
-                <a:latin typeface="宋体" panose="02010600030101010101" pitchFamily="2" charset="-122"/>
-                <a:ea typeface="宋体" panose="02010600030101010101" pitchFamily="2" charset="-122"/>
-              </a:rPr>
-              <a:t> </a:t>
-            </a:r>
-            <a:r>
-              <a:rPr lang="en-US" altLang="zh-CN" sz="2800" dirty="0">
-                <a:latin typeface="宋体" panose="02010600030101010101" pitchFamily="2" charset="-122"/>
-                <a:ea typeface="宋体" panose="02010600030101010101" pitchFamily="2" charset="-122"/>
-              </a:rPr>
-              <a:t>3</a:t>
-            </a:r>
-            <a:r>
-              <a:rPr lang="zh-CN" altLang="en-US" sz="2800" dirty="0">
-                <a:latin typeface="宋体" panose="02010600030101010101" pitchFamily="2" charset="-122"/>
-                <a:ea typeface="宋体" panose="02010600030101010101" pitchFamily="2" charset="-122"/>
-              </a:rPr>
-              <a:t>）</a:t>
-            </a:r>
-            <a:r>
-              <a:rPr lang="en-US" altLang="zh-CN" sz="2800" dirty="0">
-                <a:latin typeface="宋体" panose="02010600030101010101" pitchFamily="2" charset="-122"/>
-                <a:ea typeface="宋体" panose="02010600030101010101" pitchFamily="2" charset="-122"/>
-              </a:rPr>
-              <a:t>Slave </a:t>
-            </a:r>
-            <a:r>
-              <a:rPr lang="zh-CN" altLang="en-US" sz="2800" dirty="0">
-                <a:latin typeface="宋体" panose="02010600030101010101" pitchFamily="2" charset="-122"/>
-                <a:ea typeface="宋体" panose="02010600030101010101" pitchFamily="2" charset="-122"/>
-              </a:rPr>
-              <a:t>从库读取并重做中继日志中的事件，将改变的数据同步到自己的数据库。</a:t>
-            </a:r>
-            <a:endParaRPr lang="en-US" altLang="zh-CN" sz="2800" dirty="0">
-              <a:latin typeface="宋体" panose="02010600030101010101" pitchFamily="2" charset="-122"/>
-              <a:ea typeface="宋体" panose="02010600030101010101" pitchFamily="2" charset="-122"/>
+            <a:pPr marL="0" indent="0" algn="l">
+              <a:buNone/>
+            </a:pPr>
+            <a:endParaRPr lang="en-US" altLang="zh-CN" dirty="0">
+              <a:solidFill>
+                <a:srgbClr val="24292F"/>
+              </a:solidFill>
+              <a:latin typeface="-apple-system"/>
             </a:endParaRPr>
           </a:p>
           <a:p>
@@ -5158,7 +4984,7 @@
     </p:spTree>
     <p:extLst>
       <p:ext uri="{BB962C8B-B14F-4D97-AF65-F5344CB8AC3E}">
-        <p14:creationId xmlns:p14="http://schemas.microsoft.com/office/powerpoint/2010/main" val="2239249271"/>
+        <p14:creationId xmlns:p14="http://schemas.microsoft.com/office/powerpoint/2010/main" val="1207633194"/>
       </p:ext>
     </p:extLst>
   </p:cSld>
@@ -5190,7 +5016,7 @@
           <p:cNvPr id="2" name="标题 1">
             <a:extLst>
               <a:ext uri="{FF2B5EF4-FFF2-40B4-BE49-F238E27FC236}">
-                <a16:creationId xmlns:a16="http://schemas.microsoft.com/office/drawing/2014/main" id="{CCCEE985-092F-B456-E718-6BB6BDECBB65}"/>
+                <a16:creationId xmlns:a16="http://schemas.microsoft.com/office/drawing/2014/main" id="{68E5B374-F95E-656E-34E3-C33506323A99}"/>
               </a:ext>
             </a:extLst>
           </p:cNvPr>
@@ -5199,65 +5025,462 @@
           </p:cNvSpPr>
           <p:nvPr>
             <p:ph type="title"/>
+          </p:nvPr>
+        </p:nvSpPr>
+        <p:spPr/>
+        <p:txBody>
+          <a:bodyPr/>
+          <a:lstStyle/>
+          <a:p>
+            <a:r>
+              <a:rPr lang="en-US" altLang="zh-CN" dirty="0"/>
+              <a:t>MySQL</a:t>
+            </a:r>
+            <a:r>
+              <a:rPr lang="zh-CN" altLang="en-US" dirty="0"/>
+              <a:t>的</a:t>
+            </a:r>
+            <a:r>
+              <a:rPr lang="en-US" altLang="zh-CN" dirty="0"/>
+              <a:t>Binlog</a:t>
+            </a:r>
+            <a:endParaRPr lang="zh-CN" altLang="en-US" dirty="0"/>
+          </a:p>
+        </p:txBody>
+      </p:sp>
+      <p:sp>
+        <p:nvSpPr>
+          <p:cNvPr id="3" name="内容占位符 2">
+            <a:extLst>
+              <a:ext uri="{FF2B5EF4-FFF2-40B4-BE49-F238E27FC236}">
+                <a16:creationId xmlns:a16="http://schemas.microsoft.com/office/drawing/2014/main" id="{4F403AA8-1A94-FC7C-C109-E910A8384ACA}"/>
+              </a:ext>
+            </a:extLst>
+          </p:cNvPr>
+          <p:cNvSpPr>
+            <a:spLocks noGrp="1"/>
+          </p:cNvSpPr>
+          <p:nvPr>
+            <p:ph idx="1"/>
           </p:nvPr>
         </p:nvSpPr>
         <p:spPr/>
         <p:txBody>
           <a:bodyPr>
-            <a:normAutofit/>
+            <a:normAutofit fontScale="92500"/>
           </a:bodyPr>
           <a:lstStyle/>
           <a:p>
+            <a:pPr marL="0" indent="0">
+              <a:buNone/>
+            </a:pPr>
+            <a:r>
+              <a:rPr lang="zh-CN" altLang="en-US" sz="2000" dirty="0">
+                <a:latin typeface="宋体" panose="02010600030101010101" pitchFamily="2" charset="-122"/>
+                <a:ea typeface="宋体" panose="02010600030101010101" pitchFamily="2" charset="-122"/>
+              </a:rPr>
+              <a:t>一、</a:t>
+            </a:r>
+            <a:r>
+              <a:rPr lang="zh-CN" altLang="en-US" dirty="0">
+                <a:solidFill>
+                  <a:srgbClr val="24292F"/>
+                </a:solidFill>
+                <a:latin typeface="-apple-system"/>
+              </a:rPr>
+              <a:t>什么是</a:t>
+            </a:r>
+            <a:r>
+              <a:rPr lang="en-US" altLang="zh-CN" sz="3000" dirty="0">
+                <a:solidFill>
+                  <a:srgbClr val="24292F"/>
+                </a:solidFill>
+                <a:latin typeface="-apple-system"/>
+              </a:rPr>
+              <a:t>Binlog</a:t>
+            </a:r>
+          </a:p>
+          <a:p>
+            <a:pPr marL="0" indent="0">
+              <a:lnSpc>
+                <a:spcPts val="2900"/>
+              </a:lnSpc>
+              <a:buNone/>
+            </a:pPr>
             <a:r>
               <a:rPr lang="en-US" altLang="zh-CN" sz="2000" dirty="0">
                 <a:latin typeface="宋体" panose="02010600030101010101" pitchFamily="2" charset="-122"/>
                 <a:ea typeface="宋体" panose="02010600030101010101" pitchFamily="2" charset="-122"/>
               </a:rPr>
-              <a:t>Canal</a:t>
-            </a:r>
-            <a:r>
-              <a:rPr lang="zh-CN" altLang="en-US" sz="2000" dirty="0">
-                <a:latin typeface="宋体" panose="02010600030101010101" pitchFamily="2" charset="-122"/>
-                <a:ea typeface="宋体" panose="02010600030101010101" pitchFamily="2" charset="-122"/>
-              </a:rPr>
-              <a:t>原理</a:t>
+              <a:t>	</a:t>
+            </a:r>
+            <a:r>
+              <a:rPr lang="en-US" altLang="zh-CN" dirty="0">
+                <a:solidFill>
+                  <a:srgbClr val="24292F"/>
+                </a:solidFill>
+                <a:latin typeface="-apple-system"/>
+              </a:rPr>
+              <a:t>MySQL</a:t>
+            </a:r>
+            <a:r>
+              <a:rPr lang="zh-CN" altLang="en-US" dirty="0">
+                <a:solidFill>
+                  <a:srgbClr val="24292F"/>
+                </a:solidFill>
+                <a:latin typeface="-apple-system"/>
+              </a:rPr>
+              <a:t>的二进制日志可以说 </a:t>
+            </a:r>
+            <a:r>
+              <a:rPr lang="en-US" altLang="zh-CN" dirty="0">
+                <a:solidFill>
+                  <a:srgbClr val="24292F"/>
+                </a:solidFill>
+                <a:latin typeface="-apple-system"/>
+              </a:rPr>
+              <a:t>MySQL </a:t>
+            </a:r>
+            <a:r>
+              <a:rPr lang="zh-CN" altLang="en-US" dirty="0">
+                <a:solidFill>
+                  <a:srgbClr val="24292F"/>
+                </a:solidFill>
+                <a:latin typeface="-apple-system"/>
+              </a:rPr>
+              <a:t>最重要的日志了，它记录了所有的 </a:t>
+            </a:r>
+            <a:r>
+              <a:rPr lang="en-US" altLang="zh-CN" dirty="0">
+                <a:solidFill>
+                  <a:srgbClr val="24292F"/>
+                </a:solidFill>
+                <a:latin typeface="-apple-system"/>
+              </a:rPr>
+              <a:t>DDL </a:t>
+            </a:r>
+            <a:r>
+              <a:rPr lang="zh-CN" altLang="en-US" dirty="0">
+                <a:solidFill>
+                  <a:srgbClr val="24292F"/>
+                </a:solidFill>
+                <a:latin typeface="-apple-system"/>
+              </a:rPr>
+              <a:t>和 </a:t>
+            </a:r>
+            <a:r>
+              <a:rPr lang="en-US" altLang="zh-CN" dirty="0">
+                <a:solidFill>
+                  <a:srgbClr val="24292F"/>
+                </a:solidFill>
+                <a:latin typeface="-apple-system"/>
+              </a:rPr>
+              <a:t>DML(</a:t>
+            </a:r>
+            <a:r>
+              <a:rPr lang="zh-CN" altLang="en-US" dirty="0">
+                <a:solidFill>
+                  <a:srgbClr val="24292F"/>
+                </a:solidFill>
+                <a:latin typeface="-apple-system"/>
+              </a:rPr>
+              <a:t>除 了数据查询语句</a:t>
+            </a:r>
+            <a:r>
+              <a:rPr lang="en-US" altLang="zh-CN" dirty="0">
+                <a:solidFill>
+                  <a:srgbClr val="24292F"/>
+                </a:solidFill>
+                <a:latin typeface="-apple-system"/>
+              </a:rPr>
+              <a:t>)</a:t>
+            </a:r>
+            <a:r>
+              <a:rPr lang="zh-CN" altLang="en-US" dirty="0">
+                <a:solidFill>
+                  <a:srgbClr val="24292F"/>
+                </a:solidFill>
+                <a:latin typeface="-apple-system"/>
+              </a:rPr>
+              <a:t>语句，以事件形式记录，还包含语句所执行的消耗的时间，</a:t>
+            </a:r>
+            <a:r>
+              <a:rPr lang="en-US" altLang="zh-CN" dirty="0">
+                <a:solidFill>
+                  <a:srgbClr val="24292F"/>
+                </a:solidFill>
+                <a:latin typeface="-apple-system"/>
+              </a:rPr>
+              <a:t>MySQL </a:t>
+            </a:r>
+            <a:r>
+              <a:rPr lang="zh-CN" altLang="en-US" dirty="0">
+                <a:solidFill>
+                  <a:srgbClr val="24292F"/>
+                </a:solidFill>
+                <a:latin typeface="-apple-system"/>
+              </a:rPr>
+              <a:t>的二进 制日志是事务安全型的。 一般来说开启二进制日志大概会有 </a:t>
+            </a:r>
+            <a:r>
+              <a:rPr lang="en-US" altLang="zh-CN" dirty="0">
+                <a:solidFill>
+                  <a:srgbClr val="24292F"/>
+                </a:solidFill>
+                <a:latin typeface="-apple-system"/>
+              </a:rPr>
+              <a:t>1%</a:t>
+            </a:r>
+            <a:r>
+              <a:rPr lang="zh-CN" altLang="en-US" dirty="0">
+                <a:solidFill>
+                  <a:srgbClr val="24292F"/>
+                </a:solidFill>
+                <a:latin typeface="-apple-system"/>
+              </a:rPr>
+              <a:t>的性能损耗。二进制有两个最重要的使用场景</a:t>
+            </a:r>
+            <a:r>
+              <a:rPr lang="en-US" altLang="zh-CN" dirty="0">
+                <a:solidFill>
+                  <a:srgbClr val="24292F"/>
+                </a:solidFill>
+                <a:latin typeface="-apple-system"/>
+              </a:rPr>
+              <a:t>: </a:t>
+            </a:r>
+            <a:r>
+              <a:rPr lang="zh-CN" altLang="en-US" dirty="0">
+                <a:solidFill>
+                  <a:srgbClr val="24292F"/>
+                </a:solidFill>
+                <a:latin typeface="-apple-system"/>
+              </a:rPr>
+              <a:t>其一：</a:t>
+            </a:r>
+            <a:r>
+              <a:rPr lang="en-US" altLang="zh-CN" dirty="0">
+                <a:solidFill>
+                  <a:srgbClr val="24292F"/>
+                </a:solidFill>
+                <a:latin typeface="-apple-system"/>
+              </a:rPr>
+              <a:t>MySQL Replication </a:t>
+            </a:r>
+            <a:r>
+              <a:rPr lang="zh-CN" altLang="en-US" dirty="0">
+                <a:solidFill>
+                  <a:srgbClr val="24292F"/>
+                </a:solidFill>
+                <a:latin typeface="-apple-system"/>
+              </a:rPr>
+              <a:t>在 </a:t>
+            </a:r>
+            <a:r>
+              <a:rPr lang="en-US" altLang="zh-CN" dirty="0">
+                <a:solidFill>
+                  <a:srgbClr val="24292F"/>
+                </a:solidFill>
+                <a:latin typeface="-apple-system"/>
+              </a:rPr>
+              <a:t>Master </a:t>
+            </a:r>
+            <a:r>
+              <a:rPr lang="zh-CN" altLang="en-US" dirty="0">
+                <a:solidFill>
+                  <a:srgbClr val="24292F"/>
+                </a:solidFill>
+                <a:latin typeface="-apple-system"/>
+              </a:rPr>
+              <a:t>端开启 </a:t>
+            </a:r>
+            <a:r>
+              <a:rPr lang="en-US" altLang="zh-CN" dirty="0">
+                <a:solidFill>
+                  <a:srgbClr val="24292F"/>
+                </a:solidFill>
+                <a:latin typeface="-apple-system"/>
+              </a:rPr>
+              <a:t>binlog</a:t>
+            </a:r>
+            <a:r>
+              <a:rPr lang="zh-CN" altLang="en-US" dirty="0">
+                <a:solidFill>
+                  <a:srgbClr val="24292F"/>
+                </a:solidFill>
+                <a:latin typeface="-apple-system"/>
+              </a:rPr>
+              <a:t>，</a:t>
+            </a:r>
+            <a:r>
+              <a:rPr lang="en-US" altLang="zh-CN" dirty="0">
+                <a:solidFill>
+                  <a:srgbClr val="24292F"/>
+                </a:solidFill>
+                <a:latin typeface="-apple-system"/>
+              </a:rPr>
+              <a:t>Master </a:t>
+            </a:r>
+            <a:r>
+              <a:rPr lang="zh-CN" altLang="en-US" dirty="0">
+                <a:solidFill>
+                  <a:srgbClr val="24292F"/>
+                </a:solidFill>
+                <a:latin typeface="-apple-system"/>
+              </a:rPr>
+              <a:t>把它的二进制日志传递给 </a:t>
+            </a:r>
+            <a:r>
+              <a:rPr lang="en-US" altLang="zh-CN" dirty="0">
+                <a:solidFill>
+                  <a:srgbClr val="24292F"/>
+                </a:solidFill>
+                <a:latin typeface="-apple-system"/>
+              </a:rPr>
+              <a:t>Slaves </a:t>
+            </a:r>
+            <a:r>
+              <a:rPr lang="zh-CN" altLang="en-US" dirty="0">
+                <a:solidFill>
+                  <a:srgbClr val="24292F"/>
+                </a:solidFill>
+                <a:latin typeface="-apple-system"/>
+              </a:rPr>
+              <a:t>来达到 </a:t>
+            </a:r>
+            <a:r>
+              <a:rPr lang="en-US" altLang="zh-CN" dirty="0">
+                <a:solidFill>
+                  <a:srgbClr val="24292F"/>
+                </a:solidFill>
+                <a:latin typeface="-apple-system"/>
+              </a:rPr>
+              <a:t>Master-Slave </a:t>
+            </a:r>
+            <a:r>
+              <a:rPr lang="zh-CN" altLang="en-US" dirty="0">
+                <a:solidFill>
+                  <a:srgbClr val="24292F"/>
+                </a:solidFill>
+                <a:latin typeface="-apple-system"/>
+              </a:rPr>
+              <a:t>数据一致的目的。 其二：自然就是数据恢复了，通过使用 </a:t>
+            </a:r>
+            <a:r>
+              <a:rPr lang="en-US" altLang="zh-CN" dirty="0">
+                <a:solidFill>
+                  <a:srgbClr val="24292F"/>
+                </a:solidFill>
+                <a:latin typeface="-apple-system"/>
+              </a:rPr>
+              <a:t>MySQL binlog </a:t>
+            </a:r>
+            <a:r>
+              <a:rPr lang="zh-CN" altLang="en-US" dirty="0">
+                <a:solidFill>
+                  <a:srgbClr val="24292F"/>
+                </a:solidFill>
+                <a:latin typeface="-apple-system"/>
+              </a:rPr>
+              <a:t>工具来使恢复数据。 二进制日志包括两类文件：二进制日志索引文件（文件名后缀为</a:t>
+            </a:r>
+            <a:r>
+              <a:rPr lang="en-US" altLang="zh-CN" dirty="0">
+                <a:solidFill>
+                  <a:srgbClr val="24292F"/>
+                </a:solidFill>
+                <a:latin typeface="-apple-system"/>
+              </a:rPr>
+              <a:t>.index</a:t>
+            </a:r>
+            <a:r>
+              <a:rPr lang="zh-CN" altLang="en-US" dirty="0">
+                <a:solidFill>
+                  <a:srgbClr val="24292F"/>
+                </a:solidFill>
+                <a:latin typeface="-apple-system"/>
+              </a:rPr>
+              <a:t>）用于记录所有 的二进制文件，二进制日志文件（文件名后缀为</a:t>
+            </a:r>
+            <a:r>
+              <a:rPr lang="en-US" altLang="zh-CN" dirty="0">
+                <a:solidFill>
+                  <a:srgbClr val="24292F"/>
+                </a:solidFill>
+                <a:latin typeface="-apple-system"/>
+              </a:rPr>
+              <a:t>.00000*</a:t>
+            </a:r>
+            <a:r>
+              <a:rPr lang="zh-CN" altLang="en-US" dirty="0">
+                <a:solidFill>
+                  <a:srgbClr val="24292F"/>
+                </a:solidFill>
+                <a:latin typeface="-apple-system"/>
+              </a:rPr>
+              <a:t>）记录数据库所有的 </a:t>
+            </a:r>
+            <a:r>
+              <a:rPr lang="en-US" altLang="zh-CN" dirty="0">
+                <a:solidFill>
+                  <a:srgbClr val="24292F"/>
+                </a:solidFill>
+                <a:latin typeface="-apple-system"/>
+              </a:rPr>
+              <a:t>DDL </a:t>
+            </a:r>
+            <a:r>
+              <a:rPr lang="zh-CN" altLang="en-US" dirty="0">
+                <a:solidFill>
+                  <a:srgbClr val="24292F"/>
+                </a:solidFill>
+                <a:latin typeface="-apple-system"/>
+              </a:rPr>
+              <a:t>和 </a:t>
+            </a:r>
+            <a:r>
+              <a:rPr lang="en-US" altLang="zh-CN" dirty="0">
+                <a:solidFill>
+                  <a:srgbClr val="24292F"/>
+                </a:solidFill>
+                <a:latin typeface="-apple-system"/>
+              </a:rPr>
+              <a:t>DML(</a:t>
+            </a:r>
+            <a:r>
+              <a:rPr lang="zh-CN" altLang="en-US" dirty="0">
+                <a:solidFill>
+                  <a:srgbClr val="24292F"/>
+                </a:solidFill>
+                <a:latin typeface="-apple-system"/>
+              </a:rPr>
+              <a:t>除 了数据查询语句</a:t>
+            </a:r>
+            <a:r>
+              <a:rPr lang="en-US" altLang="zh-CN" dirty="0">
+                <a:solidFill>
+                  <a:srgbClr val="24292F"/>
+                </a:solidFill>
+                <a:latin typeface="-apple-system"/>
+              </a:rPr>
+              <a:t>)</a:t>
+            </a:r>
+            <a:r>
+              <a:rPr lang="zh-CN" altLang="en-US" dirty="0">
+                <a:solidFill>
+                  <a:srgbClr val="24292F"/>
+                </a:solidFill>
+                <a:latin typeface="-apple-system"/>
+              </a:rPr>
+              <a:t>语句事件。</a:t>
             </a:r>
           </a:p>
         </p:txBody>
       </p:sp>
-      <p:pic>
-        <p:nvPicPr>
-          <p:cNvPr id="4" name="内容占位符 4">
-            <a:extLst>
-              <a:ext uri="{FF2B5EF4-FFF2-40B4-BE49-F238E27FC236}">
-                <a16:creationId xmlns:a16="http://schemas.microsoft.com/office/drawing/2014/main" id="{CB1FBCCF-4ED4-7B75-E7CE-2257E5A19818}"/>
-              </a:ext>
-            </a:extLst>
-          </p:cNvPr>
-          <p:cNvPicPr>
-            <a:picLocks noGrp="1" noChangeAspect="1"/>
-          </p:cNvPicPr>
-          <p:nvPr>
-            <p:ph idx="1"/>
-          </p:nvPr>
-        </p:nvPicPr>
-        <p:blipFill>
-          <a:blip r:embed="rId2"/>
-          <a:stretch>
-            <a:fillRect/>
-          </a:stretch>
-        </p:blipFill>
-        <p:spPr>
-          <a:xfrm>
-            <a:off x="2510286" y="2353675"/>
-            <a:ext cx="7171428" cy="3295238"/>
-          </a:xfrm>
-        </p:spPr>
-      </p:pic>
     </p:spTree>
     <p:extLst>
       <p:ext uri="{BB962C8B-B14F-4D97-AF65-F5344CB8AC3E}">
-        <p14:creationId xmlns:p14="http://schemas.microsoft.com/office/powerpoint/2010/main" val="1154755194"/>
+        <p14:creationId xmlns:p14="http://schemas.microsoft.com/office/powerpoint/2010/main" val="3870421827"/>
       </p:ext>
     </p:extLst>
   </p:cSld>
@@ -5289,7 +5512,7 @@
           <p:cNvPr id="3" name="内容占位符 2">
             <a:extLst>
               <a:ext uri="{FF2B5EF4-FFF2-40B4-BE49-F238E27FC236}">
-                <a16:creationId xmlns:a16="http://schemas.microsoft.com/office/drawing/2014/main" id="{D0F2E9BF-B707-BE68-CC50-E4F387FDE007}"/>
+                <a16:creationId xmlns:a16="http://schemas.microsoft.com/office/drawing/2014/main" id="{09D92CA9-C6F2-CBFF-59F9-10A61C86E548}"/>
               </a:ext>
             </a:extLst>
           </p:cNvPr>
@@ -5302,164 +5525,37 @@
         </p:nvSpPr>
         <p:spPr>
           <a:xfrm>
-            <a:off x="838200" y="347133"/>
-            <a:ext cx="10515600" cy="5829830"/>
+            <a:off x="838200" y="331694"/>
+            <a:ext cx="10515600" cy="5845269"/>
           </a:xfrm>
         </p:spPr>
         <p:txBody>
           <a:bodyPr>
-            <a:normAutofit/>
+            <a:normAutofit lnSpcReduction="10000"/>
           </a:bodyPr>
           <a:lstStyle/>
           <a:p>
-            <a:pPr marL="0" indent="0">
-              <a:buNone/>
-            </a:pPr>
             <a:r>
               <a:rPr lang="zh-CN" altLang="en-US" sz="2000" dirty="0">
                 <a:latin typeface="宋体" panose="02010600030101010101" pitchFamily="2" charset="-122"/>
                 <a:ea typeface="宋体" panose="02010600030101010101" pitchFamily="2" charset="-122"/>
               </a:rPr>
-              <a:t>上图就很形象的描述了 </a:t>
+              <a:t>二、</a:t>
             </a:r>
             <a:r>
               <a:rPr lang="en-US" altLang="zh-CN" sz="2000" dirty="0">
-                <a:latin typeface="宋体" panose="02010600030101010101" pitchFamily="2" charset="-122"/>
-                <a:ea typeface="宋体" panose="02010600030101010101" pitchFamily="2" charset="-122"/>
-              </a:rPr>
-              <a:t>canal </a:t>
+                <a:latin typeface="Myanmar Text" panose="020B0502040204020203" pitchFamily="34" charset="0"/>
+                <a:ea typeface="宋体" panose="02010600030101010101" pitchFamily="2" charset="-122"/>
+                <a:cs typeface="Myanmar Text" panose="020B0502040204020203" pitchFamily="34" charset="0"/>
+              </a:rPr>
+              <a:t>Binlog</a:t>
             </a:r>
             <a:r>
               <a:rPr lang="zh-CN" altLang="en-US" sz="2000" dirty="0">
                 <a:latin typeface="宋体" panose="02010600030101010101" pitchFamily="2" charset="-122"/>
                 <a:ea typeface="宋体" panose="02010600030101010101" pitchFamily="2" charset="-122"/>
               </a:rPr>
-              <a:t>的角色。它的原理也很简单，就是把自己伪装成 </a:t>
-            </a:r>
-            <a:r>
-              <a:rPr lang="en-US" altLang="zh-CN" sz="2000" dirty="0">
-                <a:latin typeface="宋体" panose="02010600030101010101" pitchFamily="2" charset="-122"/>
-                <a:ea typeface="宋体" panose="02010600030101010101" pitchFamily="2" charset="-122"/>
-              </a:rPr>
-              <a:t>Slave</a:t>
-            </a:r>
-            <a:r>
-              <a:rPr lang="zh-CN" altLang="en-US" sz="2000" dirty="0">
-                <a:latin typeface="宋体" panose="02010600030101010101" pitchFamily="2" charset="-122"/>
-                <a:ea typeface="宋体" panose="02010600030101010101" pitchFamily="2" charset="-122"/>
-              </a:rPr>
-              <a:t>，假装从 </a:t>
-            </a:r>
-            <a:r>
-              <a:rPr lang="en-US" altLang="zh-CN" sz="2000" dirty="0">
-                <a:latin typeface="宋体" panose="02010600030101010101" pitchFamily="2" charset="-122"/>
-                <a:ea typeface="宋体" panose="02010600030101010101" pitchFamily="2" charset="-122"/>
-              </a:rPr>
-              <a:t>Master </a:t>
-            </a:r>
-            <a:r>
-              <a:rPr lang="zh-CN" altLang="en-US" sz="2000" dirty="0">
-                <a:latin typeface="宋体" panose="02010600030101010101" pitchFamily="2" charset="-122"/>
-                <a:ea typeface="宋体" panose="02010600030101010101" pitchFamily="2" charset="-122"/>
-              </a:rPr>
-              <a:t>复制数据：</a:t>
-            </a:r>
-          </a:p>
-          <a:p>
-            <a:pPr>
-              <a:buFont typeface="Arial" panose="020B0604020202020204" pitchFamily="34" charset="0"/>
-              <a:buChar char="•"/>
-            </a:pPr>
-            <a:r>
-              <a:rPr lang="en-US" altLang="zh-CN" sz="2000" dirty="0">
-                <a:latin typeface="宋体" panose="02010600030101010101" pitchFamily="2" charset="-122"/>
-                <a:ea typeface="宋体" panose="02010600030101010101" pitchFamily="2" charset="-122"/>
-              </a:rPr>
-              <a:t>canal</a:t>
-            </a:r>
-            <a:r>
-              <a:rPr lang="zh-CN" altLang="en-US" sz="2000" dirty="0">
-                <a:latin typeface="宋体" panose="02010600030101010101" pitchFamily="2" charset="-122"/>
-                <a:ea typeface="宋体" panose="02010600030101010101" pitchFamily="2" charset="-122"/>
-              </a:rPr>
-              <a:t>模拟</a:t>
-            </a:r>
-            <a:r>
-              <a:rPr lang="en-US" altLang="zh-CN" sz="2000" dirty="0" err="1">
-                <a:latin typeface="宋体" panose="02010600030101010101" pitchFamily="2" charset="-122"/>
-                <a:ea typeface="宋体" panose="02010600030101010101" pitchFamily="2" charset="-122"/>
-              </a:rPr>
-              <a:t>mysql</a:t>
-            </a:r>
-            <a:r>
-              <a:rPr lang="en-US" altLang="zh-CN" sz="2000" dirty="0">
-                <a:latin typeface="宋体" panose="02010600030101010101" pitchFamily="2" charset="-122"/>
-                <a:ea typeface="宋体" panose="02010600030101010101" pitchFamily="2" charset="-122"/>
-              </a:rPr>
-              <a:t> slave</a:t>
-            </a:r>
-            <a:r>
-              <a:rPr lang="zh-CN" altLang="en-US" sz="2000" dirty="0">
-                <a:latin typeface="宋体" panose="02010600030101010101" pitchFamily="2" charset="-122"/>
-                <a:ea typeface="宋体" panose="02010600030101010101" pitchFamily="2" charset="-122"/>
-              </a:rPr>
-              <a:t>的交互协议，伪装自己为</a:t>
-            </a:r>
-            <a:r>
-              <a:rPr lang="en-US" altLang="zh-CN" sz="2000" dirty="0" err="1">
-                <a:latin typeface="宋体" panose="02010600030101010101" pitchFamily="2" charset="-122"/>
-                <a:ea typeface="宋体" panose="02010600030101010101" pitchFamily="2" charset="-122"/>
-              </a:rPr>
-              <a:t>mysql</a:t>
-            </a:r>
-            <a:r>
-              <a:rPr lang="en-US" altLang="zh-CN" sz="2000" dirty="0">
-                <a:latin typeface="宋体" panose="02010600030101010101" pitchFamily="2" charset="-122"/>
-                <a:ea typeface="宋体" panose="02010600030101010101" pitchFamily="2" charset="-122"/>
-              </a:rPr>
-              <a:t> slave</a:t>
-            </a:r>
-            <a:r>
-              <a:rPr lang="zh-CN" altLang="en-US" sz="2000" dirty="0">
-                <a:latin typeface="宋体" panose="02010600030101010101" pitchFamily="2" charset="-122"/>
-                <a:ea typeface="宋体" panose="02010600030101010101" pitchFamily="2" charset="-122"/>
-              </a:rPr>
-              <a:t>，向</a:t>
-            </a:r>
-            <a:r>
-              <a:rPr lang="en-US" altLang="zh-CN" sz="2000" dirty="0" err="1">
-                <a:latin typeface="宋体" panose="02010600030101010101" pitchFamily="2" charset="-122"/>
-                <a:ea typeface="宋体" panose="02010600030101010101" pitchFamily="2" charset="-122"/>
-              </a:rPr>
-              <a:t>mysql</a:t>
-            </a:r>
-            <a:r>
-              <a:rPr lang="en-US" altLang="zh-CN" sz="2000" dirty="0">
-                <a:latin typeface="宋体" panose="02010600030101010101" pitchFamily="2" charset="-122"/>
-                <a:ea typeface="宋体" panose="02010600030101010101" pitchFamily="2" charset="-122"/>
-              </a:rPr>
-              <a:t> master</a:t>
-            </a:r>
-            <a:r>
-              <a:rPr lang="zh-CN" altLang="en-US" sz="2000" dirty="0">
-                <a:latin typeface="宋体" panose="02010600030101010101" pitchFamily="2" charset="-122"/>
-                <a:ea typeface="宋体" panose="02010600030101010101" pitchFamily="2" charset="-122"/>
-              </a:rPr>
-              <a:t>发送</a:t>
-            </a:r>
-            <a:r>
-              <a:rPr lang="en-US" altLang="zh-CN" sz="2000" dirty="0">
-                <a:latin typeface="宋体" panose="02010600030101010101" pitchFamily="2" charset="-122"/>
-                <a:ea typeface="宋体" panose="02010600030101010101" pitchFamily="2" charset="-122"/>
-              </a:rPr>
-              <a:t>dump</a:t>
-            </a:r>
-            <a:r>
-              <a:rPr lang="zh-CN" altLang="en-US" sz="2000" dirty="0">
-                <a:latin typeface="宋体" panose="02010600030101010101" pitchFamily="2" charset="-122"/>
-                <a:ea typeface="宋体" panose="02010600030101010101" pitchFamily="2" charset="-122"/>
-              </a:rPr>
-              <a:t>协议；</a:t>
+              <a:t>的分类</a:t>
             </a:r>
             <a:endParaRPr lang="en-US" altLang="zh-CN" sz="2000" dirty="0">
               <a:latin typeface="宋体" panose="02010600030101010101" pitchFamily="2" charset="-122"/>
@@ -5467,96 +5563,50 @@
             </a:endParaRPr>
           </a:p>
           <a:p>
-            <a:pPr>
-              <a:buFont typeface="Arial" panose="020B0604020202020204" pitchFamily="34" charset="0"/>
-              <a:buChar char="•"/>
+            <a:pPr marL="457200" lvl="1" indent="0">
+              <a:buNone/>
             </a:pPr>
-            <a:endParaRPr lang="zh-CN" altLang="en-US" sz="2000" dirty="0">
-              <a:latin typeface="宋体" panose="02010600030101010101" pitchFamily="2" charset="-122"/>
-              <a:ea typeface="宋体" panose="02010600030101010101" pitchFamily="2" charset="-122"/>
-            </a:endParaRPr>
-          </a:p>
-          <a:p>
-            <a:pPr>
-              <a:buFont typeface="Arial" panose="020B0604020202020204" pitchFamily="34" charset="0"/>
-              <a:buChar char="•"/>
-            </a:pPr>
-            <a:r>
-              <a:rPr lang="en-US" altLang="zh-CN" sz="2000" dirty="0" err="1">
-                <a:latin typeface="宋体" panose="02010600030101010101" pitchFamily="2" charset="-122"/>
-                <a:ea typeface="宋体" panose="02010600030101010101" pitchFamily="2" charset="-122"/>
-              </a:rPr>
-              <a:t>mysql</a:t>
-            </a:r>
             <a:r>
               <a:rPr lang="en-US" altLang="zh-CN" sz="2000" dirty="0">
                 <a:latin typeface="宋体" panose="02010600030101010101" pitchFamily="2" charset="-122"/>
                 <a:ea typeface="宋体" panose="02010600030101010101" pitchFamily="2" charset="-122"/>
               </a:rPr>
-              <a:t> master</a:t>
+              <a:t>MySQL Binlog </a:t>
             </a:r>
             <a:r>
               <a:rPr lang="zh-CN" altLang="en-US" sz="2000" dirty="0">
                 <a:latin typeface="宋体" panose="02010600030101010101" pitchFamily="2" charset="-122"/>
                 <a:ea typeface="宋体" panose="02010600030101010101" pitchFamily="2" charset="-122"/>
               </a:rPr>
-              <a:t>收到</a:t>
+              <a:t>的格式有三种，分别是 </a:t>
             </a:r>
             <a:r>
               <a:rPr lang="en-US" altLang="zh-CN" sz="2000" dirty="0">
                 <a:latin typeface="宋体" panose="02010600030101010101" pitchFamily="2" charset="-122"/>
                 <a:ea typeface="宋体" panose="02010600030101010101" pitchFamily="2" charset="-122"/>
               </a:rPr>
-              <a:t>dump</a:t>
+              <a:t>STATEMENT,MIXED,ROW</a:t>
             </a:r>
             <a:r>
               <a:rPr lang="zh-CN" altLang="en-US" sz="2000" dirty="0">
                 <a:latin typeface="宋体" panose="02010600030101010101" pitchFamily="2" charset="-122"/>
                 <a:ea typeface="宋体" panose="02010600030101010101" pitchFamily="2" charset="-122"/>
               </a:rPr>
-              <a:t>请求，开始推送</a:t>
+              <a:t>。在配置文件中可以选择配 置 </a:t>
             </a:r>
             <a:r>
               <a:rPr lang="en-US" altLang="zh-CN" sz="2000" dirty="0">
                 <a:latin typeface="宋体" panose="02010600030101010101" pitchFamily="2" charset="-122"/>
                 <a:ea typeface="宋体" panose="02010600030101010101" pitchFamily="2" charset="-122"/>
               </a:rPr>
-              <a:t>binary log</a:t>
+              <a:t>binlog_format= statement|mixed|row</a:t>
             </a:r>
             <a:r>
               <a:rPr lang="zh-CN" altLang="en-US" sz="2000" dirty="0">
                 <a:latin typeface="宋体" panose="02010600030101010101" pitchFamily="2" charset="-122"/>
                 <a:ea typeface="宋体" panose="02010600030101010101" pitchFamily="2" charset="-122"/>
               </a:rPr>
-              <a:t>给</a:t>
-            </a:r>
-            <a:r>
-              <a:rPr lang="en-US" altLang="zh-CN" sz="2000" dirty="0">
-                <a:latin typeface="宋体" panose="02010600030101010101" pitchFamily="2" charset="-122"/>
-                <a:ea typeface="宋体" panose="02010600030101010101" pitchFamily="2" charset="-122"/>
-              </a:rPr>
-              <a:t>slave(</a:t>
-            </a:r>
-            <a:r>
-              <a:rPr lang="zh-CN" altLang="en-US" sz="2000" dirty="0">
-                <a:latin typeface="宋体" panose="02010600030101010101" pitchFamily="2" charset="-122"/>
-                <a:ea typeface="宋体" panose="02010600030101010101" pitchFamily="2" charset="-122"/>
-              </a:rPr>
-              <a:t>也就是</a:t>
-            </a:r>
-            <a:r>
-              <a:rPr lang="en-US" altLang="zh-CN" sz="2000" dirty="0">
-                <a:latin typeface="宋体" panose="02010600030101010101" pitchFamily="2" charset="-122"/>
-                <a:ea typeface="宋体" panose="02010600030101010101" pitchFamily="2" charset="-122"/>
-              </a:rPr>
-              <a:t>canal)</a:t>
-            </a:r>
-            <a:r>
-              <a:rPr lang="zh-CN" altLang="en-US" sz="2000" dirty="0">
-                <a:latin typeface="宋体" panose="02010600030101010101" pitchFamily="2" charset="-122"/>
-                <a:ea typeface="宋体" panose="02010600030101010101" pitchFamily="2" charset="-122"/>
-              </a:rPr>
-              <a:t>；</a:t>
+              <a:t>。三种格式的区别： </a:t>
             </a:r>
             <a:endParaRPr lang="en-US" altLang="zh-CN" sz="2000" dirty="0">
               <a:latin typeface="宋体" panose="02010600030101010101" pitchFamily="2" charset="-122"/>
@@ -5564,180 +5614,7 @@
             </a:endParaRPr>
           </a:p>
           <a:p>
-            <a:pPr>
-              <a:buFont typeface="Arial" panose="020B0604020202020204" pitchFamily="34" charset="0"/>
-              <a:buChar char="•"/>
-            </a:pPr>
-            <a:endParaRPr lang="zh-CN" altLang="en-US" sz="2000" dirty="0">
-              <a:latin typeface="宋体" panose="02010600030101010101" pitchFamily="2" charset="-122"/>
-              <a:ea typeface="宋体" panose="02010600030101010101" pitchFamily="2" charset="-122"/>
-            </a:endParaRPr>
-          </a:p>
-          <a:p>
-            <a:pPr>
-              <a:buFont typeface="Arial" panose="020B0604020202020204" pitchFamily="34" charset="0"/>
-              <a:buChar char="•"/>
-            </a:pPr>
-            <a:r>
-              <a:rPr lang="en-US" altLang="zh-CN" sz="2000" dirty="0">
-                <a:latin typeface="宋体" panose="02010600030101010101" pitchFamily="2" charset="-122"/>
-                <a:ea typeface="宋体" panose="02010600030101010101" pitchFamily="2" charset="-122"/>
-              </a:rPr>
-              <a:t>canal</a:t>
-            </a:r>
-            <a:r>
-              <a:rPr lang="zh-CN" altLang="en-US" sz="2000" dirty="0">
-                <a:latin typeface="宋体" panose="02010600030101010101" pitchFamily="2" charset="-122"/>
-                <a:ea typeface="宋体" panose="02010600030101010101" pitchFamily="2" charset="-122"/>
-              </a:rPr>
-              <a:t>解析</a:t>
-            </a:r>
-            <a:r>
-              <a:rPr lang="en-US" altLang="zh-CN" sz="2000" dirty="0">
-                <a:latin typeface="宋体" panose="02010600030101010101" pitchFamily="2" charset="-122"/>
-                <a:ea typeface="宋体" panose="02010600030101010101" pitchFamily="2" charset="-122"/>
-              </a:rPr>
-              <a:t>binary log</a:t>
-            </a:r>
-            <a:r>
-              <a:rPr lang="zh-CN" altLang="en-US" sz="2000" dirty="0">
-                <a:latin typeface="宋体" panose="02010600030101010101" pitchFamily="2" charset="-122"/>
-                <a:ea typeface="宋体" panose="02010600030101010101" pitchFamily="2" charset="-122"/>
-              </a:rPr>
-              <a:t>对象</a:t>
-            </a:r>
-            <a:r>
-              <a:rPr lang="en-US" altLang="zh-CN" sz="2000" dirty="0">
-                <a:latin typeface="宋体" panose="02010600030101010101" pitchFamily="2" charset="-122"/>
-                <a:ea typeface="宋体" panose="02010600030101010101" pitchFamily="2" charset="-122"/>
-              </a:rPr>
-              <a:t>(</a:t>
-            </a:r>
-            <a:r>
-              <a:rPr lang="zh-CN" altLang="en-US" sz="2000" dirty="0">
-                <a:latin typeface="宋体" panose="02010600030101010101" pitchFamily="2" charset="-122"/>
-                <a:ea typeface="宋体" panose="02010600030101010101" pitchFamily="2" charset="-122"/>
-              </a:rPr>
-              <a:t>原始为</a:t>
-            </a:r>
-            <a:r>
-              <a:rPr lang="en-US" altLang="zh-CN" sz="2000" dirty="0">
-                <a:latin typeface="宋体" panose="02010600030101010101" pitchFamily="2" charset="-122"/>
-                <a:ea typeface="宋体" panose="02010600030101010101" pitchFamily="2" charset="-122"/>
-              </a:rPr>
-              <a:t>byte</a:t>
-            </a:r>
-            <a:r>
-              <a:rPr lang="zh-CN" altLang="en-US" sz="2000" dirty="0">
-                <a:latin typeface="宋体" panose="02010600030101010101" pitchFamily="2" charset="-122"/>
-                <a:ea typeface="宋体" panose="02010600030101010101" pitchFamily="2" charset="-122"/>
-              </a:rPr>
-              <a:t>流</a:t>
-            </a:r>
-            <a:r>
-              <a:rPr lang="en-US" altLang="zh-CN" sz="2000" dirty="0">
-                <a:latin typeface="宋体" panose="02010600030101010101" pitchFamily="2" charset="-122"/>
-                <a:ea typeface="宋体" panose="02010600030101010101" pitchFamily="2" charset="-122"/>
-              </a:rPr>
-              <a:t>)</a:t>
-            </a:r>
-            <a:r>
-              <a:rPr lang="zh-CN" altLang="en-US" sz="2000" dirty="0">
-                <a:latin typeface="宋体" panose="02010600030101010101" pitchFamily="2" charset="-122"/>
-                <a:ea typeface="宋体" panose="02010600030101010101" pitchFamily="2" charset="-122"/>
-              </a:rPr>
-              <a:t>；</a:t>
-            </a:r>
-            <a:endParaRPr lang="en-US" altLang="zh-CN" sz="2000" dirty="0">
-              <a:latin typeface="宋体" panose="02010600030101010101" pitchFamily="2" charset="-122"/>
-              <a:ea typeface="宋体" panose="02010600030101010101" pitchFamily="2" charset="-122"/>
-            </a:endParaRPr>
-          </a:p>
-          <a:p>
-            <a:pPr>
-              <a:buFont typeface="Arial" panose="020B0604020202020204" pitchFamily="34" charset="0"/>
-              <a:buChar char="•"/>
-            </a:pPr>
-            <a:endParaRPr lang="zh-CN" altLang="en-US" sz="2000" dirty="0">
-              <a:latin typeface="宋体" panose="02010600030101010101" pitchFamily="2" charset="-122"/>
-              <a:ea typeface="宋体" panose="02010600030101010101" pitchFamily="2" charset="-122"/>
-            </a:endParaRPr>
-          </a:p>
-          <a:p>
-            <a:pPr>
-              <a:buFont typeface="Arial" panose="020B0604020202020204" pitchFamily="34" charset="0"/>
-              <a:buChar char="•"/>
-            </a:pPr>
-            <a:r>
-              <a:rPr lang="en-US" altLang="zh-CN" sz="2000" dirty="0">
-                <a:latin typeface="宋体" panose="02010600030101010101" pitchFamily="2" charset="-122"/>
-                <a:ea typeface="宋体" panose="02010600030101010101" pitchFamily="2" charset="-122"/>
-              </a:rPr>
-              <a:t>canal</a:t>
-            </a:r>
-            <a:r>
-              <a:rPr lang="zh-CN" altLang="en-US" sz="2000" dirty="0">
-                <a:latin typeface="宋体" panose="02010600030101010101" pitchFamily="2" charset="-122"/>
-                <a:ea typeface="宋体" panose="02010600030101010101" pitchFamily="2" charset="-122"/>
-              </a:rPr>
-              <a:t>将解析后的对象，根据业务场景，分发到比如 </a:t>
-            </a:r>
-            <a:r>
-              <a:rPr lang="en-US" altLang="zh-CN" sz="2000" dirty="0">
-                <a:latin typeface="宋体" panose="02010600030101010101" pitchFamily="2" charset="-122"/>
-                <a:ea typeface="宋体" panose="02010600030101010101" pitchFamily="2" charset="-122"/>
-              </a:rPr>
-              <a:t>MySQL </a:t>
-            </a:r>
-            <a:r>
-              <a:rPr lang="zh-CN" altLang="en-US" sz="2000" dirty="0">
-                <a:latin typeface="宋体" panose="02010600030101010101" pitchFamily="2" charset="-122"/>
-                <a:ea typeface="宋体" panose="02010600030101010101" pitchFamily="2" charset="-122"/>
-              </a:rPr>
-              <a:t>、</a:t>
-            </a:r>
-            <a:r>
-              <a:rPr lang="en-US" altLang="zh-CN" sz="2000" dirty="0" err="1">
-                <a:latin typeface="宋体" panose="02010600030101010101" pitchFamily="2" charset="-122"/>
-                <a:ea typeface="宋体" panose="02010600030101010101" pitchFamily="2" charset="-122"/>
-              </a:rPr>
-              <a:t>RocketMQ</a:t>
-            </a:r>
-            <a:r>
-              <a:rPr lang="en-US" altLang="zh-CN" sz="2000" dirty="0">
-                <a:latin typeface="宋体" panose="02010600030101010101" pitchFamily="2" charset="-122"/>
-                <a:ea typeface="宋体" panose="02010600030101010101" pitchFamily="2" charset="-122"/>
-              </a:rPr>
-              <a:t> </a:t>
-            </a:r>
-            <a:r>
-              <a:rPr lang="zh-CN" altLang="en-US" sz="2000" dirty="0">
-                <a:latin typeface="宋体" panose="02010600030101010101" pitchFamily="2" charset="-122"/>
-                <a:ea typeface="宋体" panose="02010600030101010101" pitchFamily="2" charset="-122"/>
-              </a:rPr>
-              <a:t>或者 </a:t>
-            </a:r>
-            <a:r>
-              <a:rPr lang="en-US" altLang="zh-CN" sz="2000" dirty="0">
-                <a:latin typeface="宋体" panose="02010600030101010101" pitchFamily="2" charset="-122"/>
-                <a:ea typeface="宋体" panose="02010600030101010101" pitchFamily="2" charset="-122"/>
-              </a:rPr>
-              <a:t>ES </a:t>
-            </a:r>
-            <a:r>
-              <a:rPr lang="zh-CN" altLang="en-US" sz="2000" dirty="0">
-                <a:latin typeface="宋体" panose="02010600030101010101" pitchFamily="2" charset="-122"/>
-                <a:ea typeface="宋体" panose="02010600030101010101" pitchFamily="2" charset="-122"/>
-              </a:rPr>
-              <a:t>中</a:t>
-            </a:r>
-            <a:endParaRPr lang="en-US" altLang="zh-CN" sz="2000" dirty="0">
-              <a:latin typeface="宋体" panose="02010600030101010101" pitchFamily="2" charset="-122"/>
-              <a:ea typeface="宋体" panose="02010600030101010101" pitchFamily="2" charset="-122"/>
-            </a:endParaRPr>
-          </a:p>
-          <a:p>
-            <a:pPr marL="0" indent="0">
+            <a:pPr marL="457200" lvl="1" indent="0">
               <a:buNone/>
             </a:pPr>
             <a:endParaRPr lang="en-US" altLang="zh-CN" sz="2000" dirty="0">
@@ -5746,185 +5623,426 @@
             </a:endParaRPr>
           </a:p>
           <a:p>
-            <a:pPr>
-              <a:buFont typeface="Arial" panose="020B0604020202020204" pitchFamily="34" charset="0"/>
-              <a:buChar char="•"/>
+            <a:pPr marL="457200" lvl="1" indent="0">
+              <a:buNone/>
             </a:pPr>
             <a:r>
-              <a:rPr lang="en-US" altLang="zh-CN" sz="2000" dirty="0" err="1">
-                <a:latin typeface="宋体" panose="02010600030101010101" pitchFamily="2" charset="-122"/>
-                <a:ea typeface="宋体" panose="02010600030101010101" pitchFamily="2" charset="-122"/>
-              </a:rPr>
-              <a:t>mysql</a:t>
+              <a:rPr lang="en-US" altLang="zh-CN" sz="2000" dirty="0">
+                <a:latin typeface="宋体" panose="02010600030101010101" pitchFamily="2" charset="-122"/>
+                <a:ea typeface="宋体" panose="02010600030101010101" pitchFamily="2" charset="-122"/>
+              </a:rPr>
+              <a:t>1</a:t>
             </a:r>
             <a:r>
               <a:rPr lang="zh-CN" altLang="en-US" sz="2000" dirty="0">
                 <a:latin typeface="宋体" panose="02010600030101010101" pitchFamily="2" charset="-122"/>
                 <a:ea typeface="宋体" panose="02010600030101010101" pitchFamily="2" charset="-122"/>
               </a:rPr>
-              <a:t>协议和</a:t>
+              <a:t>）</a:t>
             </a:r>
             <a:r>
               <a:rPr lang="en-US" altLang="zh-CN" sz="2000" dirty="0">
                 <a:latin typeface="宋体" panose="02010600030101010101" pitchFamily="2" charset="-122"/>
                 <a:ea typeface="宋体" panose="02010600030101010101" pitchFamily="2" charset="-122"/>
               </a:rPr>
-              <a:t>canal</a:t>
+              <a:t>statement</a:t>
             </a:r>
             <a:r>
               <a:rPr lang="zh-CN" altLang="en-US" sz="2000" dirty="0">
                 <a:latin typeface="宋体" panose="02010600030101010101" pitchFamily="2" charset="-122"/>
                 <a:ea typeface="宋体" panose="02010600030101010101" pitchFamily="2" charset="-122"/>
               </a:rPr>
-              <a:t>实现：</a:t>
-            </a:r>
-            <a:r>
-              <a:rPr lang="en-US" altLang="zh-CN" sz="1400" dirty="0">
-                <a:hlinkClick r:id="rId2"/>
-              </a:rPr>
-              <a:t>MySQL</a:t>
-            </a:r>
-            <a:r>
-              <a:rPr lang="zh-CN" altLang="en-US" sz="1400" dirty="0">
-                <a:hlinkClick r:id="rId2"/>
-              </a:rPr>
-              <a:t>协议和</a:t>
-            </a:r>
-            <a:r>
-              <a:rPr lang="en-US" altLang="zh-CN" sz="1400" dirty="0">
-                <a:hlinkClick r:id="rId2"/>
-              </a:rPr>
-              <a:t>canal</a:t>
-            </a:r>
-            <a:r>
-              <a:rPr lang="zh-CN" altLang="en-US" sz="1400" dirty="0">
-                <a:hlinkClick r:id="rId2"/>
-              </a:rPr>
-              <a:t>实现 </a:t>
-            </a:r>
-            <a:r>
-              <a:rPr lang="en-US" altLang="zh-CN" sz="1400" dirty="0">
-                <a:hlinkClick r:id="rId2"/>
-              </a:rPr>
-              <a:t>- </a:t>
-            </a:r>
-            <a:r>
-              <a:rPr lang="zh-CN" altLang="en-US" sz="1400" dirty="0">
-                <a:hlinkClick r:id="rId2"/>
-              </a:rPr>
-              <a:t>掘金 </a:t>
-            </a:r>
-            <a:r>
-              <a:rPr lang="en-US" altLang="zh-CN" sz="1400" dirty="0">
-                <a:hlinkClick r:id="rId2"/>
-              </a:rPr>
-              <a:t>(juejin.cn)</a:t>
-            </a:r>
-            <a:endParaRPr lang="en-US" altLang="zh-CN" sz="1400" dirty="0"/>
-          </a:p>
-          <a:p>
-            <a:pPr marL="0" indent="0">
-              <a:buNone/>
-            </a:pPr>
-            <a:endParaRPr lang="en-US" altLang="zh-CN" sz="1400" dirty="0"/>
-          </a:p>
-          <a:p>
-            <a:pPr>
-              <a:buFont typeface="Arial" panose="020B0604020202020204" pitchFamily="34" charset="0"/>
-              <a:buChar char="•"/>
-            </a:pPr>
+              <a:t>：语句级，</a:t>
+            </a:r>
             <a:r>
               <a:rPr lang="en-US" altLang="zh-CN" sz="2000" dirty="0">
                 <a:latin typeface="宋体" panose="02010600030101010101" pitchFamily="2" charset="-122"/>
                 <a:ea typeface="宋体" panose="02010600030101010101" pitchFamily="2" charset="-122"/>
               </a:rPr>
-              <a:t>Canal</a:t>
-            </a:r>
-            <a:r>
-              <a:rPr lang="zh-CN" altLang="en-US" sz="1400" dirty="0">
-                <a:latin typeface="宋体" panose="02010600030101010101" pitchFamily="2" charset="-122"/>
-                <a:ea typeface="宋体" panose="02010600030101010101" pitchFamily="2" charset="-122"/>
-              </a:rPr>
-              <a:t>实现</a:t>
-            </a:r>
-            <a:r>
-              <a:rPr lang="en-US" altLang="zh-CN" sz="2000" dirty="0" err="1">
-                <a:latin typeface="宋体" panose="02010600030101010101" pitchFamily="2" charset="-122"/>
-                <a:ea typeface="宋体" panose="02010600030101010101" pitchFamily="2" charset="-122"/>
-              </a:rPr>
-              <a:t>mysql</a:t>
-            </a:r>
-            <a:r>
-              <a:rPr lang="zh-CN" altLang="en-US" sz="1400" dirty="0">
-                <a:latin typeface="宋体" panose="02010600030101010101" pitchFamily="2" charset="-122"/>
-                <a:ea typeface="宋体" panose="02010600030101010101" pitchFamily="2" charset="-122"/>
-              </a:rPr>
-              <a:t>协议：</a:t>
-            </a:r>
-            <a:r>
-              <a:rPr lang="en-US" altLang="zh-CN" sz="1050" dirty="0">
-                <a:hlinkClick r:id="rId3"/>
-              </a:rPr>
-              <a:t>Canal</a:t>
-            </a:r>
-            <a:r>
-              <a:rPr lang="zh-CN" altLang="en-US" sz="1050" dirty="0">
-                <a:hlinkClick r:id="rId3"/>
-              </a:rPr>
-              <a:t>实现</a:t>
-            </a:r>
-            <a:r>
-              <a:rPr lang="en-US" altLang="zh-CN" sz="1050" dirty="0">
-                <a:hlinkClick r:id="rId3"/>
-              </a:rPr>
-              <a:t>MySQL</a:t>
-            </a:r>
-            <a:r>
-              <a:rPr lang="zh-CN" altLang="en-US" sz="1050" dirty="0">
-                <a:hlinkClick r:id="rId3"/>
-              </a:rPr>
-              <a:t>协议 </a:t>
-            </a:r>
-            <a:r>
-              <a:rPr lang="en-US" altLang="zh-CN" sz="1050" dirty="0">
-                <a:hlinkClick r:id="rId3"/>
-              </a:rPr>
-              <a:t>- </a:t>
-            </a:r>
-            <a:r>
-              <a:rPr lang="zh-CN" altLang="en-US" sz="1050" dirty="0">
-                <a:hlinkClick r:id="rId3"/>
-              </a:rPr>
-              <a:t>阿弱 </a:t>
-            </a:r>
-            <a:r>
-              <a:rPr lang="en-US" altLang="zh-CN" sz="1050" dirty="0">
-                <a:hlinkClick r:id="rId3"/>
-              </a:rPr>
-              <a:t>- </a:t>
-            </a:r>
-            <a:r>
-              <a:rPr lang="zh-CN" altLang="en-US" sz="1050" dirty="0">
-                <a:hlinkClick r:id="rId3"/>
-              </a:rPr>
-              <a:t>博客园 </a:t>
-            </a:r>
-            <a:r>
-              <a:rPr lang="en-US" altLang="zh-CN" sz="1050" dirty="0">
-                <a:hlinkClick r:id="rId3"/>
-              </a:rPr>
-              <a:t>(cnblogs.com)</a:t>
-            </a:r>
-            <a:endParaRPr lang="en-US" altLang="zh-CN" sz="1400" dirty="0">
+              <a:t>binlog </a:t>
+            </a:r>
+            <a:r>
+              <a:rPr lang="zh-CN" altLang="en-US" sz="2000" dirty="0">
+                <a:latin typeface="宋体" panose="02010600030101010101" pitchFamily="2" charset="-122"/>
+                <a:ea typeface="宋体" panose="02010600030101010101" pitchFamily="2" charset="-122"/>
+              </a:rPr>
+              <a:t>会记录每次一执行写操作的语句。相对 </a:t>
+            </a:r>
+            <a:r>
+              <a:rPr lang="en-US" altLang="zh-CN" sz="2000" dirty="0">
+                <a:latin typeface="宋体" panose="02010600030101010101" pitchFamily="2" charset="-122"/>
+                <a:ea typeface="宋体" panose="02010600030101010101" pitchFamily="2" charset="-122"/>
+              </a:rPr>
+              <a:t>row </a:t>
+            </a:r>
+            <a:r>
+              <a:rPr lang="zh-CN" altLang="en-US" sz="2000" dirty="0">
+                <a:latin typeface="宋体" panose="02010600030101010101" pitchFamily="2" charset="-122"/>
+                <a:ea typeface="宋体" panose="02010600030101010101" pitchFamily="2" charset="-122"/>
+              </a:rPr>
+              <a:t>模式节省空 间，但是可能产生不一致性，比如“</a:t>
+            </a:r>
+            <a:r>
+              <a:rPr lang="en-US" altLang="zh-CN" sz="2000" dirty="0">
+                <a:latin typeface="宋体" panose="02010600030101010101" pitchFamily="2" charset="-122"/>
+                <a:ea typeface="宋体" panose="02010600030101010101" pitchFamily="2" charset="-122"/>
+              </a:rPr>
+              <a:t>update tt set create_date=now()”</a:t>
+            </a:r>
+            <a:r>
+              <a:rPr lang="zh-CN" altLang="en-US" sz="2000" dirty="0">
+                <a:latin typeface="宋体" panose="02010600030101010101" pitchFamily="2" charset="-122"/>
+                <a:ea typeface="宋体" panose="02010600030101010101" pitchFamily="2" charset="-122"/>
+              </a:rPr>
+              <a:t>，如果用 </a:t>
+            </a:r>
+            <a:r>
+              <a:rPr lang="en-US" altLang="zh-CN" sz="2000" dirty="0">
+                <a:latin typeface="宋体" panose="02010600030101010101" pitchFamily="2" charset="-122"/>
+                <a:ea typeface="宋体" panose="02010600030101010101" pitchFamily="2" charset="-122"/>
+              </a:rPr>
+              <a:t>binlog </a:t>
+            </a:r>
+            <a:r>
+              <a:rPr lang="zh-CN" altLang="en-US" sz="2000" dirty="0">
+                <a:latin typeface="宋体" panose="02010600030101010101" pitchFamily="2" charset="-122"/>
+                <a:ea typeface="宋体" panose="02010600030101010101" pitchFamily="2" charset="-122"/>
+              </a:rPr>
+              <a:t>日志 进行恢复，由于执行时间不同可能产生的数据就不同。 优点：节省空间。 缺点：有可能造成数据不一致。</a:t>
+            </a:r>
+            <a:endParaRPr lang="en-US" altLang="zh-CN" sz="2000" dirty="0">
               <a:latin typeface="宋体" panose="02010600030101010101" pitchFamily="2" charset="-122"/>
               <a:ea typeface="宋体" panose="02010600030101010101" pitchFamily="2" charset="-122"/>
             </a:endParaRPr>
           </a:p>
           <a:p>
-            <a:pPr marL="0" indent="0">
+            <a:pPr marL="457200" lvl="1" indent="0">
               <a:buNone/>
             </a:pPr>
-            <a:endParaRPr lang="zh-CN" altLang="en-US" sz="2000" dirty="0">
+            <a:r>
+              <a:rPr lang="zh-CN" altLang="en-US" sz="2000" dirty="0">
+                <a:latin typeface="宋体" panose="02010600030101010101" pitchFamily="2" charset="-122"/>
+                <a:ea typeface="宋体" panose="02010600030101010101" pitchFamily="2" charset="-122"/>
+              </a:rPr>
+              <a:t> </a:t>
+            </a:r>
+            <a:endParaRPr lang="en-US" altLang="zh-CN" sz="2000" dirty="0">
+              <a:latin typeface="宋体" panose="02010600030101010101" pitchFamily="2" charset="-122"/>
+              <a:ea typeface="宋体" panose="02010600030101010101" pitchFamily="2" charset="-122"/>
+            </a:endParaRPr>
+          </a:p>
+          <a:p>
+            <a:pPr marL="457200" lvl="1" indent="0">
+              <a:buNone/>
+            </a:pPr>
+            <a:r>
+              <a:rPr lang="en-US" altLang="zh-CN" sz="2000" dirty="0">
+                <a:latin typeface="宋体" panose="02010600030101010101" pitchFamily="2" charset="-122"/>
+                <a:ea typeface="宋体" panose="02010600030101010101" pitchFamily="2" charset="-122"/>
+              </a:rPr>
+              <a:t>2</a:t>
+            </a:r>
+            <a:r>
+              <a:rPr lang="zh-CN" altLang="en-US" sz="2000" dirty="0">
+                <a:latin typeface="宋体" panose="02010600030101010101" pitchFamily="2" charset="-122"/>
+                <a:ea typeface="宋体" panose="02010600030101010101" pitchFamily="2" charset="-122"/>
+              </a:rPr>
+              <a:t>）</a:t>
+            </a:r>
+            <a:r>
+              <a:rPr lang="en-US" altLang="zh-CN" sz="2000" dirty="0">
+                <a:latin typeface="宋体" panose="02010600030101010101" pitchFamily="2" charset="-122"/>
+                <a:ea typeface="宋体" panose="02010600030101010101" pitchFamily="2" charset="-122"/>
+              </a:rPr>
+              <a:t>row</a:t>
+            </a:r>
+            <a:r>
+              <a:rPr lang="zh-CN" altLang="en-US" sz="2000" dirty="0">
+                <a:latin typeface="宋体" panose="02010600030101010101" pitchFamily="2" charset="-122"/>
+                <a:ea typeface="宋体" panose="02010600030101010101" pitchFamily="2" charset="-122"/>
+              </a:rPr>
+              <a:t>：行级， </a:t>
+            </a:r>
+            <a:r>
+              <a:rPr lang="en-US" altLang="zh-CN" sz="2000" dirty="0">
+                <a:latin typeface="宋体" panose="02010600030101010101" pitchFamily="2" charset="-122"/>
+                <a:ea typeface="宋体" panose="02010600030101010101" pitchFamily="2" charset="-122"/>
+              </a:rPr>
+              <a:t>binlog </a:t>
+            </a:r>
+            <a:r>
+              <a:rPr lang="zh-CN" altLang="en-US" sz="2000" dirty="0">
+                <a:latin typeface="宋体" panose="02010600030101010101" pitchFamily="2" charset="-122"/>
+                <a:ea typeface="宋体" panose="02010600030101010101" pitchFamily="2" charset="-122"/>
+              </a:rPr>
+              <a:t>会记录每次操作后每行记录的变化。 优点：保持数据的绝对一致性。因为不管 </a:t>
+            </a:r>
+            <a:r>
+              <a:rPr lang="en-US" altLang="zh-CN" sz="2000" dirty="0">
+                <a:latin typeface="宋体" panose="02010600030101010101" pitchFamily="2" charset="-122"/>
+                <a:ea typeface="宋体" panose="02010600030101010101" pitchFamily="2" charset="-122"/>
+              </a:rPr>
+              <a:t>sql </a:t>
+            </a:r>
+            <a:r>
+              <a:rPr lang="zh-CN" altLang="en-US" sz="2000" dirty="0">
+                <a:latin typeface="宋体" panose="02010600030101010101" pitchFamily="2" charset="-122"/>
+                <a:ea typeface="宋体" panose="02010600030101010101" pitchFamily="2" charset="-122"/>
+              </a:rPr>
+              <a:t>是什么，引用了什么函数，他只记录 执行后的效果。 缺点：占用较大空间。</a:t>
+            </a:r>
+            <a:endParaRPr lang="en-US" altLang="zh-CN" sz="2000" dirty="0">
+              <a:latin typeface="宋体" panose="02010600030101010101" pitchFamily="2" charset="-122"/>
+              <a:ea typeface="宋体" panose="02010600030101010101" pitchFamily="2" charset="-122"/>
+            </a:endParaRPr>
+          </a:p>
+          <a:p>
+            <a:pPr marL="457200" lvl="1" indent="0">
+              <a:buNone/>
+            </a:pPr>
+            <a:r>
+              <a:rPr lang="zh-CN" altLang="en-US" sz="2000" dirty="0">
+                <a:latin typeface="宋体" panose="02010600030101010101" pitchFamily="2" charset="-122"/>
+                <a:ea typeface="宋体" panose="02010600030101010101" pitchFamily="2" charset="-122"/>
+              </a:rPr>
+              <a:t> </a:t>
+            </a:r>
+            <a:endParaRPr lang="en-US" altLang="zh-CN" sz="2000" dirty="0">
+              <a:latin typeface="宋体" panose="02010600030101010101" pitchFamily="2" charset="-122"/>
+              <a:ea typeface="宋体" panose="02010600030101010101" pitchFamily="2" charset="-122"/>
+            </a:endParaRPr>
+          </a:p>
+          <a:p>
+            <a:pPr marL="457200" lvl="1" indent="0">
+              <a:buNone/>
+            </a:pPr>
+            <a:r>
+              <a:rPr lang="en-US" altLang="zh-CN" sz="2000" dirty="0">
+                <a:latin typeface="宋体" panose="02010600030101010101" pitchFamily="2" charset="-122"/>
+                <a:ea typeface="宋体" panose="02010600030101010101" pitchFamily="2" charset="-122"/>
+              </a:rPr>
+              <a:t>3</a:t>
+            </a:r>
+            <a:r>
+              <a:rPr lang="zh-CN" altLang="en-US" sz="2000" dirty="0">
+                <a:latin typeface="宋体" panose="02010600030101010101" pitchFamily="2" charset="-122"/>
+                <a:ea typeface="宋体" panose="02010600030101010101" pitchFamily="2" charset="-122"/>
+              </a:rPr>
+              <a:t>）</a:t>
+            </a:r>
+            <a:r>
+              <a:rPr lang="en-US" altLang="zh-CN" sz="2000" dirty="0">
+                <a:latin typeface="宋体" panose="02010600030101010101" pitchFamily="2" charset="-122"/>
+                <a:ea typeface="宋体" panose="02010600030101010101" pitchFamily="2" charset="-122"/>
+              </a:rPr>
+              <a:t>mixed</a:t>
+            </a:r>
+            <a:r>
+              <a:rPr lang="zh-CN" altLang="en-US" sz="2000" dirty="0">
+                <a:latin typeface="宋体" panose="02010600030101010101" pitchFamily="2" charset="-122"/>
+                <a:ea typeface="宋体" panose="02010600030101010101" pitchFamily="2" charset="-122"/>
+              </a:rPr>
+              <a:t>：</a:t>
+            </a:r>
+            <a:r>
+              <a:rPr lang="en-US" altLang="zh-CN" sz="2000" dirty="0">
+                <a:latin typeface="宋体" panose="02010600030101010101" pitchFamily="2" charset="-122"/>
+                <a:ea typeface="宋体" panose="02010600030101010101" pitchFamily="2" charset="-122"/>
+              </a:rPr>
+              <a:t>statement </a:t>
+            </a:r>
+            <a:r>
+              <a:rPr lang="zh-CN" altLang="en-US" sz="2000" dirty="0">
+                <a:latin typeface="宋体" panose="02010600030101010101" pitchFamily="2" charset="-122"/>
+                <a:ea typeface="宋体" panose="02010600030101010101" pitchFamily="2" charset="-122"/>
+              </a:rPr>
+              <a:t>的升级版，一定程度上解决了，因为一些情况而造成的 </a:t>
+            </a:r>
+            <a:r>
+              <a:rPr lang="en-US" altLang="zh-CN" sz="2000" dirty="0">
+                <a:latin typeface="宋体" panose="02010600030101010101" pitchFamily="2" charset="-122"/>
+                <a:ea typeface="宋体" panose="02010600030101010101" pitchFamily="2" charset="-122"/>
+              </a:rPr>
+              <a:t>statement </a:t>
+            </a:r>
+            <a:r>
+              <a:rPr lang="zh-CN" altLang="en-US" sz="2000" dirty="0">
+                <a:latin typeface="宋体" panose="02010600030101010101" pitchFamily="2" charset="-122"/>
+                <a:ea typeface="宋体" panose="02010600030101010101" pitchFamily="2" charset="-122"/>
+              </a:rPr>
+              <a:t>模式不一致问题，默认还是 </a:t>
+            </a:r>
+            <a:r>
+              <a:rPr lang="en-US" altLang="zh-CN" sz="2000" dirty="0">
+                <a:latin typeface="宋体" panose="02010600030101010101" pitchFamily="2" charset="-122"/>
+                <a:ea typeface="宋体" panose="02010600030101010101" pitchFamily="2" charset="-122"/>
+              </a:rPr>
+              <a:t>statement</a:t>
+            </a:r>
+            <a:r>
+              <a:rPr lang="zh-CN" altLang="en-US" sz="2000" dirty="0">
+                <a:latin typeface="宋体" panose="02010600030101010101" pitchFamily="2" charset="-122"/>
+                <a:ea typeface="宋体" panose="02010600030101010101" pitchFamily="2" charset="-122"/>
+              </a:rPr>
+              <a:t>，在某些情况下譬如：当函数中包含 </a:t>
+            </a:r>
+            <a:r>
+              <a:rPr lang="en-US" altLang="zh-CN" sz="2000" dirty="0">
+                <a:latin typeface="宋体" panose="02010600030101010101" pitchFamily="2" charset="-122"/>
+                <a:ea typeface="宋体" panose="02010600030101010101" pitchFamily="2" charset="-122"/>
+              </a:rPr>
+              <a:t>UUID() </a:t>
+            </a:r>
+            <a:r>
+              <a:rPr lang="zh-CN" altLang="en-US" sz="2000" dirty="0">
+                <a:latin typeface="宋体" panose="02010600030101010101" pitchFamily="2" charset="-122"/>
+                <a:ea typeface="宋体" panose="02010600030101010101" pitchFamily="2" charset="-122"/>
+              </a:rPr>
+              <a:t>时；包含 </a:t>
+            </a:r>
+            <a:r>
+              <a:rPr lang="en-US" altLang="zh-CN" sz="2000" dirty="0">
+                <a:latin typeface="宋体" panose="02010600030101010101" pitchFamily="2" charset="-122"/>
+                <a:ea typeface="宋体" panose="02010600030101010101" pitchFamily="2" charset="-122"/>
+              </a:rPr>
+              <a:t>AUTO_INCREMENT </a:t>
+            </a:r>
+            <a:r>
+              <a:rPr lang="zh-CN" altLang="en-US" sz="2000" dirty="0">
+                <a:latin typeface="宋体" panose="02010600030101010101" pitchFamily="2" charset="-122"/>
+                <a:ea typeface="宋体" panose="02010600030101010101" pitchFamily="2" charset="-122"/>
+              </a:rPr>
+              <a:t>字段的表被更新时；执行 </a:t>
+            </a:r>
+            <a:r>
+              <a:rPr lang="en-US" altLang="zh-CN" sz="2000" dirty="0">
+                <a:latin typeface="宋体" panose="02010600030101010101" pitchFamily="2" charset="-122"/>
+                <a:ea typeface="宋体" panose="02010600030101010101" pitchFamily="2" charset="-122"/>
+              </a:rPr>
+              <a:t>INSERT DELAYED </a:t>
+            </a:r>
+            <a:r>
+              <a:rPr lang="zh-CN" altLang="en-US" sz="2000" dirty="0">
+                <a:latin typeface="宋体" panose="02010600030101010101" pitchFamily="2" charset="-122"/>
+                <a:ea typeface="宋体" panose="02010600030101010101" pitchFamily="2" charset="-122"/>
+              </a:rPr>
+              <a:t>语句时；用 </a:t>
+            </a:r>
+            <a:r>
+              <a:rPr lang="en-US" altLang="zh-CN" sz="2000" dirty="0">
+                <a:latin typeface="宋体" panose="02010600030101010101" pitchFamily="2" charset="-122"/>
+                <a:ea typeface="宋体" panose="02010600030101010101" pitchFamily="2" charset="-122"/>
+              </a:rPr>
+              <a:t>UDF </a:t>
+            </a:r>
+            <a:r>
+              <a:rPr lang="zh-CN" altLang="en-US" sz="2000" dirty="0">
+                <a:latin typeface="宋体" panose="02010600030101010101" pitchFamily="2" charset="-122"/>
+                <a:ea typeface="宋体" panose="02010600030101010101" pitchFamily="2" charset="-122"/>
+              </a:rPr>
+              <a:t>时；会按照 </a:t>
+            </a:r>
+            <a:r>
+              <a:rPr lang="en-US" altLang="zh-CN" sz="2000" dirty="0">
+                <a:latin typeface="宋体" panose="02010600030101010101" pitchFamily="2" charset="-122"/>
+                <a:ea typeface="宋体" panose="02010600030101010101" pitchFamily="2" charset="-122"/>
+              </a:rPr>
+              <a:t>ROW </a:t>
+            </a:r>
+            <a:r>
+              <a:rPr lang="zh-CN" altLang="en-US" sz="2000" dirty="0">
+                <a:latin typeface="宋体" panose="02010600030101010101" pitchFamily="2" charset="-122"/>
+                <a:ea typeface="宋体" panose="02010600030101010101" pitchFamily="2" charset="-122"/>
+              </a:rPr>
+              <a:t>的方式进行处理 优点：节省空间，同时兼顾了一定的一致性。 缺点：还有些极个别情况依旧会造成不一致，另外 </a:t>
+            </a:r>
+            <a:r>
+              <a:rPr lang="en-US" altLang="zh-CN" sz="2000" dirty="0">
+                <a:latin typeface="宋体" panose="02010600030101010101" pitchFamily="2" charset="-122"/>
+                <a:ea typeface="宋体" panose="02010600030101010101" pitchFamily="2" charset="-122"/>
+              </a:rPr>
+              <a:t>statement </a:t>
+            </a:r>
+            <a:r>
+              <a:rPr lang="zh-CN" altLang="en-US" sz="2000" dirty="0">
+                <a:latin typeface="宋体" panose="02010600030101010101" pitchFamily="2" charset="-122"/>
+                <a:ea typeface="宋体" panose="02010600030101010101" pitchFamily="2" charset="-122"/>
+              </a:rPr>
+              <a:t>和 </a:t>
+            </a:r>
+            <a:r>
+              <a:rPr lang="en-US" altLang="zh-CN" sz="2000" dirty="0">
+                <a:latin typeface="宋体" panose="02010600030101010101" pitchFamily="2" charset="-122"/>
+                <a:ea typeface="宋体" panose="02010600030101010101" pitchFamily="2" charset="-122"/>
+              </a:rPr>
+              <a:t>mixed </a:t>
+            </a:r>
+            <a:r>
+              <a:rPr lang="zh-CN" altLang="en-US" sz="2000" dirty="0">
+                <a:latin typeface="宋体" panose="02010600030101010101" pitchFamily="2" charset="-122"/>
+                <a:ea typeface="宋体" panose="02010600030101010101" pitchFamily="2" charset="-122"/>
+              </a:rPr>
+              <a:t>对于需要对 </a:t>
+            </a:r>
+            <a:r>
+              <a:rPr lang="en-US" altLang="zh-CN" sz="2000" dirty="0">
+                <a:latin typeface="宋体" panose="02010600030101010101" pitchFamily="2" charset="-122"/>
+                <a:ea typeface="宋体" panose="02010600030101010101" pitchFamily="2" charset="-122"/>
+              </a:rPr>
+              <a:t>binlog </a:t>
+            </a:r>
+            <a:r>
+              <a:rPr lang="zh-CN" altLang="en-US" sz="2000" dirty="0">
+                <a:latin typeface="宋体" panose="02010600030101010101" pitchFamily="2" charset="-122"/>
+                <a:ea typeface="宋体" panose="02010600030101010101" pitchFamily="2" charset="-122"/>
+              </a:rPr>
+              <a:t>的监控的情况都不方便。 </a:t>
+            </a:r>
+            <a:endParaRPr lang="en-US" altLang="zh-CN" sz="2000" dirty="0">
+              <a:latin typeface="宋体" panose="02010600030101010101" pitchFamily="2" charset="-122"/>
+              <a:ea typeface="宋体" panose="02010600030101010101" pitchFamily="2" charset="-122"/>
+            </a:endParaRPr>
+          </a:p>
+          <a:p>
+            <a:pPr marL="457200" lvl="1" indent="0">
+              <a:buNone/>
+            </a:pPr>
+            <a:r>
+              <a:rPr lang="zh-CN" altLang="en-US" sz="2000" dirty="0">
+                <a:latin typeface="宋体" panose="02010600030101010101" pitchFamily="2" charset="-122"/>
+                <a:ea typeface="宋体" panose="02010600030101010101" pitchFamily="2" charset="-122"/>
+              </a:rPr>
+              <a:t>综合上面对比，</a:t>
+            </a:r>
+            <a:r>
+              <a:rPr lang="en-US" altLang="zh-CN" sz="2000" dirty="0">
+                <a:latin typeface="宋体" panose="02010600030101010101" pitchFamily="2" charset="-122"/>
+                <a:ea typeface="宋体" panose="02010600030101010101" pitchFamily="2" charset="-122"/>
+              </a:rPr>
+              <a:t>Canal </a:t>
+            </a:r>
+            <a:r>
+              <a:rPr lang="zh-CN" altLang="en-US" sz="2000" dirty="0">
+                <a:latin typeface="宋体" panose="02010600030101010101" pitchFamily="2" charset="-122"/>
+                <a:ea typeface="宋体" panose="02010600030101010101" pitchFamily="2" charset="-122"/>
+              </a:rPr>
+              <a:t>想做监控分析，选择 </a:t>
+            </a:r>
+            <a:r>
+              <a:rPr lang="en-US" altLang="zh-CN" sz="2000" dirty="0">
+                <a:latin typeface="宋体" panose="02010600030101010101" pitchFamily="2" charset="-122"/>
+                <a:ea typeface="宋体" panose="02010600030101010101" pitchFamily="2" charset="-122"/>
+              </a:rPr>
+              <a:t>row </a:t>
+            </a:r>
+            <a:r>
+              <a:rPr lang="zh-CN" altLang="en-US" sz="2000" dirty="0">
+                <a:latin typeface="宋体" panose="02010600030101010101" pitchFamily="2" charset="-122"/>
+                <a:ea typeface="宋体" panose="02010600030101010101" pitchFamily="2" charset="-122"/>
+              </a:rPr>
+              <a:t>格式比较合适。 </a:t>
+            </a:r>
+            <a:endParaRPr lang="en-US" altLang="zh-CN" sz="2000" dirty="0">
               <a:latin typeface="宋体" panose="02010600030101010101" pitchFamily="2" charset="-122"/>
               <a:ea typeface="宋体" panose="02010600030101010101" pitchFamily="2" charset="-122"/>
             </a:endParaRPr>
@@ -5934,7 +6052,1264 @@
     </p:spTree>
     <p:extLst>
       <p:ext uri="{BB962C8B-B14F-4D97-AF65-F5344CB8AC3E}">
-        <p14:creationId xmlns:p14="http://schemas.microsoft.com/office/powerpoint/2010/main" val="2488013750"/>
+        <p14:creationId xmlns:p14="http://schemas.microsoft.com/office/powerpoint/2010/main" val="1954557648"/>
+      </p:ext>
+    </p:extLst>
+  </p:cSld>
+  <p:clrMapOvr>
+    <a:masterClrMapping/>
+  </p:clrMapOvr>
+</p:sld>
+</file>
+
+<file path=ppt/slides/slide9.xml><?xml version="1.0" encoding="utf-8"?>
+<p:sld xmlns:a="http://schemas.openxmlformats.org/drawingml/2006/main" xmlns:r="http://schemas.openxmlformats.org/officeDocument/2006/relationships" xmlns:p="http://schemas.openxmlformats.org/presentationml/2006/main">
+  <p:cSld>
+    <p:spTree>
+      <p:nvGrpSpPr>
+        <p:cNvPr id="1" name=""/>
+        <p:cNvGrpSpPr/>
+        <p:nvPr/>
+      </p:nvGrpSpPr>
+      <p:grpSpPr>
+        <a:xfrm>
+          <a:off x="0" y="0"/>
+          <a:ext cx="0" cy="0"/>
+          <a:chOff x="0" y="0"/>
+          <a:chExt cx="0" cy="0"/>
+        </a:xfrm>
+      </p:grpSpPr>
+      <p:sp>
+        <p:nvSpPr>
+          <p:cNvPr id="2" name="标题 1">
+            <a:extLst>
+              <a:ext uri="{FF2B5EF4-FFF2-40B4-BE49-F238E27FC236}">
+                <a16:creationId xmlns:a16="http://schemas.microsoft.com/office/drawing/2014/main" id="{468E8B77-147A-21C7-6F83-E47EFC54B54D}"/>
+              </a:ext>
+            </a:extLst>
+          </p:cNvPr>
+          <p:cNvSpPr>
+            <a:spLocks noGrp="1"/>
+          </p:cNvSpPr>
+          <p:nvPr>
+            <p:ph type="title"/>
+          </p:nvPr>
+        </p:nvSpPr>
+        <p:spPr>
+          <a:xfrm>
+            <a:off x="838200" y="365126"/>
+            <a:ext cx="9711267" cy="921808"/>
+          </a:xfrm>
+        </p:spPr>
+        <p:txBody>
+          <a:bodyPr/>
+          <a:lstStyle/>
+          <a:p>
+            <a:r>
+              <a:rPr lang="zh-CN" altLang="en-US" dirty="0"/>
+              <a:t>开启</a:t>
+            </a:r>
+            <a:r>
+              <a:rPr lang="en-US" altLang="zh-CN" dirty="0"/>
+              <a:t>Binlog</a:t>
+            </a:r>
+            <a:r>
+              <a:rPr lang="zh-CN" altLang="en-US" dirty="0"/>
+              <a:t>及设置格式</a:t>
+            </a:r>
+          </a:p>
+        </p:txBody>
+      </p:sp>
+      <p:sp>
+        <p:nvSpPr>
+          <p:cNvPr id="4" name="Rectangle 1">
+            <a:extLst>
+              <a:ext uri="{FF2B5EF4-FFF2-40B4-BE49-F238E27FC236}">
+                <a16:creationId xmlns:a16="http://schemas.microsoft.com/office/drawing/2014/main" id="{5C3AB385-590B-736F-94A5-EA199980C60A}"/>
+              </a:ext>
+            </a:extLst>
+          </p:cNvPr>
+          <p:cNvSpPr>
+            <a:spLocks noGrp="1" noChangeArrowheads="1"/>
+          </p:cNvSpPr>
+          <p:nvPr>
+            <p:ph idx="1"/>
+          </p:nvPr>
+        </p:nvSpPr>
+        <p:spPr bwMode="auto">
+          <a:xfrm>
+            <a:off x="948267" y="996291"/>
+            <a:ext cx="9101666" cy="5570756"/>
+          </a:xfrm>
+          <a:prstGeom prst="rect">
+            <a:avLst/>
+          </a:prstGeom>
+          <a:noFill/>
+          <a:ln>
+            <a:noFill/>
+          </a:ln>
+          <a:effectLst/>
+          <a:extLst>
+            <a:ext uri="{909E8E84-426E-40DD-AFC4-6F175D3DCCD1}">
+              <a14:hiddenFill xmlns:a14="http://schemas.microsoft.com/office/drawing/2010/main">
+                <a:solidFill>
+                  <a:schemeClr val="accent1"/>
+                </a:solidFill>
+              </a14:hiddenFill>
+            </a:ext>
+            <a:ext uri="{91240B29-F687-4F45-9708-019B960494DF}">
+              <a14:hiddenLine xmlns:a14="http://schemas.microsoft.com/office/drawing/2010/main" w="9525">
+                <a:solidFill>
+                  <a:schemeClr val="tx1"/>
+                </a:solidFill>
+                <a:miter lim="800000"/>
+                <a:headEnd/>
+                <a:tailEnd/>
+              </a14:hiddenLine>
+            </a:ext>
+            <a:ext uri="{AF507438-7753-43E0-B8FC-AC1667EBCBE1}">
+              <a14:hiddenEffects xmlns:a14="http://schemas.microsoft.com/office/drawing/2010/main">
+                <a:effectLst>
+                  <a:outerShdw dist="35921" dir="2700000" algn="ctr" rotWithShape="0">
+                    <a:schemeClr val="bg2"/>
+                  </a:outerShdw>
+                </a:effectLst>
+              </a14:hiddenEffects>
+            </a:ext>
+          </a:extLst>
+        </p:spPr>
+        <p:txBody>
+          <a:bodyPr vert="horz" wrap="square" lIns="0" tIns="0" rIns="0" bIns="0" numCol="1" anchor="ctr" anchorCtr="0" compatLnSpc="1">
+            <a:prstTxWarp prst="textNoShape">
+              <a:avLst/>
+            </a:prstTxWarp>
+            <a:spAutoFit/>
+          </a:bodyPr>
+          <a:lstStyle/>
+          <a:p>
+            <a:pPr marL="0" marR="0" lvl="0" indent="0" algn="l" defTabSz="914400" rtl="0" eaLnBrk="0" fontAlgn="base" latinLnBrk="0" hangingPunct="0">
+              <a:lnSpc>
+                <a:spcPct val="100000"/>
+              </a:lnSpc>
+              <a:spcBef>
+                <a:spcPct val="0"/>
+              </a:spcBef>
+              <a:spcAft>
+                <a:spcPct val="0"/>
+              </a:spcAft>
+              <a:buClrTx/>
+              <a:buSzTx/>
+              <a:buNone/>
+              <a:tabLst/>
+            </a:pPr>
+            <a:r>
+              <a:rPr kumimoji="0" lang="zh-CN" altLang="en-US" sz="1800" b="0" i="0" u="none" strike="noStrike" cap="none" normalizeH="0" baseline="0" dirty="0">
+                <a:ln>
+                  <a:noFill/>
+                </a:ln>
+                <a:solidFill>
+                  <a:schemeClr val="tx1"/>
+                </a:solidFill>
+                <a:effectLst/>
+                <a:latin typeface="宋体" panose="02010600030101010101" pitchFamily="2" charset="-122"/>
+                <a:ea typeface="宋体" panose="02010600030101010101" pitchFamily="2" charset="-122"/>
+              </a:rPr>
+              <a:t>修改</a:t>
+            </a:r>
+            <a:r>
+              <a:rPr kumimoji="0" lang="en-US" altLang="zh-CN" sz="1800" b="0" i="0" u="none" strike="noStrike" cap="none" normalizeH="0" baseline="0" dirty="0" err="1">
+                <a:ln>
+                  <a:noFill/>
+                </a:ln>
+                <a:solidFill>
+                  <a:schemeClr val="tx1"/>
+                </a:solidFill>
+                <a:effectLst/>
+                <a:latin typeface="宋体" panose="02010600030101010101" pitchFamily="2" charset="-122"/>
+                <a:ea typeface="宋体" panose="02010600030101010101" pitchFamily="2" charset="-122"/>
+              </a:rPr>
+              <a:t>mysql</a:t>
+            </a:r>
+            <a:r>
+              <a:rPr kumimoji="0" lang="zh-CN" altLang="en-US" sz="1800" b="0" i="0" u="none" strike="noStrike" cap="none" normalizeH="0" baseline="0" dirty="0">
+                <a:ln>
+                  <a:noFill/>
+                </a:ln>
+                <a:solidFill>
+                  <a:schemeClr val="tx1"/>
+                </a:solidFill>
+                <a:effectLst/>
+                <a:latin typeface="宋体" panose="02010600030101010101" pitchFamily="2" charset="-122"/>
+                <a:ea typeface="宋体" panose="02010600030101010101" pitchFamily="2" charset="-122"/>
+              </a:rPr>
+              <a:t>配置文件</a:t>
+            </a:r>
+            <a:r>
+              <a:rPr kumimoji="0" lang="en-US" altLang="zh-CN" sz="1800" b="0" i="0" u="none" strike="noStrike" cap="none" normalizeH="0" baseline="0" dirty="0" err="1">
+                <a:ln>
+                  <a:noFill/>
+                </a:ln>
+                <a:solidFill>
+                  <a:schemeClr val="tx1"/>
+                </a:solidFill>
+                <a:effectLst/>
+                <a:latin typeface="宋体" panose="02010600030101010101" pitchFamily="2" charset="-122"/>
+                <a:ea typeface="宋体" panose="02010600030101010101" pitchFamily="2" charset="-122"/>
+              </a:rPr>
+              <a:t>my.cnf</a:t>
+            </a:r>
+            <a:r>
+              <a:rPr kumimoji="0" lang="en-US" altLang="zh-CN" sz="1800" b="0" i="0" u="none" strike="noStrike" cap="none" normalizeH="0" baseline="0" dirty="0">
+                <a:ln>
+                  <a:noFill/>
+                </a:ln>
+                <a:solidFill>
+                  <a:schemeClr val="tx1"/>
+                </a:solidFill>
+                <a:effectLst/>
+                <a:latin typeface="宋体" panose="02010600030101010101" pitchFamily="2" charset="-122"/>
+                <a:ea typeface="宋体" panose="02010600030101010101" pitchFamily="2" charset="-122"/>
+              </a:rPr>
+              <a:t> </a:t>
+            </a:r>
+            <a:r>
+              <a:rPr kumimoji="0" lang="zh-CN" altLang="en-US" sz="1800" b="0" i="0" u="none" strike="noStrike" cap="none" normalizeH="0" baseline="0" dirty="0">
+                <a:ln>
+                  <a:noFill/>
+                </a:ln>
+                <a:solidFill>
+                  <a:schemeClr val="tx1"/>
+                </a:solidFill>
+                <a:effectLst/>
+                <a:latin typeface="宋体" panose="02010600030101010101" pitchFamily="2" charset="-122"/>
+                <a:ea typeface="宋体" panose="02010600030101010101" pitchFamily="2" charset="-122"/>
+              </a:rPr>
+              <a:t>，增加两行：</a:t>
+            </a:r>
+            <a:endParaRPr kumimoji="0" lang="en-US" altLang="zh-CN" sz="1800" b="0" i="0" u="none" strike="noStrike" cap="none" normalizeH="0" baseline="0" dirty="0">
+              <a:ln>
+                <a:noFill/>
+              </a:ln>
+              <a:solidFill>
+                <a:schemeClr val="tx1"/>
+              </a:solidFill>
+              <a:effectLst/>
+              <a:latin typeface="宋体" panose="02010600030101010101" pitchFamily="2" charset="-122"/>
+              <a:ea typeface="宋体" panose="02010600030101010101" pitchFamily="2" charset="-122"/>
+            </a:endParaRPr>
+          </a:p>
+          <a:p>
+            <a:pPr marL="457200" lvl="1" indent="0" eaLnBrk="0" fontAlgn="base" hangingPunct="0">
+              <a:lnSpc>
+                <a:spcPct val="100000"/>
+              </a:lnSpc>
+              <a:spcBef>
+                <a:spcPct val="0"/>
+              </a:spcBef>
+              <a:spcAft>
+                <a:spcPct val="0"/>
+              </a:spcAft>
+              <a:buNone/>
+            </a:pPr>
+            <a:r>
+              <a:rPr kumimoji="0" lang="en-US" altLang="zh-CN" sz="1400" b="0" i="0" u="none" strike="noStrike" cap="none" normalizeH="0" baseline="0" dirty="0">
+                <a:ln>
+                  <a:noFill/>
+                </a:ln>
+                <a:solidFill>
+                  <a:schemeClr val="tx1"/>
+                </a:solidFill>
+                <a:effectLst/>
+                <a:latin typeface="宋体" panose="02010600030101010101" pitchFamily="2" charset="-122"/>
+                <a:ea typeface="宋体" panose="02010600030101010101" pitchFamily="2" charset="-122"/>
+              </a:rPr>
+              <a:t>log-bin=</a:t>
+            </a:r>
+            <a:r>
+              <a:rPr kumimoji="0" lang="en-US" altLang="zh-CN" sz="1400" b="0" i="0" u="none" strike="noStrike" cap="none" normalizeH="0" baseline="0" dirty="0" err="1">
+                <a:ln>
+                  <a:noFill/>
+                </a:ln>
+                <a:solidFill>
+                  <a:schemeClr val="tx1"/>
+                </a:solidFill>
+                <a:effectLst/>
+                <a:latin typeface="宋体" panose="02010600030101010101" pitchFamily="2" charset="-122"/>
+                <a:ea typeface="宋体" panose="02010600030101010101" pitchFamily="2" charset="-122"/>
+              </a:rPr>
+              <a:t>mysql</a:t>
+            </a:r>
+            <a:r>
+              <a:rPr kumimoji="0" lang="en-US" altLang="zh-CN" sz="1400" b="0" i="0" u="none" strike="noStrike" cap="none" normalizeH="0" baseline="0" dirty="0">
+                <a:ln>
+                  <a:noFill/>
+                </a:ln>
+                <a:solidFill>
+                  <a:schemeClr val="tx1"/>
+                </a:solidFill>
+                <a:effectLst/>
+                <a:latin typeface="宋体" panose="02010600030101010101" pitchFamily="2" charset="-122"/>
+                <a:ea typeface="宋体" panose="02010600030101010101" pitchFamily="2" charset="-122"/>
+              </a:rPr>
+              <a:t>-bin #</a:t>
+            </a:r>
+            <a:r>
+              <a:rPr kumimoji="0" lang="zh-CN" altLang="en-US" sz="1400" b="0" i="0" u="none" strike="noStrike" cap="none" normalizeH="0" baseline="0" dirty="0">
+                <a:ln>
+                  <a:noFill/>
+                </a:ln>
+                <a:solidFill>
+                  <a:schemeClr val="tx1"/>
+                </a:solidFill>
+                <a:effectLst/>
+                <a:latin typeface="宋体" panose="02010600030101010101" pitchFamily="2" charset="-122"/>
+                <a:ea typeface="宋体" panose="02010600030101010101" pitchFamily="2" charset="-122"/>
+              </a:rPr>
+              <a:t>开启</a:t>
+            </a:r>
+            <a:r>
+              <a:rPr kumimoji="0" lang="en-US" altLang="zh-CN" sz="1400" b="0" i="0" u="none" strike="noStrike" cap="none" normalizeH="0" baseline="0" dirty="0">
+                <a:ln>
+                  <a:noFill/>
+                </a:ln>
+                <a:solidFill>
+                  <a:schemeClr val="tx1"/>
+                </a:solidFill>
+                <a:effectLst/>
+                <a:latin typeface="宋体" panose="02010600030101010101" pitchFamily="2" charset="-122"/>
+                <a:ea typeface="宋体" panose="02010600030101010101" pitchFamily="2" charset="-122"/>
+              </a:rPr>
+              <a:t>binlog</a:t>
+            </a:r>
+          </a:p>
+          <a:p>
+            <a:pPr marL="457200" lvl="1" indent="0" eaLnBrk="0" fontAlgn="base" hangingPunct="0">
+              <a:lnSpc>
+                <a:spcPct val="100000"/>
+              </a:lnSpc>
+              <a:spcBef>
+                <a:spcPct val="0"/>
+              </a:spcBef>
+              <a:spcAft>
+                <a:spcPct val="0"/>
+              </a:spcAft>
+              <a:buNone/>
+            </a:pPr>
+            <a:r>
+              <a:rPr kumimoji="0" lang="en-US" altLang="zh-CN" sz="1400" b="0" i="0" u="none" strike="noStrike" cap="none" normalizeH="0" baseline="0" dirty="0">
+                <a:ln>
+                  <a:noFill/>
+                </a:ln>
+                <a:solidFill>
+                  <a:schemeClr val="tx1"/>
+                </a:solidFill>
+                <a:effectLst/>
+                <a:latin typeface="宋体" panose="02010600030101010101" pitchFamily="2" charset="-122"/>
+                <a:ea typeface="宋体" panose="02010600030101010101" pitchFamily="2" charset="-122"/>
+              </a:rPr>
+              <a:t>binlog-format=ROW #</a:t>
+            </a:r>
+            <a:r>
+              <a:rPr kumimoji="0" lang="zh-CN" altLang="en-US" sz="1400" b="0" i="0" u="none" strike="noStrike" cap="none" normalizeH="0" baseline="0" dirty="0">
+                <a:ln>
+                  <a:noFill/>
+                </a:ln>
+                <a:solidFill>
+                  <a:schemeClr val="tx1"/>
+                </a:solidFill>
+                <a:effectLst/>
+                <a:latin typeface="宋体" panose="02010600030101010101" pitchFamily="2" charset="-122"/>
+                <a:ea typeface="宋体" panose="02010600030101010101" pitchFamily="2" charset="-122"/>
+              </a:rPr>
+              <a:t>选择</a:t>
+            </a:r>
+            <a:r>
+              <a:rPr kumimoji="0" lang="en-US" altLang="zh-CN" sz="1400" b="0" i="0" u="none" strike="noStrike" cap="none" normalizeH="0" baseline="0" dirty="0">
+                <a:ln>
+                  <a:noFill/>
+                </a:ln>
+                <a:solidFill>
+                  <a:schemeClr val="tx1"/>
+                </a:solidFill>
+                <a:effectLst/>
+                <a:latin typeface="宋体" panose="02010600030101010101" pitchFamily="2" charset="-122"/>
+                <a:ea typeface="宋体" panose="02010600030101010101" pitchFamily="2" charset="-122"/>
+              </a:rPr>
+              <a:t>row</a:t>
+            </a:r>
+            <a:r>
+              <a:rPr kumimoji="0" lang="zh-CN" altLang="en-US" sz="1400" b="0" i="0" u="none" strike="noStrike" cap="none" normalizeH="0" baseline="0" dirty="0">
+                <a:ln>
+                  <a:noFill/>
+                </a:ln>
+                <a:solidFill>
+                  <a:schemeClr val="tx1"/>
+                </a:solidFill>
+                <a:effectLst/>
+                <a:latin typeface="宋体" panose="02010600030101010101" pitchFamily="2" charset="-122"/>
+                <a:ea typeface="宋体" panose="02010600030101010101" pitchFamily="2" charset="-122"/>
+              </a:rPr>
+              <a:t>模式 </a:t>
+            </a:r>
+            <a:endParaRPr kumimoji="0" lang="en-US" altLang="zh-CN" sz="1400" b="0" i="0" u="none" strike="noStrike" cap="none" normalizeH="0" baseline="0" dirty="0">
+              <a:ln>
+                <a:noFill/>
+              </a:ln>
+              <a:solidFill>
+                <a:schemeClr val="tx1"/>
+              </a:solidFill>
+              <a:effectLst/>
+              <a:latin typeface="宋体" panose="02010600030101010101" pitchFamily="2" charset="-122"/>
+              <a:ea typeface="宋体" panose="02010600030101010101" pitchFamily="2" charset="-122"/>
+            </a:endParaRPr>
+          </a:p>
+          <a:p>
+            <a:pPr marL="457200" lvl="1" indent="0" eaLnBrk="0" fontAlgn="base" hangingPunct="0">
+              <a:lnSpc>
+                <a:spcPct val="100000"/>
+              </a:lnSpc>
+              <a:spcBef>
+                <a:spcPct val="0"/>
+              </a:spcBef>
+              <a:spcAft>
+                <a:spcPct val="0"/>
+              </a:spcAft>
+              <a:buNone/>
+            </a:pPr>
+            <a:r>
+              <a:rPr lang="en-US" altLang="zh-CN" sz="1400" dirty="0" err="1">
+                <a:latin typeface="宋体" panose="02010600030101010101" pitchFamily="2" charset="-122"/>
+                <a:ea typeface="宋体" panose="02010600030101010101" pitchFamily="2" charset="-122"/>
+              </a:rPr>
+              <a:t>server_id</a:t>
+            </a:r>
+            <a:r>
+              <a:rPr lang="en-US" altLang="zh-CN" sz="1400" dirty="0">
+                <a:latin typeface="宋体" panose="02010600030101010101" pitchFamily="2" charset="-122"/>
+                <a:ea typeface="宋体" panose="02010600030101010101" pitchFamily="2" charset="-122"/>
+              </a:rPr>
+              <a:t>=1 # </a:t>
+            </a:r>
+            <a:r>
+              <a:rPr lang="zh-CN" altLang="en-US" sz="1400" dirty="0">
+                <a:latin typeface="宋体" panose="02010600030101010101" pitchFamily="2" charset="-122"/>
+                <a:ea typeface="宋体" panose="02010600030101010101" pitchFamily="2" charset="-122"/>
+              </a:rPr>
+              <a:t>配置 </a:t>
+            </a:r>
+            <a:r>
+              <a:rPr lang="en-US" altLang="zh-CN" sz="1400" dirty="0">
+                <a:latin typeface="宋体" panose="02010600030101010101" pitchFamily="2" charset="-122"/>
+                <a:ea typeface="宋体" panose="02010600030101010101" pitchFamily="2" charset="-122"/>
+              </a:rPr>
+              <a:t>MySQL </a:t>
+            </a:r>
+            <a:r>
+              <a:rPr lang="en-US" altLang="zh-CN" sz="1400" dirty="0" err="1">
+                <a:latin typeface="宋体" panose="02010600030101010101" pitchFamily="2" charset="-122"/>
+                <a:ea typeface="宋体" panose="02010600030101010101" pitchFamily="2" charset="-122"/>
+              </a:rPr>
+              <a:t>replaction</a:t>
+            </a:r>
+            <a:r>
+              <a:rPr lang="en-US" altLang="zh-CN" sz="1400" dirty="0">
+                <a:latin typeface="宋体" panose="02010600030101010101" pitchFamily="2" charset="-122"/>
+                <a:ea typeface="宋体" panose="02010600030101010101" pitchFamily="2" charset="-122"/>
+              </a:rPr>
+              <a:t> </a:t>
+            </a:r>
+            <a:r>
+              <a:rPr lang="zh-CN" altLang="en-US" sz="1400" dirty="0">
+                <a:latin typeface="宋体" panose="02010600030101010101" pitchFamily="2" charset="-122"/>
+                <a:ea typeface="宋体" panose="02010600030101010101" pitchFamily="2" charset="-122"/>
+              </a:rPr>
+              <a:t>需要定义，不要和 </a:t>
+            </a:r>
+            <a:r>
+              <a:rPr lang="en-US" altLang="zh-CN" sz="1400" dirty="0">
+                <a:latin typeface="宋体" panose="02010600030101010101" pitchFamily="2" charset="-122"/>
+                <a:ea typeface="宋体" panose="02010600030101010101" pitchFamily="2" charset="-122"/>
+              </a:rPr>
+              <a:t>canal </a:t>
+            </a:r>
+            <a:r>
+              <a:rPr lang="zh-CN" altLang="en-US" sz="1400" dirty="0">
+                <a:latin typeface="宋体" panose="02010600030101010101" pitchFamily="2" charset="-122"/>
+                <a:ea typeface="宋体" panose="02010600030101010101" pitchFamily="2" charset="-122"/>
+              </a:rPr>
+              <a:t>的 </a:t>
+            </a:r>
+            <a:r>
+              <a:rPr lang="en-US" altLang="zh-CN" sz="1400" dirty="0" err="1">
+                <a:latin typeface="宋体" panose="02010600030101010101" pitchFamily="2" charset="-122"/>
+                <a:ea typeface="宋体" panose="02010600030101010101" pitchFamily="2" charset="-122"/>
+              </a:rPr>
+              <a:t>slaveId</a:t>
+            </a:r>
+            <a:r>
+              <a:rPr lang="en-US" altLang="zh-CN" sz="1400" dirty="0">
+                <a:latin typeface="宋体" panose="02010600030101010101" pitchFamily="2" charset="-122"/>
+                <a:ea typeface="宋体" panose="02010600030101010101" pitchFamily="2" charset="-122"/>
+              </a:rPr>
+              <a:t> </a:t>
+            </a:r>
+            <a:r>
+              <a:rPr lang="zh-CN" altLang="en-US" sz="1400" dirty="0">
+                <a:latin typeface="宋体" panose="02010600030101010101" pitchFamily="2" charset="-122"/>
+                <a:ea typeface="宋体" panose="02010600030101010101" pitchFamily="2" charset="-122"/>
+              </a:rPr>
+              <a:t>重复</a:t>
+            </a:r>
+            <a:endParaRPr lang="en-US" altLang="zh-CN" sz="1400" dirty="0">
+              <a:latin typeface="宋体" panose="02010600030101010101" pitchFamily="2" charset="-122"/>
+              <a:ea typeface="宋体" panose="02010600030101010101" pitchFamily="2" charset="-122"/>
+            </a:endParaRPr>
+          </a:p>
+          <a:p>
+            <a:pPr marL="457200" lvl="1" indent="0" eaLnBrk="0" fontAlgn="base" hangingPunct="0">
+              <a:lnSpc>
+                <a:spcPct val="100000"/>
+              </a:lnSpc>
+              <a:spcBef>
+                <a:spcPct val="0"/>
+              </a:spcBef>
+              <a:spcAft>
+                <a:spcPct val="0"/>
+              </a:spcAft>
+              <a:buNone/>
+            </a:pPr>
+            <a:r>
+              <a:rPr kumimoji="0" lang="zh-CN" altLang="en-US" sz="1400" b="0" i="0" u="none" strike="noStrike" cap="none" normalizeH="0" baseline="0" dirty="0">
+                <a:ln>
+                  <a:noFill/>
+                </a:ln>
+                <a:solidFill>
+                  <a:schemeClr val="tx1"/>
+                </a:solidFill>
+                <a:effectLst/>
+                <a:latin typeface="宋体" panose="02010600030101010101" pitchFamily="2" charset="-122"/>
+                <a:ea typeface="宋体" panose="02010600030101010101" pitchFamily="2" charset="-122"/>
+              </a:rPr>
+              <a:t> </a:t>
+            </a:r>
+          </a:p>
+          <a:p>
+            <a:pPr marL="0" marR="0" lvl="0" indent="0" algn="l" defTabSz="914400" rtl="0" eaLnBrk="0" fontAlgn="base" latinLnBrk="0" hangingPunct="0">
+              <a:lnSpc>
+                <a:spcPct val="100000"/>
+              </a:lnSpc>
+              <a:spcBef>
+                <a:spcPct val="0"/>
+              </a:spcBef>
+              <a:spcAft>
+                <a:spcPct val="0"/>
+              </a:spcAft>
+              <a:buClrTx/>
+              <a:buSzTx/>
+              <a:buNone/>
+              <a:tabLst/>
+            </a:pPr>
+            <a:r>
+              <a:rPr kumimoji="0" lang="zh-CN" altLang="en-US" sz="1800" b="0" i="0" u="none" strike="noStrike" cap="none" normalizeH="0" baseline="0" dirty="0">
+                <a:ln>
+                  <a:noFill/>
+                </a:ln>
+                <a:solidFill>
+                  <a:schemeClr val="tx1"/>
+                </a:solidFill>
+                <a:effectLst/>
+                <a:latin typeface="宋体" panose="02010600030101010101" pitchFamily="2" charset="-122"/>
+                <a:ea typeface="宋体" panose="02010600030101010101" pitchFamily="2" charset="-122"/>
+              </a:rPr>
+              <a:t>数据库重启后</a:t>
+            </a:r>
+            <a:r>
+              <a:rPr kumimoji="0" lang="en-US" altLang="zh-CN" sz="1800" b="0" i="0" u="none" strike="noStrike" cap="none" normalizeH="0" baseline="0" dirty="0">
+                <a:ln>
+                  <a:noFill/>
+                </a:ln>
+                <a:solidFill>
+                  <a:schemeClr val="tx1"/>
+                </a:solidFill>
+                <a:effectLst/>
+                <a:latin typeface="宋体" panose="02010600030101010101" pitchFamily="2" charset="-122"/>
+                <a:ea typeface="宋体" panose="02010600030101010101" pitchFamily="2" charset="-122"/>
+              </a:rPr>
+              <a:t>, </a:t>
+            </a:r>
+            <a:r>
+              <a:rPr kumimoji="0" lang="zh-CN" altLang="en-US" sz="1800" b="0" i="0" u="none" strike="noStrike" cap="none" normalizeH="0" baseline="0" dirty="0">
+                <a:ln>
+                  <a:noFill/>
+                </a:ln>
+                <a:solidFill>
+                  <a:schemeClr val="tx1"/>
+                </a:solidFill>
+                <a:effectLst/>
+                <a:latin typeface="宋体" panose="02010600030101010101" pitchFamily="2" charset="-122"/>
+                <a:ea typeface="宋体" panose="02010600030101010101" pitchFamily="2" charset="-122"/>
+              </a:rPr>
+              <a:t>简单测试 </a:t>
+            </a:r>
+            <a:r>
+              <a:rPr kumimoji="0" lang="en-US" altLang="zh-CN" sz="1800" b="0" i="0" u="none" strike="noStrike" cap="none" normalizeH="0" baseline="0" dirty="0" err="1">
+                <a:ln>
+                  <a:noFill/>
+                </a:ln>
+                <a:solidFill>
+                  <a:schemeClr val="tx1"/>
+                </a:solidFill>
+                <a:effectLst/>
+                <a:latin typeface="宋体" panose="02010600030101010101" pitchFamily="2" charset="-122"/>
+                <a:ea typeface="宋体" panose="02010600030101010101" pitchFamily="2" charset="-122"/>
+              </a:rPr>
+              <a:t>my.cnf</a:t>
+            </a:r>
+            <a:r>
+              <a:rPr kumimoji="0" lang="en-US" altLang="zh-CN" sz="1800" b="0" i="0" u="none" strike="noStrike" cap="none" normalizeH="0" baseline="0" dirty="0">
+                <a:ln>
+                  <a:noFill/>
+                </a:ln>
+                <a:solidFill>
+                  <a:schemeClr val="tx1"/>
+                </a:solidFill>
+                <a:effectLst/>
+                <a:latin typeface="宋体" panose="02010600030101010101" pitchFamily="2" charset="-122"/>
+                <a:ea typeface="宋体" panose="02010600030101010101" pitchFamily="2" charset="-122"/>
+              </a:rPr>
+              <a:t> </a:t>
+            </a:r>
+            <a:r>
+              <a:rPr kumimoji="0" lang="zh-CN" altLang="en-US" sz="1800" b="0" i="0" u="none" strike="noStrike" cap="none" normalizeH="0" baseline="0" dirty="0">
+                <a:ln>
+                  <a:noFill/>
+                </a:ln>
+                <a:solidFill>
+                  <a:schemeClr val="tx1"/>
+                </a:solidFill>
+                <a:effectLst/>
+                <a:latin typeface="宋体" panose="02010600030101010101" pitchFamily="2" charset="-122"/>
+                <a:ea typeface="宋体" panose="02010600030101010101" pitchFamily="2" charset="-122"/>
+              </a:rPr>
+              <a:t>配置是否生效</a:t>
+            </a:r>
+            <a:r>
+              <a:rPr kumimoji="0" lang="en-US" altLang="zh-CN" sz="1800" b="0" i="0" u="none" strike="noStrike" cap="none" normalizeH="0" baseline="0" dirty="0">
+                <a:ln>
+                  <a:noFill/>
+                </a:ln>
+                <a:solidFill>
+                  <a:schemeClr val="tx1"/>
+                </a:solidFill>
+                <a:effectLst/>
+                <a:latin typeface="宋体" panose="02010600030101010101" pitchFamily="2" charset="-122"/>
+                <a:ea typeface="宋体" panose="02010600030101010101" pitchFamily="2" charset="-122"/>
+              </a:rPr>
+              <a:t>:</a:t>
+            </a:r>
+          </a:p>
+          <a:p>
+            <a:pPr marL="0" marR="0" lvl="0" indent="0" algn="l" defTabSz="914400" rtl="0" eaLnBrk="0" fontAlgn="base" latinLnBrk="0" hangingPunct="0">
+              <a:lnSpc>
+                <a:spcPct val="100000"/>
+              </a:lnSpc>
+              <a:spcBef>
+                <a:spcPct val="0"/>
+              </a:spcBef>
+              <a:spcAft>
+                <a:spcPct val="0"/>
+              </a:spcAft>
+              <a:buClrTx/>
+              <a:buSzTx/>
+              <a:buNone/>
+              <a:tabLst/>
+            </a:pPr>
+            <a:endParaRPr kumimoji="0" lang="en-US" altLang="zh-CN" sz="1800" b="0" i="0" u="none" strike="noStrike" cap="none" normalizeH="0" baseline="0" dirty="0">
+              <a:ln>
+                <a:noFill/>
+              </a:ln>
+              <a:solidFill>
+                <a:schemeClr val="tx1"/>
+              </a:solidFill>
+              <a:effectLst/>
+              <a:latin typeface="宋体" panose="02010600030101010101" pitchFamily="2" charset="-122"/>
+              <a:ea typeface="宋体" panose="02010600030101010101" pitchFamily="2" charset="-122"/>
+            </a:endParaRPr>
+          </a:p>
+          <a:p>
+            <a:pPr marL="0" marR="0" lvl="0" indent="0" algn="l" defTabSz="914400" rtl="0" eaLnBrk="0" fontAlgn="base" latinLnBrk="0" hangingPunct="0">
+              <a:lnSpc>
+                <a:spcPct val="100000"/>
+              </a:lnSpc>
+              <a:spcBef>
+                <a:spcPct val="0"/>
+              </a:spcBef>
+              <a:spcAft>
+                <a:spcPct val="0"/>
+              </a:spcAft>
+              <a:buClrTx/>
+              <a:buSzTx/>
+              <a:buNone/>
+              <a:tabLst/>
+            </a:pPr>
+            <a:r>
+              <a:rPr kumimoji="0" lang="en-US" altLang="zh-CN" sz="1800" b="0" i="0" u="none" strike="noStrike" cap="none" normalizeH="0" baseline="0" dirty="0" err="1">
+                <a:ln>
+                  <a:noFill/>
+                </a:ln>
+                <a:solidFill>
+                  <a:schemeClr val="tx1"/>
+                </a:solidFill>
+                <a:effectLst/>
+                <a:latin typeface="宋体" panose="02010600030101010101" pitchFamily="2" charset="-122"/>
+                <a:ea typeface="宋体" panose="02010600030101010101" pitchFamily="2" charset="-122"/>
+              </a:rPr>
+              <a:t>mysql</a:t>
+            </a:r>
+            <a:r>
+              <a:rPr kumimoji="0" lang="en-US" altLang="zh-CN" sz="1800" b="0" i="0" u="none" strike="noStrike" cap="none" normalizeH="0" baseline="0" dirty="0">
+                <a:ln>
+                  <a:noFill/>
+                </a:ln>
+                <a:solidFill>
+                  <a:schemeClr val="tx1"/>
+                </a:solidFill>
+                <a:effectLst/>
+                <a:latin typeface="宋体" panose="02010600030101010101" pitchFamily="2" charset="-122"/>
+                <a:ea typeface="宋体" panose="02010600030101010101" pitchFamily="2" charset="-122"/>
+              </a:rPr>
+              <a:t>&gt; show variables like 'binlog_format';</a:t>
+            </a:r>
+          </a:p>
+          <a:p>
+            <a:pPr marL="0" marR="0" lvl="0" indent="0" algn="l" defTabSz="914400" rtl="0" eaLnBrk="0" fontAlgn="base" latinLnBrk="0" hangingPunct="0">
+              <a:lnSpc>
+                <a:spcPct val="100000"/>
+              </a:lnSpc>
+              <a:spcBef>
+                <a:spcPct val="0"/>
+              </a:spcBef>
+              <a:spcAft>
+                <a:spcPct val="0"/>
+              </a:spcAft>
+              <a:buClrTx/>
+              <a:buSzTx/>
+              <a:buNone/>
+              <a:tabLst/>
+            </a:pPr>
+            <a:r>
+              <a:rPr kumimoji="0" lang="en-US" altLang="zh-CN" sz="1800" b="0" i="0" u="none" strike="noStrike" cap="none" normalizeH="0" baseline="0" dirty="0">
+                <a:ln>
+                  <a:noFill/>
+                </a:ln>
+                <a:solidFill>
+                  <a:schemeClr val="tx1"/>
+                </a:solidFill>
+                <a:effectLst/>
+                <a:latin typeface="宋体" panose="02010600030101010101" pitchFamily="2" charset="-122"/>
+                <a:ea typeface="宋体" panose="02010600030101010101" pitchFamily="2" charset="-122"/>
+              </a:rPr>
+              <a:t>+---------------+-------+</a:t>
+            </a:r>
+          </a:p>
+          <a:p>
+            <a:pPr marL="0" marR="0" lvl="0" indent="0" algn="l" defTabSz="914400" rtl="0" eaLnBrk="0" fontAlgn="base" latinLnBrk="0" hangingPunct="0">
+              <a:lnSpc>
+                <a:spcPct val="100000"/>
+              </a:lnSpc>
+              <a:spcBef>
+                <a:spcPct val="0"/>
+              </a:spcBef>
+              <a:spcAft>
+                <a:spcPct val="0"/>
+              </a:spcAft>
+              <a:buClrTx/>
+              <a:buSzTx/>
+              <a:buNone/>
+              <a:tabLst/>
+            </a:pPr>
+            <a:r>
+              <a:rPr kumimoji="0" lang="en-US" altLang="zh-CN" sz="1800" b="0" i="0" u="none" strike="noStrike" cap="none" normalizeH="0" baseline="0" dirty="0">
+                <a:ln>
+                  <a:noFill/>
+                </a:ln>
+                <a:solidFill>
+                  <a:schemeClr val="tx1"/>
+                </a:solidFill>
+                <a:effectLst/>
+                <a:latin typeface="宋体" panose="02010600030101010101" pitchFamily="2" charset="-122"/>
+                <a:ea typeface="宋体" panose="02010600030101010101" pitchFamily="2" charset="-122"/>
+              </a:rPr>
+              <a:t>| </a:t>
+            </a:r>
+            <a:r>
+              <a:rPr kumimoji="0" lang="en-US" altLang="zh-CN" sz="1800" b="0" i="0" u="none" strike="noStrike" cap="none" normalizeH="0" baseline="0" dirty="0" err="1">
+                <a:ln>
+                  <a:noFill/>
+                </a:ln>
+                <a:solidFill>
+                  <a:schemeClr val="tx1"/>
+                </a:solidFill>
+                <a:effectLst/>
+                <a:latin typeface="宋体" panose="02010600030101010101" pitchFamily="2" charset="-122"/>
+                <a:ea typeface="宋体" panose="02010600030101010101" pitchFamily="2" charset="-122"/>
+              </a:rPr>
+              <a:t>Variable_name</a:t>
+            </a:r>
+            <a:r>
+              <a:rPr kumimoji="0" lang="en-US" altLang="zh-CN" sz="1800" b="0" i="0" u="none" strike="noStrike" cap="none" normalizeH="0" baseline="0" dirty="0">
+                <a:ln>
+                  <a:noFill/>
+                </a:ln>
+                <a:solidFill>
+                  <a:schemeClr val="tx1"/>
+                </a:solidFill>
+                <a:effectLst/>
+                <a:latin typeface="宋体" panose="02010600030101010101" pitchFamily="2" charset="-122"/>
+                <a:ea typeface="宋体" panose="02010600030101010101" pitchFamily="2" charset="-122"/>
+              </a:rPr>
+              <a:t> | Value |</a:t>
+            </a:r>
+          </a:p>
+          <a:p>
+            <a:pPr marL="0" marR="0" lvl="0" indent="0" algn="l" defTabSz="914400" rtl="0" eaLnBrk="0" fontAlgn="base" latinLnBrk="0" hangingPunct="0">
+              <a:lnSpc>
+                <a:spcPct val="100000"/>
+              </a:lnSpc>
+              <a:spcBef>
+                <a:spcPct val="0"/>
+              </a:spcBef>
+              <a:spcAft>
+                <a:spcPct val="0"/>
+              </a:spcAft>
+              <a:buClrTx/>
+              <a:buSzTx/>
+              <a:buNone/>
+              <a:tabLst/>
+            </a:pPr>
+            <a:r>
+              <a:rPr kumimoji="0" lang="en-US" altLang="zh-CN" sz="1800" b="0" i="0" u="none" strike="noStrike" cap="none" normalizeH="0" baseline="0" dirty="0">
+                <a:ln>
+                  <a:noFill/>
+                </a:ln>
+                <a:solidFill>
+                  <a:schemeClr val="tx1"/>
+                </a:solidFill>
+                <a:effectLst/>
+                <a:latin typeface="宋体" panose="02010600030101010101" pitchFamily="2" charset="-122"/>
+                <a:ea typeface="宋体" panose="02010600030101010101" pitchFamily="2" charset="-122"/>
+              </a:rPr>
+              <a:t>+---------------+-------+</a:t>
+            </a:r>
+          </a:p>
+          <a:p>
+            <a:pPr marL="0" marR="0" lvl="0" indent="0" algn="l" defTabSz="914400" rtl="0" eaLnBrk="0" fontAlgn="base" latinLnBrk="0" hangingPunct="0">
+              <a:lnSpc>
+                <a:spcPct val="100000"/>
+              </a:lnSpc>
+              <a:spcBef>
+                <a:spcPct val="0"/>
+              </a:spcBef>
+              <a:spcAft>
+                <a:spcPct val="0"/>
+              </a:spcAft>
+              <a:buClrTx/>
+              <a:buSzTx/>
+              <a:buNone/>
+              <a:tabLst/>
+            </a:pPr>
+            <a:r>
+              <a:rPr kumimoji="0" lang="en-US" altLang="zh-CN" sz="1800" b="0" i="0" u="none" strike="noStrike" cap="none" normalizeH="0" baseline="0" dirty="0">
+                <a:ln>
+                  <a:noFill/>
+                </a:ln>
+                <a:solidFill>
+                  <a:schemeClr val="tx1"/>
+                </a:solidFill>
+                <a:effectLst/>
+                <a:latin typeface="宋体" panose="02010600030101010101" pitchFamily="2" charset="-122"/>
+                <a:ea typeface="宋体" panose="02010600030101010101" pitchFamily="2" charset="-122"/>
+              </a:rPr>
+              <a:t>| binlog_format | ROW   |</a:t>
+            </a:r>
+          </a:p>
+          <a:p>
+            <a:pPr marL="0" marR="0" lvl="0" indent="0" algn="l" defTabSz="914400" rtl="0" eaLnBrk="0" fontAlgn="base" latinLnBrk="0" hangingPunct="0">
+              <a:lnSpc>
+                <a:spcPct val="100000"/>
+              </a:lnSpc>
+              <a:spcBef>
+                <a:spcPct val="0"/>
+              </a:spcBef>
+              <a:spcAft>
+                <a:spcPct val="0"/>
+              </a:spcAft>
+              <a:buClrTx/>
+              <a:buSzTx/>
+              <a:buNone/>
+              <a:tabLst/>
+            </a:pPr>
+            <a:r>
+              <a:rPr kumimoji="0" lang="en-US" altLang="zh-CN" sz="1800" b="0" i="0" u="none" strike="noStrike" cap="none" normalizeH="0" baseline="0" dirty="0">
+                <a:ln>
+                  <a:noFill/>
+                </a:ln>
+                <a:solidFill>
+                  <a:schemeClr val="tx1"/>
+                </a:solidFill>
+                <a:effectLst/>
+                <a:latin typeface="宋体" panose="02010600030101010101" pitchFamily="2" charset="-122"/>
+                <a:ea typeface="宋体" panose="02010600030101010101" pitchFamily="2" charset="-122"/>
+              </a:rPr>
+              <a:t>+---------------+-------+</a:t>
+            </a:r>
+          </a:p>
+          <a:p>
+            <a:pPr marL="0" marR="0" lvl="0" indent="0" algn="l" defTabSz="914400" rtl="0" eaLnBrk="0" fontAlgn="base" latinLnBrk="0" hangingPunct="0">
+              <a:lnSpc>
+                <a:spcPct val="100000"/>
+              </a:lnSpc>
+              <a:spcBef>
+                <a:spcPct val="0"/>
+              </a:spcBef>
+              <a:spcAft>
+                <a:spcPct val="0"/>
+              </a:spcAft>
+              <a:buClrTx/>
+              <a:buSzTx/>
+              <a:buNone/>
+              <a:tabLst/>
+            </a:pPr>
+            <a:r>
+              <a:rPr kumimoji="0" lang="en-US" altLang="zh-CN" sz="1800" b="0" i="0" u="none" strike="noStrike" cap="none" normalizeH="0" baseline="0" dirty="0" err="1">
+                <a:ln>
+                  <a:noFill/>
+                </a:ln>
+                <a:solidFill>
+                  <a:schemeClr val="tx1"/>
+                </a:solidFill>
+                <a:effectLst/>
+                <a:latin typeface="宋体" panose="02010600030101010101" pitchFamily="2" charset="-122"/>
+                <a:ea typeface="宋体" panose="02010600030101010101" pitchFamily="2" charset="-122"/>
+              </a:rPr>
+              <a:t>mysql</a:t>
+            </a:r>
+            <a:r>
+              <a:rPr kumimoji="0" lang="en-US" altLang="zh-CN" sz="1800" b="0" i="0" u="none" strike="noStrike" cap="none" normalizeH="0" baseline="0" dirty="0">
+                <a:ln>
+                  <a:noFill/>
+                </a:ln>
+                <a:solidFill>
+                  <a:schemeClr val="tx1"/>
+                </a:solidFill>
+                <a:effectLst/>
+                <a:latin typeface="宋体" panose="02010600030101010101" pitchFamily="2" charset="-122"/>
+                <a:ea typeface="宋体" panose="02010600030101010101" pitchFamily="2" charset="-122"/>
+              </a:rPr>
+              <a:t>&gt; show variables like </a:t>
+            </a:r>
+            <a:r>
+              <a:rPr lang="en-US" altLang="zh-CN" sz="1800" dirty="0">
+                <a:latin typeface="宋体" panose="02010600030101010101" pitchFamily="2" charset="-122"/>
+                <a:ea typeface="宋体" panose="02010600030101010101" pitchFamily="2" charset="-122"/>
+              </a:rPr>
+              <a:t>'</a:t>
+            </a:r>
+            <a:r>
+              <a:rPr kumimoji="0" lang="en-US" altLang="zh-CN" sz="1800" b="0" i="0" u="none" strike="noStrike" cap="none" normalizeH="0" baseline="0" dirty="0" err="1">
+                <a:ln>
+                  <a:noFill/>
+                </a:ln>
+                <a:solidFill>
+                  <a:schemeClr val="tx1"/>
+                </a:solidFill>
+                <a:effectLst/>
+                <a:latin typeface="宋体" panose="02010600030101010101" pitchFamily="2" charset="-122"/>
+                <a:ea typeface="宋体" panose="02010600030101010101" pitchFamily="2" charset="-122"/>
+              </a:rPr>
+              <a:t>log_bin</a:t>
+            </a:r>
+            <a:r>
+              <a:rPr kumimoji="0" lang="en-US" altLang="zh-CN" sz="1800" b="0" i="0" u="none" strike="noStrike" cap="none" normalizeH="0" baseline="0" dirty="0">
+                <a:ln>
+                  <a:noFill/>
+                </a:ln>
+                <a:solidFill>
+                  <a:schemeClr val="tx1"/>
+                </a:solidFill>
+                <a:effectLst/>
+                <a:latin typeface="宋体" panose="02010600030101010101" pitchFamily="2" charset="-122"/>
+                <a:ea typeface="宋体" panose="02010600030101010101" pitchFamily="2" charset="-122"/>
+              </a:rPr>
+              <a:t>';</a:t>
+            </a:r>
+          </a:p>
+          <a:p>
+            <a:pPr marL="0" marR="0" lvl="0" indent="0" algn="l" defTabSz="914400" rtl="0" eaLnBrk="0" fontAlgn="base" latinLnBrk="0" hangingPunct="0">
+              <a:lnSpc>
+                <a:spcPct val="100000"/>
+              </a:lnSpc>
+              <a:spcBef>
+                <a:spcPct val="0"/>
+              </a:spcBef>
+              <a:spcAft>
+                <a:spcPct val="0"/>
+              </a:spcAft>
+              <a:buClrTx/>
+              <a:buSzTx/>
+              <a:buNone/>
+              <a:tabLst/>
+            </a:pPr>
+            <a:r>
+              <a:rPr kumimoji="0" lang="en-US" altLang="zh-CN" sz="1800" b="0" i="0" u="none" strike="noStrike" cap="none" normalizeH="0" baseline="0" dirty="0">
+                <a:ln>
+                  <a:noFill/>
+                </a:ln>
+                <a:solidFill>
+                  <a:schemeClr val="tx1"/>
+                </a:solidFill>
+                <a:effectLst/>
+                <a:latin typeface="宋体" panose="02010600030101010101" pitchFamily="2" charset="-122"/>
+                <a:ea typeface="宋体" panose="02010600030101010101" pitchFamily="2" charset="-122"/>
+              </a:rPr>
+              <a:t>+---------------+-------+</a:t>
+            </a:r>
+          </a:p>
+          <a:p>
+            <a:pPr marL="0" marR="0" lvl="0" indent="0" algn="l" defTabSz="914400" rtl="0" eaLnBrk="0" fontAlgn="base" latinLnBrk="0" hangingPunct="0">
+              <a:lnSpc>
+                <a:spcPct val="100000"/>
+              </a:lnSpc>
+              <a:spcBef>
+                <a:spcPct val="0"/>
+              </a:spcBef>
+              <a:spcAft>
+                <a:spcPct val="0"/>
+              </a:spcAft>
+              <a:buClrTx/>
+              <a:buSzTx/>
+              <a:buNone/>
+              <a:tabLst/>
+            </a:pPr>
+            <a:r>
+              <a:rPr kumimoji="0" lang="en-US" altLang="zh-CN" sz="1800" b="0" i="0" u="none" strike="noStrike" cap="none" normalizeH="0" baseline="0" dirty="0">
+                <a:ln>
+                  <a:noFill/>
+                </a:ln>
+                <a:solidFill>
+                  <a:schemeClr val="tx1"/>
+                </a:solidFill>
+                <a:effectLst/>
+                <a:latin typeface="宋体" panose="02010600030101010101" pitchFamily="2" charset="-122"/>
+                <a:ea typeface="宋体" panose="02010600030101010101" pitchFamily="2" charset="-122"/>
+              </a:rPr>
+              <a:t>| </a:t>
+            </a:r>
+            <a:r>
+              <a:rPr kumimoji="0" lang="en-US" altLang="zh-CN" sz="1800" b="0" i="0" u="none" strike="noStrike" cap="none" normalizeH="0" baseline="0" dirty="0" err="1">
+                <a:ln>
+                  <a:noFill/>
+                </a:ln>
+                <a:solidFill>
+                  <a:schemeClr val="tx1"/>
+                </a:solidFill>
+                <a:effectLst/>
+                <a:latin typeface="宋体" panose="02010600030101010101" pitchFamily="2" charset="-122"/>
+                <a:ea typeface="宋体" panose="02010600030101010101" pitchFamily="2" charset="-122"/>
+              </a:rPr>
+              <a:t>Variable_name</a:t>
+            </a:r>
+            <a:r>
+              <a:rPr kumimoji="0" lang="en-US" altLang="zh-CN" sz="1800" b="0" i="0" u="none" strike="noStrike" cap="none" normalizeH="0" baseline="0" dirty="0">
+                <a:ln>
+                  <a:noFill/>
+                </a:ln>
+                <a:solidFill>
+                  <a:schemeClr val="tx1"/>
+                </a:solidFill>
+                <a:effectLst/>
+                <a:latin typeface="宋体" panose="02010600030101010101" pitchFamily="2" charset="-122"/>
+                <a:ea typeface="宋体" panose="02010600030101010101" pitchFamily="2" charset="-122"/>
+              </a:rPr>
+              <a:t> | Value |</a:t>
+            </a:r>
+          </a:p>
+          <a:p>
+            <a:pPr marL="0" marR="0" lvl="0" indent="0" algn="l" defTabSz="914400" rtl="0" eaLnBrk="0" fontAlgn="base" latinLnBrk="0" hangingPunct="0">
+              <a:lnSpc>
+                <a:spcPct val="100000"/>
+              </a:lnSpc>
+              <a:spcBef>
+                <a:spcPct val="0"/>
+              </a:spcBef>
+              <a:spcAft>
+                <a:spcPct val="0"/>
+              </a:spcAft>
+              <a:buClrTx/>
+              <a:buSzTx/>
+              <a:buNone/>
+              <a:tabLst/>
+            </a:pPr>
+            <a:r>
+              <a:rPr kumimoji="0" lang="en-US" altLang="zh-CN" sz="1800" b="0" i="0" u="none" strike="noStrike" cap="none" normalizeH="0" baseline="0" dirty="0">
+                <a:ln>
+                  <a:noFill/>
+                </a:ln>
+                <a:solidFill>
+                  <a:schemeClr val="tx1"/>
+                </a:solidFill>
+                <a:effectLst/>
+                <a:latin typeface="宋体" panose="02010600030101010101" pitchFamily="2" charset="-122"/>
+                <a:ea typeface="宋体" panose="02010600030101010101" pitchFamily="2" charset="-122"/>
+              </a:rPr>
+              <a:t>+---------------+-------+</a:t>
+            </a:r>
+          </a:p>
+          <a:p>
+            <a:pPr marL="0" marR="0" lvl="0" indent="0" algn="l" defTabSz="914400" rtl="0" eaLnBrk="0" fontAlgn="base" latinLnBrk="0" hangingPunct="0">
+              <a:lnSpc>
+                <a:spcPct val="100000"/>
+              </a:lnSpc>
+              <a:spcBef>
+                <a:spcPct val="0"/>
+              </a:spcBef>
+              <a:spcAft>
+                <a:spcPct val="0"/>
+              </a:spcAft>
+              <a:buClrTx/>
+              <a:buSzTx/>
+              <a:buNone/>
+              <a:tabLst/>
+            </a:pPr>
+            <a:r>
+              <a:rPr kumimoji="0" lang="en-US" altLang="zh-CN" sz="1800" b="0" i="0" u="none" strike="noStrike" cap="none" normalizeH="0" baseline="0" dirty="0">
+                <a:ln>
+                  <a:noFill/>
+                </a:ln>
+                <a:solidFill>
+                  <a:schemeClr val="tx1"/>
+                </a:solidFill>
+                <a:effectLst/>
+                <a:latin typeface="宋体" panose="02010600030101010101" pitchFamily="2" charset="-122"/>
+                <a:ea typeface="宋体" panose="02010600030101010101" pitchFamily="2" charset="-122"/>
+              </a:rPr>
+              <a:t>| </a:t>
+            </a:r>
+            <a:r>
+              <a:rPr kumimoji="0" lang="en-US" altLang="zh-CN" sz="1800" b="0" i="0" u="none" strike="noStrike" cap="none" normalizeH="0" baseline="0" dirty="0" err="1">
+                <a:ln>
+                  <a:noFill/>
+                </a:ln>
+                <a:solidFill>
+                  <a:schemeClr val="tx1"/>
+                </a:solidFill>
+                <a:effectLst/>
+                <a:latin typeface="宋体" panose="02010600030101010101" pitchFamily="2" charset="-122"/>
+                <a:ea typeface="宋体" panose="02010600030101010101" pitchFamily="2" charset="-122"/>
+              </a:rPr>
+              <a:t>log_bin</a:t>
+            </a:r>
+            <a:r>
+              <a:rPr kumimoji="0" lang="en-US" altLang="zh-CN" sz="1800" b="0" i="0" u="none" strike="noStrike" cap="none" normalizeH="0" baseline="0" dirty="0">
+                <a:ln>
+                  <a:noFill/>
+                </a:ln>
+                <a:solidFill>
+                  <a:schemeClr val="tx1"/>
+                </a:solidFill>
+                <a:effectLst/>
+                <a:latin typeface="宋体" panose="02010600030101010101" pitchFamily="2" charset="-122"/>
+                <a:ea typeface="宋体" panose="02010600030101010101" pitchFamily="2" charset="-122"/>
+              </a:rPr>
+              <a:t>       | ON    |</a:t>
+            </a:r>
+          </a:p>
+          <a:p>
+            <a:pPr marL="0" marR="0" lvl="0" indent="0" algn="l" defTabSz="914400" rtl="0" eaLnBrk="0" fontAlgn="base" latinLnBrk="0" hangingPunct="0">
+              <a:lnSpc>
+                <a:spcPct val="100000"/>
+              </a:lnSpc>
+              <a:spcBef>
+                <a:spcPct val="0"/>
+              </a:spcBef>
+              <a:spcAft>
+                <a:spcPct val="0"/>
+              </a:spcAft>
+              <a:buClrTx/>
+              <a:buSzTx/>
+              <a:buNone/>
+              <a:tabLst/>
+            </a:pPr>
+            <a:r>
+              <a:rPr kumimoji="0" lang="en-US" altLang="zh-CN" sz="1800" b="0" i="0" u="none" strike="noStrike" cap="none" normalizeH="0" baseline="0" dirty="0">
+                <a:ln>
+                  <a:noFill/>
+                </a:ln>
+                <a:solidFill>
+                  <a:schemeClr val="tx1"/>
+                </a:solidFill>
+                <a:effectLst/>
+                <a:latin typeface="宋体" panose="02010600030101010101" pitchFamily="2" charset="-122"/>
+                <a:ea typeface="宋体" panose="02010600030101010101" pitchFamily="2" charset="-122"/>
+              </a:rPr>
+              <a:t>+---------------+-------+</a:t>
+            </a:r>
+          </a:p>
+          <a:p>
+            <a:pPr marL="0" marR="0" lvl="0" indent="0" algn="l" defTabSz="914400" rtl="0" eaLnBrk="0" fontAlgn="base" latinLnBrk="0" hangingPunct="0">
+              <a:lnSpc>
+                <a:spcPct val="100000"/>
+              </a:lnSpc>
+              <a:spcBef>
+                <a:spcPct val="0"/>
+              </a:spcBef>
+              <a:spcAft>
+                <a:spcPct val="0"/>
+              </a:spcAft>
+              <a:buClrTx/>
+              <a:buSzTx/>
+              <a:buNone/>
+              <a:tabLst/>
+            </a:pPr>
+            <a:endParaRPr lang="en-US" altLang="zh-CN" sz="1800" dirty="0">
+              <a:latin typeface="宋体" panose="02010600030101010101" pitchFamily="2" charset="-122"/>
+              <a:ea typeface="宋体" panose="02010600030101010101" pitchFamily="2" charset="-122"/>
+            </a:endParaRPr>
+          </a:p>
+          <a:p>
+            <a:pPr marL="0" marR="0" lvl="0" indent="0" algn="l" defTabSz="914400" rtl="0" eaLnBrk="0" fontAlgn="base" latinLnBrk="0" hangingPunct="0">
+              <a:lnSpc>
+                <a:spcPct val="100000"/>
+              </a:lnSpc>
+              <a:spcBef>
+                <a:spcPct val="0"/>
+              </a:spcBef>
+              <a:spcAft>
+                <a:spcPct val="0"/>
+              </a:spcAft>
+              <a:buClrTx/>
+              <a:buSzTx/>
+              <a:buNone/>
+              <a:tabLst/>
+            </a:pPr>
+            <a:endParaRPr kumimoji="0" lang="zh-CN" altLang="zh-CN" sz="1800" b="0" i="0" u="none" strike="noStrike" cap="none" normalizeH="0" baseline="0" dirty="0">
+              <a:ln>
+                <a:noFill/>
+              </a:ln>
+              <a:solidFill>
+                <a:schemeClr val="tx1"/>
+              </a:solidFill>
+              <a:effectLst/>
+              <a:latin typeface="宋体" panose="02010600030101010101" pitchFamily="2" charset="-122"/>
+              <a:ea typeface="宋体" panose="02010600030101010101" pitchFamily="2" charset="-122"/>
+            </a:endParaRPr>
+          </a:p>
+        </p:txBody>
+      </p:sp>
+    </p:spTree>
+    <p:extLst>
+      <p:ext uri="{BB962C8B-B14F-4D97-AF65-F5344CB8AC3E}">
+        <p14:creationId xmlns:p14="http://schemas.microsoft.com/office/powerpoint/2010/main" val="2769665741"/>
       </p:ext>
     </p:extLst>
   </p:cSld>
